--- a/4.Users_And_UsersGroups/04-UsersAndUsersGroups.pptx
+++ b/4.Users_And_UsersGroups/04-UsersAndUsersGroups.pptx
@@ -310,7 +310,7 @@
           <a:p>
             <a:fld id="{3EA744D9-3FBE-48D8-BF2A-85DF203E4D20}" type="datetimeFigureOut">
               <a:rPr lang="bg-BG" smtClean="0"/>
-              <a:t>6.12.2016 г.</a:t>
+              <a:t>20.03.17 г.</a:t>
             </a:fld>
             <a:endParaRPr lang="bg-BG"/>
           </a:p>
@@ -480,7 +480,7 @@
           <a:p>
             <a:fld id="{3EA744D9-3FBE-48D8-BF2A-85DF203E4D20}" type="datetimeFigureOut">
               <a:rPr lang="bg-BG" smtClean="0"/>
-              <a:t>6.12.2016 г.</a:t>
+              <a:t>20.03.17 г.</a:t>
             </a:fld>
             <a:endParaRPr lang="bg-BG"/>
           </a:p>
@@ -660,7 +660,7 @@
           <a:p>
             <a:fld id="{3EA744D9-3FBE-48D8-BF2A-85DF203E4D20}" type="datetimeFigureOut">
               <a:rPr lang="bg-BG" smtClean="0"/>
-              <a:t>6.12.2016 г.</a:t>
+              <a:t>20.03.17 г.</a:t>
             </a:fld>
             <a:endParaRPr lang="bg-BG"/>
           </a:p>
@@ -830,7 +830,7 @@
           <a:p>
             <a:fld id="{3EA744D9-3FBE-48D8-BF2A-85DF203E4D20}" type="datetimeFigureOut">
               <a:rPr lang="bg-BG" smtClean="0"/>
-              <a:t>6.12.2016 г.</a:t>
+              <a:t>20.03.17 г.</a:t>
             </a:fld>
             <a:endParaRPr lang="bg-BG"/>
           </a:p>
@@ -1076,7 +1076,7 @@
           <a:p>
             <a:fld id="{3EA744D9-3FBE-48D8-BF2A-85DF203E4D20}" type="datetimeFigureOut">
               <a:rPr lang="bg-BG" smtClean="0"/>
-              <a:t>6.12.2016 г.</a:t>
+              <a:t>20.03.17 г.</a:t>
             </a:fld>
             <a:endParaRPr lang="bg-BG"/>
           </a:p>
@@ -1364,7 +1364,7 @@
           <a:p>
             <a:fld id="{3EA744D9-3FBE-48D8-BF2A-85DF203E4D20}" type="datetimeFigureOut">
               <a:rPr lang="bg-BG" smtClean="0"/>
-              <a:t>6.12.2016 г.</a:t>
+              <a:t>20.03.17 г.</a:t>
             </a:fld>
             <a:endParaRPr lang="bg-BG"/>
           </a:p>
@@ -1786,7 +1786,7 @@
           <a:p>
             <a:fld id="{3EA744D9-3FBE-48D8-BF2A-85DF203E4D20}" type="datetimeFigureOut">
               <a:rPr lang="bg-BG" smtClean="0"/>
-              <a:t>6.12.2016 г.</a:t>
+              <a:t>20.03.17 г.</a:t>
             </a:fld>
             <a:endParaRPr lang="bg-BG"/>
           </a:p>
@@ -1904,7 +1904,7 @@
           <a:p>
             <a:fld id="{3EA744D9-3FBE-48D8-BF2A-85DF203E4D20}" type="datetimeFigureOut">
               <a:rPr lang="bg-BG" smtClean="0"/>
-              <a:t>6.12.2016 г.</a:t>
+              <a:t>20.03.17 г.</a:t>
             </a:fld>
             <a:endParaRPr lang="bg-BG"/>
           </a:p>
@@ -1999,7 +1999,7 @@
           <a:p>
             <a:fld id="{3EA744D9-3FBE-48D8-BF2A-85DF203E4D20}" type="datetimeFigureOut">
               <a:rPr lang="bg-BG" smtClean="0"/>
-              <a:t>6.12.2016 г.</a:t>
+              <a:t>20.03.17 г.</a:t>
             </a:fld>
             <a:endParaRPr lang="bg-BG"/>
           </a:p>
@@ -2276,7 +2276,7 @@
           <a:p>
             <a:fld id="{3EA744D9-3FBE-48D8-BF2A-85DF203E4D20}" type="datetimeFigureOut">
               <a:rPr lang="bg-BG" smtClean="0"/>
-              <a:t>6.12.2016 г.</a:t>
+              <a:t>20.03.17 г.</a:t>
             </a:fld>
             <a:endParaRPr lang="bg-BG"/>
           </a:p>
@@ -2529,7 +2529,7 @@
           <a:p>
             <a:fld id="{3EA744D9-3FBE-48D8-BF2A-85DF203E4D20}" type="datetimeFigureOut">
               <a:rPr lang="bg-BG" smtClean="0"/>
-              <a:t>6.12.2016 г.</a:t>
+              <a:t>20.03.17 г.</a:t>
             </a:fld>
             <a:endParaRPr lang="bg-BG"/>
           </a:p>
@@ -2751,7 +2751,7 @@
           <a:p>
             <a:fld id="{3EA744D9-3FBE-48D8-BF2A-85DF203E4D20}" type="datetimeFigureOut">
               <a:rPr lang="bg-BG" smtClean="0"/>
-              <a:t>6.12.2016 г.</a:t>
+              <a:t>20.03.17 г.</a:t>
             </a:fld>
             <a:endParaRPr lang="bg-BG"/>
           </a:p>
@@ -3349,15 +3349,15 @@
                   <a:schemeClr val="accent6"/>
                 </a:solidFill>
               </a:rPr>
-              <a:t>In Linux there are privileged users and unprivileged. The default privileged user is “root”. This user has full access to everything on a Linux server and is allowed to work in system space without any restrictions. Be careful if you are logged as </a:t>
+              <a:t>In Linux there are privileged users and unprivileged. The default privileged user is “</a:t>
             </a:r>
             <a:r>
               <a:rPr lang="en-US" sz="2700" dirty="0" smtClean="0">
                 <a:solidFill>
-                  <a:schemeClr val="accent6"/>
-                </a:solidFill>
-              </a:rPr>
-              <a:t>root , </a:t>
+                  <a:schemeClr val="bg1"/>
+                </a:solidFill>
+              </a:rPr>
+              <a:t>root</a:t>
             </a:r>
             <a:r>
               <a:rPr lang="en-US" sz="2700" dirty="0" smtClean="0">
@@ -3365,7 +3365,23 @@
                   <a:schemeClr val="accent6"/>
                 </a:solidFill>
               </a:rPr>
-              <a:t>since each command  that you type is with enough privileges.</a:t>
+              <a:t>”. This user has full access to everything on a Linux server and is allowed to work in </a:t>
+            </a:r>
+            <a:r>
+              <a:rPr lang="en-US" sz="2700" dirty="0" smtClean="0">
+                <a:solidFill>
+                  <a:schemeClr val="bg1"/>
+                </a:solidFill>
+              </a:rPr>
+              <a:t>system space </a:t>
+            </a:r>
+            <a:r>
+              <a:rPr lang="en-US" sz="2700" dirty="0" smtClean="0">
+                <a:solidFill>
+                  <a:schemeClr val="accent6"/>
+                </a:solidFill>
+              </a:rPr>
+              <a:t>without any restrictions. Be careful if you are logged as root , since each command  that you type is with enough privileges.</a:t>
             </a:r>
             <a:r>
               <a:rPr lang="en-US" sz="3100" dirty="0" smtClean="0">
@@ -3423,10 +3439,18 @@
             <a:r>
               <a:rPr lang="en-US" sz="2200" dirty="0" smtClean="0">
                 <a:solidFill>
+                  <a:schemeClr val="accent6"/>
+                </a:solidFill>
+              </a:rPr>
+              <a:t>1. Find information on the internet about the file </a:t>
+            </a:r>
+            <a:r>
+              <a:rPr lang="en-US" sz="2200" dirty="0" smtClean="0">
+                <a:solidFill>
                   <a:schemeClr val="bg1"/>
                 </a:solidFill>
               </a:rPr>
-              <a:t>1. Find information on the internet about the file /</a:t>
+              <a:t>/</a:t>
             </a:r>
             <a:r>
               <a:rPr lang="en-US" sz="2200" dirty="0" err="1" smtClean="0">
@@ -3455,119 +3479,175 @@
             <a:r>
               <a:rPr lang="en-US" sz="2200" dirty="0" smtClean="0">
                 <a:solidFill>
+                  <a:schemeClr val="accent6"/>
+                </a:solidFill>
+              </a:rPr>
+              <a:t>.</a:t>
+            </a:r>
+            <a:r>
+              <a:rPr lang="en-US" sz="2200" dirty="0">
+                <a:solidFill>
                   <a:schemeClr val="bg1"/>
                 </a:solidFill>
               </a:rPr>
-              <a:t>.</a:t>
-            </a:r>
-            <a:r>
+              <a:t/>
+            </a:r>
+            <a:br>
               <a:rPr lang="en-US" sz="2200" dirty="0">
                 <a:solidFill>
                   <a:schemeClr val="bg1"/>
                 </a:solidFill>
               </a:rPr>
-              <a:t/>
-            </a:r>
-            <a:br>
+            </a:br>
+            <a:r>
+              <a:rPr lang="en-US" sz="2200" dirty="0" smtClean="0">
+                <a:solidFill>
+                  <a:schemeClr val="accent6"/>
+                </a:solidFill>
+              </a:rPr>
+              <a:t>2. </a:t>
+            </a:r>
+            <a:r>
               <a:rPr lang="en-US" sz="2200" dirty="0">
                 <a:solidFill>
+                  <a:schemeClr val="accent6"/>
+                </a:solidFill>
+              </a:rPr>
+              <a:t>Cat </a:t>
+            </a:r>
+            <a:r>
+              <a:rPr lang="en-US" sz="2200" dirty="0">
+                <a:solidFill>
                   <a:schemeClr val="bg1"/>
                 </a:solidFill>
               </a:rPr>
+              <a:t>/</a:t>
+            </a:r>
+            <a:r>
+              <a:rPr lang="en-US" sz="2200" dirty="0" err="1">
+                <a:solidFill>
+                  <a:schemeClr val="bg1"/>
+                </a:solidFill>
+              </a:rPr>
+              <a:t>etc</a:t>
+            </a:r>
+            <a:r>
+              <a:rPr lang="en-US" sz="2200" dirty="0">
+                <a:solidFill>
+                  <a:schemeClr val="bg1"/>
+                </a:solidFill>
+              </a:rPr>
+              <a:t>/</a:t>
+            </a:r>
+            <a:r>
+              <a:rPr lang="en-US" sz="2200" dirty="0" err="1">
+                <a:solidFill>
+                  <a:schemeClr val="bg1"/>
+                </a:solidFill>
+              </a:rPr>
+              <a:t>passwd</a:t>
+            </a:r>
+            <a:r>
+              <a:rPr lang="en-US" sz="2200" dirty="0">
+                <a:solidFill>
+                  <a:schemeClr val="bg1"/>
+                </a:solidFill>
+              </a:rPr>
+              <a:t> </a:t>
+            </a:r>
+            <a:r>
+              <a:rPr lang="en-US" sz="2200" dirty="0">
+                <a:solidFill>
+                  <a:schemeClr val="accent6"/>
+                </a:solidFill>
+              </a:rPr>
+              <a:t>and then grep for the root user.</a:t>
+            </a:r>
+            <a:br>
+              <a:rPr lang="en-US" sz="2200" dirty="0">
+                <a:solidFill>
+                  <a:schemeClr val="accent6"/>
+                </a:solidFill>
+              </a:rPr>
             </a:br>
             <a:r>
               <a:rPr lang="en-US" sz="2200" dirty="0" smtClean="0">
                 <a:solidFill>
+                  <a:schemeClr val="accent6"/>
+                </a:solidFill>
+              </a:rPr>
+              <a:t>3. </a:t>
+            </a:r>
+            <a:r>
+              <a:rPr lang="en-US" sz="2200" dirty="0">
+                <a:solidFill>
+                  <a:schemeClr val="accent6"/>
+                </a:solidFill>
+              </a:rPr>
+              <a:t>What is the root user id ? Run ‘</a:t>
+            </a:r>
+            <a:r>
+              <a:rPr lang="en-US" sz="2200" dirty="0">
+                <a:solidFill>
                   <a:schemeClr val="bg1"/>
                 </a:solidFill>
               </a:rPr>
-              <a:t>2. </a:t>
+              <a:t>id root</a:t>
             </a:r>
             <a:r>
               <a:rPr lang="en-US" sz="2200" dirty="0">
                 <a:solidFill>
+                  <a:schemeClr val="accent6"/>
+                </a:solidFill>
+              </a:rPr>
+              <a:t>’</a:t>
+            </a:r>
+            <a:r>
+              <a:rPr lang="en-US" sz="2200" dirty="0">
+                <a:solidFill>
                   <a:schemeClr val="bg1"/>
                 </a:solidFill>
               </a:rPr>
-              <a:t>Cat /</a:t>
-            </a:r>
-            <a:r>
-              <a:rPr lang="en-US" sz="2200" dirty="0" err="1">
+              <a:t/>
+            </a:r>
+            <a:br>
+              <a:rPr lang="en-US" sz="2200" dirty="0">
                 <a:solidFill>
                   <a:schemeClr val="bg1"/>
                 </a:solidFill>
               </a:rPr>
-              <a:t>etc</a:t>
+            </a:br>
+            <a:r>
+              <a:rPr lang="en-US" sz="2200" dirty="0" smtClean="0">
+                <a:solidFill>
+                  <a:schemeClr val="accent6"/>
+                </a:solidFill>
+              </a:rPr>
+              <a:t>4. </a:t>
             </a:r>
             <a:r>
               <a:rPr lang="en-US" sz="2200" dirty="0">
                 <a:solidFill>
+                  <a:schemeClr val="accent6"/>
+                </a:solidFill>
+              </a:rPr>
+              <a:t>Do you think it’s safe to let the root user to log in inside a server from remote</a:t>
+            </a:r>
+            <a:r>
+              <a:rPr lang="en-US" sz="2200" dirty="0">
+                <a:solidFill>
                   <a:schemeClr val="bg1"/>
                 </a:solidFill>
               </a:rPr>
-              <a:t>/</a:t>
-            </a:r>
-            <a:r>
-              <a:rPr lang="en-US" sz="2200" dirty="0" err="1">
-                <a:solidFill>
-                  <a:schemeClr val="bg1"/>
-                </a:solidFill>
-              </a:rPr>
-              <a:t>passwd</a:t>
+              <a:t> </a:t>
             </a:r>
             <a:r>
               <a:rPr lang="en-US" sz="2200" dirty="0">
                 <a:solidFill>
-                  <a:schemeClr val="bg1"/>
-                </a:solidFill>
-              </a:rPr>
-              <a:t> and then grep for the root user.</a:t>
-            </a:r>
-            <a:br>
-              <a:rPr lang="en-US" sz="2200" dirty="0">
-                <a:solidFill>
-                  <a:schemeClr val="bg1"/>
-                </a:solidFill>
-              </a:rPr>
-            </a:br>
-            <a:r>
-              <a:rPr lang="en-US" sz="2200" dirty="0" smtClean="0">
-                <a:solidFill>
-                  <a:schemeClr val="bg1"/>
-                </a:solidFill>
-              </a:rPr>
-              <a:t>3. </a:t>
-            </a:r>
-            <a:r>
-              <a:rPr lang="en-US" sz="2200" dirty="0">
-                <a:solidFill>
-                  <a:schemeClr val="bg1"/>
-                </a:solidFill>
-              </a:rPr>
-              <a:t>What is the root user id ? Run ‘id root’</a:t>
-            </a:r>
-            <a:br>
-              <a:rPr lang="en-US" sz="2200" dirty="0">
-                <a:solidFill>
-                  <a:schemeClr val="bg1"/>
-                </a:solidFill>
-              </a:rPr>
-            </a:br>
-            <a:r>
-              <a:rPr lang="en-US" sz="2200" dirty="0" smtClean="0">
-                <a:solidFill>
-                  <a:schemeClr val="bg1"/>
-                </a:solidFill>
-              </a:rPr>
-              <a:t>4. </a:t>
-            </a:r>
-            <a:r>
-              <a:rPr lang="en-US" sz="2200" dirty="0">
-                <a:solidFill>
-                  <a:schemeClr val="bg1"/>
-                </a:solidFill>
-              </a:rPr>
-              <a:t>Do you think it’s safe to let the root user to log in inside a server from remote ( SSH ) ? </a:t>
+                  <a:schemeClr val="accent6"/>
+                </a:solidFill>
+              </a:rPr>
+              <a:t>( SSH ) ? </a:t>
             </a:r>
             <a:r>
               <a:rPr lang="en-US" dirty="0">
@@ -3734,7 +3814,7 @@
             <a:r>
               <a:rPr lang="en-US" sz="2400" dirty="0" smtClean="0">
                 <a:solidFill>
-                  <a:schemeClr val="accent6"/>
+                  <a:schemeClr val="bg1"/>
                 </a:solidFill>
               </a:rPr>
               <a:t>/</a:t>
@@ -3742,7 +3822,7 @@
             <a:r>
               <a:rPr lang="en-US" sz="2400" dirty="0" err="1" smtClean="0">
                 <a:solidFill>
-                  <a:schemeClr val="accent6"/>
+                  <a:schemeClr val="bg1"/>
                 </a:solidFill>
               </a:rPr>
               <a:t>etc</a:t>
@@ -3750,7 +3830,7 @@
             <a:r>
               <a:rPr lang="en-US" sz="2400" dirty="0" smtClean="0">
                 <a:solidFill>
-                  <a:schemeClr val="accent6"/>
+                  <a:schemeClr val="bg1"/>
                 </a:solidFill>
               </a:rPr>
               <a:t>/</a:t>
@@ -3758,7 +3838,7 @@
             <a:r>
               <a:rPr lang="en-US" sz="2400" dirty="0" err="1" smtClean="0">
                 <a:solidFill>
-                  <a:schemeClr val="accent6"/>
+                  <a:schemeClr val="bg1"/>
                 </a:solidFill>
               </a:rPr>
               <a:t>passwd</a:t>
@@ -3766,10 +3846,18 @@
             <a:r>
               <a:rPr lang="en-US" sz="2400" dirty="0" smtClean="0">
                 <a:solidFill>
-                  <a:schemeClr val="accent6"/>
-                </a:solidFill>
-              </a:rPr>
-              <a:t> =&gt; information about each user is stored there.</a:t>
+                  <a:schemeClr val="bg1"/>
+                </a:solidFill>
+              </a:rPr>
+              <a:t> </a:t>
+            </a:r>
+            <a:r>
+              <a:rPr lang="en-US" sz="2400" dirty="0" smtClean="0">
+                <a:solidFill>
+                  <a:schemeClr val="accent6"/>
+                </a:solidFill>
+              </a:rPr>
+              <a:t>=&gt; information about each user is stored there.</a:t>
             </a:r>
             <a:endParaRPr lang="en-US" sz="2400" dirty="0">
               <a:solidFill>
@@ -4182,7 +4270,7 @@
             <a:r>
               <a:rPr lang="en-US" dirty="0" smtClean="0">
                 <a:solidFill>
-                  <a:schemeClr val="accent6"/>
+                  <a:schemeClr val="bg1"/>
                 </a:solidFill>
               </a:rPr>
               <a:t>/</a:t>
@@ -4190,7 +4278,7 @@
             <a:r>
               <a:rPr lang="en-US" dirty="0" err="1" smtClean="0">
                 <a:solidFill>
-                  <a:schemeClr val="accent6"/>
+                  <a:schemeClr val="bg1"/>
                 </a:solidFill>
               </a:rPr>
               <a:t>etc</a:t>
@@ -4198,10 +4286,18 @@
             <a:r>
               <a:rPr lang="en-US" dirty="0" smtClean="0">
                 <a:solidFill>
-                  <a:schemeClr val="accent6"/>
-                </a:solidFill>
-              </a:rPr>
-              <a:t>/shadow =&gt; encrypted passwords of users are stored here. </a:t>
+                  <a:schemeClr val="bg1"/>
+                </a:solidFill>
+              </a:rPr>
+              <a:t>/shadow </a:t>
+            </a:r>
+            <a:r>
+              <a:rPr lang="en-US" dirty="0" smtClean="0">
+                <a:solidFill>
+                  <a:schemeClr val="accent6"/>
+                </a:solidFill>
+              </a:rPr>
+              <a:t>=&gt; encrypted passwords of users are stored here. </a:t>
             </a:r>
             <a:r>
               <a:rPr lang="en-US" dirty="0">
@@ -4751,10 +4847,26 @@
             <a:r>
               <a:rPr lang="en-US" sz="2700" dirty="0" smtClean="0">
                 <a:solidFill>
+                  <a:schemeClr val="accent6"/>
+                </a:solidFill>
+              </a:rPr>
+              <a:t>1. Add a user with ‘</a:t>
+            </a:r>
+            <a:r>
+              <a:rPr lang="en-US" sz="2700" dirty="0" err="1" smtClean="0">
+                <a:solidFill>
                   <a:schemeClr val="bg1"/>
                 </a:solidFill>
               </a:rPr>
-              <a:t>1. Add a user with ‘</a:t>
+              <a:t>useradd</a:t>
+            </a:r>
+            <a:r>
+              <a:rPr lang="en-US" sz="2700" dirty="0" smtClean="0">
+                <a:solidFill>
+                  <a:schemeClr val="bg1"/>
+                </a:solidFill>
+              </a:rPr>
+              <a:t> </a:t>
             </a:r>
             <a:r>
               <a:rPr lang="en-US" sz="2700" dirty="0" err="1" smtClean="0">
@@ -4762,125 +4874,133 @@
                   <a:schemeClr val="bg1"/>
                 </a:solidFill>
               </a:rPr>
-              <a:t>useradd</a:t>
+              <a:t>user_name</a:t>
             </a:r>
             <a:r>
               <a:rPr lang="en-US" sz="2700" dirty="0" smtClean="0">
                 <a:solidFill>
+                  <a:schemeClr val="accent6"/>
+                </a:solidFill>
+              </a:rPr>
+              <a:t>’.</a:t>
+            </a:r>
+            <a:r>
+              <a:rPr lang="en-US" sz="2700" dirty="0" smtClean="0">
+                <a:solidFill>
                   <a:schemeClr val="bg1"/>
                 </a:solidFill>
               </a:rPr>
-              <a:t> </a:t>
-            </a:r>
-            <a:r>
-              <a:rPr lang="en-US" sz="2700" dirty="0" err="1" smtClean="0">
+              <a:t/>
+            </a:r>
+            <a:br>
+              <a:rPr lang="en-US" sz="2700" dirty="0" smtClean="0">
                 <a:solidFill>
                   <a:schemeClr val="bg1"/>
                 </a:solidFill>
               </a:rPr>
-              <a:t>user_name</a:t>
-            </a:r>
+            </a:br>
             <a:r>
               <a:rPr lang="en-US" sz="2700" dirty="0" smtClean="0">
                 <a:solidFill>
+                  <a:schemeClr val="accent6"/>
+                </a:solidFill>
+              </a:rPr>
+              <a:t>2. Run the </a:t>
+            </a:r>
+            <a:r>
+              <a:rPr lang="en-US" sz="2700" dirty="0" smtClean="0">
+                <a:solidFill>
                   <a:schemeClr val="bg1"/>
                 </a:solidFill>
               </a:rPr>
-              <a:t>’.</a:t>
-            </a:r>
-            <a:br>
+              <a:t>id </a:t>
+            </a:r>
+            <a:r>
               <a:rPr lang="en-US" sz="2700" dirty="0" smtClean="0">
                 <a:solidFill>
-                  <a:schemeClr val="bg1"/>
-                </a:solidFill>
-              </a:rPr>
-            </a:br>
-            <a:r>
+                  <a:schemeClr val="accent6"/>
+                </a:solidFill>
+              </a:rPr>
+              <a:t>command on that user.</a:t>
+            </a:r>
+            <a:br>
               <a:rPr lang="en-US" sz="2700" dirty="0" smtClean="0">
                 <a:solidFill>
-                  <a:schemeClr val="bg1"/>
-                </a:solidFill>
-              </a:rPr>
-              <a:t>2. Run the id command on that user.</a:t>
-            </a:r>
-            <a:br>
+                  <a:schemeClr val="accent6"/>
+                </a:solidFill>
+              </a:rPr>
+            </a:br>
+            <a:r>
               <a:rPr lang="en-US" sz="2700" dirty="0" smtClean="0">
                 <a:solidFill>
-                  <a:schemeClr val="bg1"/>
-                </a:solidFill>
-              </a:rPr>
-            </a:br>
-            <a:r>
+                  <a:schemeClr val="accent6"/>
+                </a:solidFill>
+              </a:rPr>
+              <a:t>3. In which file do you think that groups are stored ?</a:t>
+            </a:r>
+            <a:br>
               <a:rPr lang="en-US" sz="2700" dirty="0" smtClean="0">
                 <a:solidFill>
-                  <a:schemeClr val="bg1"/>
-                </a:solidFill>
-              </a:rPr>
-              <a:t>3. In which file do you think that groups are stored ?</a:t>
-            </a:r>
-            <a:br>
+                  <a:schemeClr val="accent6"/>
+                </a:solidFill>
+              </a:rPr>
+            </a:br>
+            <a:r>
               <a:rPr lang="en-US" sz="2700" dirty="0" smtClean="0">
                 <a:solidFill>
-                  <a:schemeClr val="bg1"/>
-                </a:solidFill>
-              </a:rPr>
-            </a:br>
-            <a:r>
+                  <a:schemeClr val="accent6"/>
+                </a:solidFill>
+              </a:rPr>
+              <a:t>4. Create two groups sales and account. </a:t>
+            </a:r>
+            <a:br>
               <a:rPr lang="en-US" sz="2700" dirty="0" smtClean="0">
                 <a:solidFill>
-                  <a:schemeClr val="bg1"/>
-                </a:solidFill>
-              </a:rPr>
-              <a:t>4. Create two groups sales and account. </a:t>
-            </a:r>
-            <a:br>
+                  <a:schemeClr val="accent6"/>
+                </a:solidFill>
+              </a:rPr>
+            </a:br>
+            <a:r>
               <a:rPr lang="en-US" sz="2700" dirty="0" smtClean="0">
                 <a:solidFill>
-                  <a:schemeClr val="bg1"/>
-                </a:solidFill>
-              </a:rPr>
-            </a:br>
-            <a:r>
+                  <a:schemeClr val="accent6"/>
+                </a:solidFill>
+              </a:rPr>
+              <a:t>5. Create users bob, betty, bill and Beatrix.</a:t>
+            </a:r>
+            <a:br>
               <a:rPr lang="en-US" sz="2700" dirty="0" smtClean="0">
                 <a:solidFill>
-                  <a:schemeClr val="bg1"/>
-                </a:solidFill>
-              </a:rPr>
-              <a:t>5. Create users bob, betty, bill and Beatrix.</a:t>
-            </a:r>
-            <a:br>
+                  <a:schemeClr val="accent6"/>
+                </a:solidFill>
+              </a:rPr>
+            </a:br>
+            <a:r>
               <a:rPr lang="en-US" sz="2700" dirty="0" smtClean="0">
                 <a:solidFill>
-                  <a:schemeClr val="bg1"/>
-                </a:solidFill>
-              </a:rPr>
-            </a:br>
-            <a:r>
+                  <a:schemeClr val="accent6"/>
+                </a:solidFill>
+              </a:rPr>
+              <a:t>6. Make bob and betty members of the group sales, and bill and Beatrix member of the group account.</a:t>
+            </a:r>
+            <a:br>
               <a:rPr lang="en-US" sz="2700" dirty="0" smtClean="0">
                 <a:solidFill>
-                  <a:schemeClr val="bg1"/>
-                </a:solidFill>
-              </a:rPr>
-              <a:t>6. Make bob and betty members of the group sales, and bill and Beatrix member of the group account.</a:t>
-            </a:r>
-            <a:br>
+                  <a:schemeClr val="accent6"/>
+                </a:solidFill>
+              </a:rPr>
+            </a:br>
+            <a:r>
               <a:rPr lang="en-US" sz="2700" dirty="0" smtClean="0">
                 <a:solidFill>
-                  <a:schemeClr val="bg1"/>
-                </a:solidFill>
-              </a:rPr>
-            </a:br>
-            <a:r>
-              <a:rPr lang="en-US" sz="2700" dirty="0" smtClean="0">
-                <a:solidFill>
-                  <a:schemeClr val="bg1"/>
+                  <a:schemeClr val="accent6"/>
                 </a:solidFill>
               </a:rPr>
               <a:t>7. Set a password policy that requires users to change their password every 90 days. </a:t>
             </a:r>
             <a:endParaRPr lang="bg-BG" sz="3100" dirty="0">
               <a:solidFill>
-                <a:schemeClr val="bg1"/>
+                <a:schemeClr val="accent6"/>
               </a:solidFill>
             </a:endParaRPr>
           </a:p>
@@ -5480,10 +5600,18 @@
             <a:r>
               <a:rPr lang="en-US" sz="2400" dirty="0" smtClean="0">
                 <a:solidFill>
+                  <a:srgbClr val="FF0000"/>
+                </a:solidFill>
+              </a:rPr>
+              <a:t>Exercises:</a:t>
+            </a:r>
+            <a:r>
+              <a:rPr lang="en-US" sz="2400" dirty="0" smtClean="0">
+                <a:solidFill>
                   <a:schemeClr val="bg1"/>
                 </a:solidFill>
               </a:rPr>
-              <a:t>Exercise:</a:t>
+              <a:t/>
             </a:r>
             <a:br>
               <a:rPr lang="en-US" sz="2400" dirty="0" smtClean="0">
@@ -5498,14 +5626,61 @@
                   <a:schemeClr val="bg1"/>
                 </a:solidFill>
               </a:rPr>
-              <a:t>                                               1. Add a local user as a </a:t>
+              <a:t>                                               </a:t>
+            </a:r>
+            <a:r>
+              <a:rPr lang="en-US" sz="2400" dirty="0" smtClean="0">
+                <a:solidFill>
+                  <a:schemeClr val="accent6"/>
+                </a:solidFill>
+              </a:rPr>
+              <a:t>1. Add a local user as a </a:t>
             </a:r>
             <a:r>
               <a:rPr lang="en-US" sz="2400" dirty="0" err="1" smtClean="0">
                 <a:solidFill>
+                  <a:schemeClr val="accent6"/>
+                </a:solidFill>
+              </a:rPr>
+              <a:t>sudo</a:t>
+            </a:r>
+            <a:r>
+              <a:rPr lang="en-US" sz="2400" dirty="0" smtClean="0">
+                <a:solidFill>
+                  <a:schemeClr val="accent6"/>
+                </a:solidFill>
+              </a:rPr>
+              <a:t>.</a:t>
+            </a:r>
+            <a:br>
+              <a:rPr lang="en-US" sz="2400" dirty="0" smtClean="0">
+                <a:solidFill>
+                  <a:schemeClr val="accent6"/>
+                </a:solidFill>
+              </a:rPr>
+            </a:br>
+            <a:r>
+              <a:rPr lang="en-US" sz="2400" dirty="0" smtClean="0">
+                <a:solidFill>
                   <a:schemeClr val="bg1"/>
                 </a:solidFill>
               </a:rPr>
+              <a:t>                                 </a:t>
+            </a:r>
+            <a:r>
+              <a:rPr lang="en-US" sz="2400" dirty="0" smtClean="0">
+                <a:solidFill>
+                  <a:schemeClr val="accent6"/>
+                </a:solidFill>
+              </a:rPr>
+              <a:t>2. Run ‘</a:t>
+            </a:r>
+            <a:r>
+              <a:rPr lang="en-US" sz="2400" dirty="0" err="1" smtClean="0">
+                <a:solidFill>
+                  <a:schemeClr val="bg1"/>
+                </a:solidFill>
+              </a:rPr>
               <a:t>sudo</a:t>
             </a:r>
             <a:r>
@@ -5514,54 +5689,31 @@
                   <a:schemeClr val="bg1"/>
                 </a:solidFill>
               </a:rPr>
-              <a:t>.</a:t>
-            </a:r>
-            <a:br>
+              <a:t> </a:t>
+            </a:r>
+            <a:r>
+              <a:rPr lang="en-US" sz="2400" dirty="0" err="1" smtClean="0">
+                <a:solidFill>
+                  <a:schemeClr val="bg1"/>
+                </a:solidFill>
+              </a:rPr>
+              <a:t>whoami</a:t>
+            </a:r>
+            <a:r>
               <a:rPr lang="en-US" sz="2400" dirty="0" smtClean="0">
                 <a:solidFill>
+                  <a:schemeClr val="accent6"/>
+                </a:solidFill>
+              </a:rPr>
+              <a:t>’</a:t>
+            </a:r>
+            <a:r>
+              <a:rPr lang="en-US" sz="2400" dirty="0" smtClean="0">
+                <a:solidFill>
                   <a:schemeClr val="bg1"/>
                 </a:solidFill>
               </a:rPr>
-            </a:br>
-            <a:r>
-              <a:rPr lang="en-US" sz="2400" dirty="0" smtClean="0">
-                <a:solidFill>
-                  <a:schemeClr val="bg1"/>
-                </a:solidFill>
-              </a:rPr>
-              <a:t>                                 2. Run ‘</a:t>
-            </a:r>
-            <a:r>
-              <a:rPr lang="en-US" sz="2400" dirty="0" err="1" smtClean="0">
-                <a:solidFill>
-                  <a:schemeClr val="bg1"/>
-                </a:solidFill>
-              </a:rPr>
-              <a:t>sudo</a:t>
-            </a:r>
-            <a:r>
-              <a:rPr lang="en-US" sz="2400" dirty="0" smtClean="0">
-                <a:solidFill>
-                  <a:schemeClr val="bg1"/>
-                </a:solidFill>
-              </a:rPr>
-              <a:t> </a:t>
-            </a:r>
-            <a:r>
-              <a:rPr lang="en-US" sz="2400" dirty="0" err="1" smtClean="0">
-                <a:solidFill>
-                  <a:schemeClr val="bg1"/>
-                </a:solidFill>
-              </a:rPr>
-              <a:t>whoami</a:t>
-            </a:r>
-            <a:r>
-              <a:rPr lang="en-US" sz="2400" dirty="0" smtClean="0">
-                <a:solidFill>
-                  <a:schemeClr val="bg1"/>
-                </a:solidFill>
-              </a:rPr>
-              <a:t>’</a:t>
+              <a:t/>
             </a:r>
             <a:br>
               <a:rPr lang="en-US" sz="2400" dirty="0" smtClean="0">
@@ -6153,7 +6305,15 @@
                   <a:schemeClr val="bg1"/>
                 </a:solidFill>
               </a:rPr>
-              <a:t>			Exercises:</a:t>
+              <a:t>		</a:t>
+            </a:r>
+            <a:r>
+              <a:rPr lang="en-US" dirty="0" smtClean="0">
+                <a:solidFill>
+                  <a:srgbClr val="FF0000"/>
+                </a:solidFill>
+              </a:rPr>
+              <a:t>	Exercises:</a:t>
             </a:r>
           </a:p>
           <a:p>
@@ -6163,7 +6323,7 @@
             <a:r>
               <a:rPr lang="en-US" dirty="0" smtClean="0">
                 <a:solidFill>
-                  <a:schemeClr val="bg1"/>
+                  <a:schemeClr val="accent6"/>
                 </a:solidFill>
               </a:rPr>
               <a:t>List all users starting with ‘r’.</a:t>
@@ -6176,7 +6336,7 @@
             <a:r>
               <a:rPr lang="en-US" dirty="0" smtClean="0">
                 <a:solidFill>
-                  <a:schemeClr val="bg1"/>
+                  <a:schemeClr val="accent6"/>
                 </a:solidFill>
               </a:rPr>
               <a:t>List all files ending in ‘</a:t>
@@ -6184,7 +6344,7 @@
             <a:r>
               <a:rPr lang="en-US" dirty="0" err="1" smtClean="0">
                 <a:solidFill>
-                  <a:schemeClr val="bg1"/>
+                  <a:schemeClr val="accent6"/>
                 </a:solidFill>
               </a:rPr>
               <a:t>sh</a:t>
@@ -6192,7 +6352,7 @@
             <a:r>
               <a:rPr lang="en-US" dirty="0" smtClean="0">
                 <a:solidFill>
-                  <a:schemeClr val="bg1"/>
+                  <a:schemeClr val="accent6"/>
                 </a:solidFill>
               </a:rPr>
               <a:t>’.</a:t>
@@ -6403,7 +6563,7 @@
         <p:spPr>
           <a:xfrm>
             <a:off x="495300" y="1043970"/>
-            <a:ext cx="8915400" cy="6740307"/>
+            <a:ext cx="8915400" cy="6463308"/>
           </a:xfrm>
           <a:prstGeom prst="rect">
             <a:avLst/>
@@ -6628,49 +6788,17 @@
             </a:r>
           </a:p>
           <a:p>
-            <a:r>
-              <a:rPr lang="en-US" dirty="0">
-                <a:solidFill>
-                  <a:schemeClr val="bg1"/>
-                </a:solidFill>
-              </a:rPr>
-              <a:t> </a:t>
-            </a:r>
-            <a:r>
-              <a:rPr lang="en-US" dirty="0" smtClean="0">
-                <a:solidFill>
-                  <a:schemeClr val="bg1"/>
-                </a:solidFill>
-              </a:rPr>
-              <a:t>       </a:t>
-            </a:r>
-            <a:r>
-              <a:rPr lang="en-US" dirty="0" smtClean="0">
-                <a:solidFill>
-                  <a:schemeClr val="bg1"/>
-                </a:solidFill>
-                <a:hlinkClick r:id="rId2"/>
-              </a:rPr>
-              <a:t>mail=somemail@gmail.com</a:t>
-            </a:r>
-            <a:endParaRPr lang="en-US" dirty="0" smtClean="0">
+            <a:endParaRPr lang="en-US" dirty="0">
               <a:solidFill>
-                <a:schemeClr val="bg1"/>
+                <a:schemeClr val="accent6"/>
               </a:solidFill>
             </a:endParaRPr>
           </a:p>
           <a:p>
-            <a:endParaRPr lang="en-US" dirty="0">
-              <a:solidFill>
-                <a:schemeClr val="bg1"/>
-              </a:solidFill>
-            </a:endParaRPr>
-          </a:p>
-          <a:p>
-            <a:r>
-              <a:rPr lang="en-US" dirty="0" smtClean="0">
-                <a:solidFill>
-                  <a:schemeClr val="bg1"/>
+            <a:r>
+              <a:rPr lang="en-US" dirty="0" smtClean="0">
+                <a:solidFill>
+                  <a:schemeClr val="accent6"/>
                 </a:solidFill>
               </a:rPr>
               <a:t>Homework:</a:t>
@@ -6683,7 +6811,7 @@
             <a:r>
               <a:rPr lang="en-US" dirty="0" smtClean="0">
                 <a:solidFill>
-                  <a:schemeClr val="bg1"/>
+                  <a:schemeClr val="accent6"/>
                 </a:solidFill>
               </a:rPr>
               <a:t>Review the </a:t>
@@ -6691,7 +6819,7 @@
             <a:r>
               <a:rPr lang="en-US" dirty="0" err="1" smtClean="0">
                 <a:solidFill>
-                  <a:schemeClr val="bg1"/>
+                  <a:schemeClr val="accent6"/>
                 </a:solidFill>
               </a:rPr>
               <a:t>previos</a:t>
@@ -6699,7 +6827,7 @@
             <a:r>
               <a:rPr lang="en-US" dirty="0" smtClean="0">
                 <a:solidFill>
-                  <a:schemeClr val="bg1"/>
+                  <a:schemeClr val="accent6"/>
                 </a:solidFill>
               </a:rPr>
               <a:t> three slides + this one and think about what’s most challenging for you? Try to understand something more about it, implemented in the VM, ask me questions.</a:t>

--- a/4.Users_And_UsersGroups/04-UsersAndUsersGroups.pptx
+++ b/4.Users_And_UsersGroups/04-UsersAndUsersGroups.pptx
@@ -5,13 +5,16 @@
     <p:sldMasterId id="2147483648" r:id="rId1"/>
   </p:sldMasterIdLst>
   <p:sldIdLst>
-    <p:sldId id="256" r:id="rId2"/>
-    <p:sldId id="271" r:id="rId3"/>
-    <p:sldId id="266" r:id="rId4"/>
-    <p:sldId id="258" r:id="rId5"/>
-    <p:sldId id="257" r:id="rId6"/>
-    <p:sldId id="259" r:id="rId7"/>
-    <p:sldId id="264" r:id="rId8"/>
+    <p:sldId id="272" r:id="rId2"/>
+    <p:sldId id="273" r:id="rId3"/>
+    <p:sldId id="256" r:id="rId4"/>
+    <p:sldId id="271" r:id="rId5"/>
+    <p:sldId id="266" r:id="rId6"/>
+    <p:sldId id="258" r:id="rId7"/>
+    <p:sldId id="257" r:id="rId8"/>
+    <p:sldId id="274" r:id="rId9"/>
+    <p:sldId id="259" r:id="rId10"/>
+    <p:sldId id="264" r:id="rId11"/>
   </p:sldIdLst>
   <p:sldSz cx="9144000" cy="6858000" type="screen4x3"/>
   <p:notesSz cx="6858000" cy="9144000"/>
@@ -310,7 +313,7 @@
           <a:p>
             <a:fld id="{3EA744D9-3FBE-48D8-BF2A-85DF203E4D20}" type="datetimeFigureOut">
               <a:rPr lang="bg-BG" smtClean="0"/>
-              <a:t>20.03.17 г.</a:t>
+              <a:t>5.04.17 г.</a:t>
             </a:fld>
             <a:endParaRPr lang="bg-BG"/>
           </a:p>
@@ -480,7 +483,7 @@
           <a:p>
             <a:fld id="{3EA744D9-3FBE-48D8-BF2A-85DF203E4D20}" type="datetimeFigureOut">
               <a:rPr lang="bg-BG" smtClean="0"/>
-              <a:t>20.03.17 г.</a:t>
+              <a:t>5.04.17 г.</a:t>
             </a:fld>
             <a:endParaRPr lang="bg-BG"/>
           </a:p>
@@ -660,7 +663,7 @@
           <a:p>
             <a:fld id="{3EA744D9-3FBE-48D8-BF2A-85DF203E4D20}" type="datetimeFigureOut">
               <a:rPr lang="bg-BG" smtClean="0"/>
-              <a:t>20.03.17 г.</a:t>
+              <a:t>5.04.17 г.</a:t>
             </a:fld>
             <a:endParaRPr lang="bg-BG"/>
           </a:p>
@@ -830,7 +833,7 @@
           <a:p>
             <a:fld id="{3EA744D9-3FBE-48D8-BF2A-85DF203E4D20}" type="datetimeFigureOut">
               <a:rPr lang="bg-BG" smtClean="0"/>
-              <a:t>20.03.17 г.</a:t>
+              <a:t>5.04.17 г.</a:t>
             </a:fld>
             <a:endParaRPr lang="bg-BG"/>
           </a:p>
@@ -1076,7 +1079,7 @@
           <a:p>
             <a:fld id="{3EA744D9-3FBE-48D8-BF2A-85DF203E4D20}" type="datetimeFigureOut">
               <a:rPr lang="bg-BG" smtClean="0"/>
-              <a:t>20.03.17 г.</a:t>
+              <a:t>5.04.17 г.</a:t>
             </a:fld>
             <a:endParaRPr lang="bg-BG"/>
           </a:p>
@@ -1364,7 +1367,7 @@
           <a:p>
             <a:fld id="{3EA744D9-3FBE-48D8-BF2A-85DF203E4D20}" type="datetimeFigureOut">
               <a:rPr lang="bg-BG" smtClean="0"/>
-              <a:t>20.03.17 г.</a:t>
+              <a:t>5.04.17 г.</a:t>
             </a:fld>
             <a:endParaRPr lang="bg-BG"/>
           </a:p>
@@ -1786,7 +1789,7 @@
           <a:p>
             <a:fld id="{3EA744D9-3FBE-48D8-BF2A-85DF203E4D20}" type="datetimeFigureOut">
               <a:rPr lang="bg-BG" smtClean="0"/>
-              <a:t>20.03.17 г.</a:t>
+              <a:t>5.04.17 г.</a:t>
             </a:fld>
             <a:endParaRPr lang="bg-BG"/>
           </a:p>
@@ -1904,7 +1907,7 @@
           <a:p>
             <a:fld id="{3EA744D9-3FBE-48D8-BF2A-85DF203E4D20}" type="datetimeFigureOut">
               <a:rPr lang="bg-BG" smtClean="0"/>
-              <a:t>20.03.17 г.</a:t>
+              <a:t>5.04.17 г.</a:t>
             </a:fld>
             <a:endParaRPr lang="bg-BG"/>
           </a:p>
@@ -1999,7 +2002,7 @@
           <a:p>
             <a:fld id="{3EA744D9-3FBE-48D8-BF2A-85DF203E4D20}" type="datetimeFigureOut">
               <a:rPr lang="bg-BG" smtClean="0"/>
-              <a:t>20.03.17 г.</a:t>
+              <a:t>5.04.17 г.</a:t>
             </a:fld>
             <a:endParaRPr lang="bg-BG"/>
           </a:p>
@@ -2276,7 +2279,7 @@
           <a:p>
             <a:fld id="{3EA744D9-3FBE-48D8-BF2A-85DF203E4D20}" type="datetimeFigureOut">
               <a:rPr lang="bg-BG" smtClean="0"/>
-              <a:t>20.03.17 г.</a:t>
+              <a:t>5.04.17 г.</a:t>
             </a:fld>
             <a:endParaRPr lang="bg-BG"/>
           </a:p>
@@ -2529,7 +2532,7 @@
           <a:p>
             <a:fld id="{3EA744D9-3FBE-48D8-BF2A-85DF203E4D20}" type="datetimeFigureOut">
               <a:rPr lang="bg-BG" smtClean="0"/>
-              <a:t>20.03.17 г.</a:t>
+              <a:t>5.04.17 г.</a:t>
             </a:fld>
             <a:endParaRPr lang="bg-BG"/>
           </a:p>
@@ -2751,7 +2754,7 @@
           <a:p>
             <a:fld id="{3EA744D9-3FBE-48D8-BF2A-85DF203E4D20}" type="datetimeFigureOut">
               <a:rPr lang="bg-BG" smtClean="0"/>
-              <a:t>20.03.17 г.</a:t>
+              <a:t>5.04.17 г.</a:t>
             </a:fld>
             <a:endParaRPr lang="bg-BG"/>
           </a:p>
@@ -3133,6 +3136,977 @@
             <a:spLocks noGrp="1"/>
           </p:cNvSpPr>
           <p:nvPr>
+            <p:ph type="title"/>
+          </p:nvPr>
+        </p:nvSpPr>
+        <p:spPr/>
+        <p:txBody>
+          <a:bodyPr>
+            <a:normAutofit fontScale="90000"/>
+          </a:bodyPr>
+          <a:lstStyle/>
+          <a:p>
+            <a:r>
+              <a:rPr lang="en-US" dirty="0" smtClean="0">
+                <a:solidFill>
+                  <a:schemeClr val="accent6"/>
+                </a:solidFill>
+              </a:rPr>
+              <a:t/>
+            </a:r>
+            <a:br>
+              <a:rPr lang="en-US" dirty="0" smtClean="0">
+                <a:solidFill>
+                  <a:schemeClr val="accent6"/>
+                </a:solidFill>
+              </a:rPr>
+            </a:br>
+            <a:r>
+              <a:rPr lang="en-US" dirty="0">
+                <a:solidFill>
+                  <a:schemeClr val="accent6"/>
+                </a:solidFill>
+              </a:rPr>
+              <a:t/>
+            </a:r>
+            <a:br>
+              <a:rPr lang="en-US" dirty="0">
+                <a:solidFill>
+                  <a:schemeClr val="accent6"/>
+                </a:solidFill>
+              </a:rPr>
+            </a:br>
+            <a:r>
+              <a:rPr lang="en-US" dirty="0" smtClean="0">
+                <a:solidFill>
+                  <a:schemeClr val="accent6"/>
+                </a:solidFill>
+              </a:rPr>
+              <a:t/>
+            </a:r>
+            <a:br>
+              <a:rPr lang="en-US" dirty="0" smtClean="0">
+                <a:solidFill>
+                  <a:schemeClr val="accent6"/>
+                </a:solidFill>
+              </a:rPr>
+            </a:br>
+            <a:r>
+              <a:rPr lang="en-US" dirty="0">
+                <a:solidFill>
+                  <a:schemeClr val="accent6"/>
+                </a:solidFill>
+              </a:rPr>
+              <a:t/>
+            </a:r>
+            <a:br>
+              <a:rPr lang="en-US" dirty="0">
+                <a:solidFill>
+                  <a:schemeClr val="accent6"/>
+                </a:solidFill>
+              </a:rPr>
+            </a:br>
+            <a:r>
+              <a:rPr lang="en-US" dirty="0" smtClean="0">
+                <a:solidFill>
+                  <a:schemeClr val="accent6"/>
+                </a:solidFill>
+              </a:rPr>
+              <a:t/>
+            </a:r>
+            <a:br>
+              <a:rPr lang="en-US" dirty="0" smtClean="0">
+                <a:solidFill>
+                  <a:schemeClr val="accent6"/>
+                </a:solidFill>
+              </a:rPr>
+            </a:br>
+            <a:r>
+              <a:rPr lang="en-US" dirty="0">
+                <a:solidFill>
+                  <a:schemeClr val="accent6"/>
+                </a:solidFill>
+              </a:rPr>
+              <a:t/>
+            </a:r>
+            <a:br>
+              <a:rPr lang="en-US" dirty="0">
+                <a:solidFill>
+                  <a:schemeClr val="accent6"/>
+                </a:solidFill>
+              </a:rPr>
+            </a:br>
+            <a:r>
+              <a:rPr lang="en-US" dirty="0" smtClean="0">
+                <a:solidFill>
+                  <a:schemeClr val="accent6"/>
+                </a:solidFill>
+              </a:rPr>
+              <a:t/>
+            </a:r>
+            <a:br>
+              <a:rPr lang="en-US" dirty="0" smtClean="0">
+                <a:solidFill>
+                  <a:schemeClr val="accent6"/>
+                </a:solidFill>
+              </a:rPr>
+            </a:br>
+            <a:r>
+              <a:rPr lang="en-US" sz="3600" dirty="0" smtClean="0">
+                <a:solidFill>
+                  <a:schemeClr val="accent6"/>
+                </a:solidFill>
+              </a:rPr>
+              <a:t>Every process (running program) on the system runs as a particular user.</a:t>
+            </a:r>
+            <a:br>
+              <a:rPr lang="en-US" sz="3600" dirty="0" smtClean="0">
+                <a:solidFill>
+                  <a:schemeClr val="accent6"/>
+                </a:solidFill>
+              </a:rPr>
+            </a:br>
+            <a:r>
+              <a:rPr lang="en-US" sz="3600" dirty="0">
+                <a:solidFill>
+                  <a:schemeClr val="accent6"/>
+                </a:solidFill>
+              </a:rPr>
+              <a:t/>
+            </a:r>
+            <a:br>
+              <a:rPr lang="en-US" sz="3600" dirty="0">
+                <a:solidFill>
+                  <a:schemeClr val="accent6"/>
+                </a:solidFill>
+              </a:rPr>
+            </a:br>
+            <a:r>
+              <a:rPr lang="en-US" sz="3600" dirty="0" smtClean="0">
+                <a:solidFill>
+                  <a:schemeClr val="accent6"/>
+                </a:solidFill>
+              </a:rPr>
+              <a:t> Every file is owned by a particular user.</a:t>
+            </a:r>
+            <a:br>
+              <a:rPr lang="en-US" sz="3600" dirty="0" smtClean="0">
+                <a:solidFill>
+                  <a:schemeClr val="accent6"/>
+                </a:solidFill>
+              </a:rPr>
+            </a:br>
+            <a:r>
+              <a:rPr lang="en-US" sz="3600" dirty="0">
+                <a:solidFill>
+                  <a:schemeClr val="accent6"/>
+                </a:solidFill>
+              </a:rPr>
+              <a:t/>
+            </a:r>
+            <a:br>
+              <a:rPr lang="en-US" sz="3600" dirty="0">
+                <a:solidFill>
+                  <a:schemeClr val="accent6"/>
+                </a:solidFill>
+              </a:rPr>
+            </a:br>
+            <a:r>
+              <a:rPr lang="en-US" sz="3600" dirty="0" smtClean="0">
+                <a:solidFill>
+                  <a:schemeClr val="accent6"/>
+                </a:solidFill>
+              </a:rPr>
+              <a:t> Access to files and directories are restricted by user.</a:t>
+            </a:r>
+            <a:br>
+              <a:rPr lang="en-US" sz="3600" dirty="0" smtClean="0">
+                <a:solidFill>
+                  <a:schemeClr val="accent6"/>
+                </a:solidFill>
+              </a:rPr>
+            </a:br>
+            <a:r>
+              <a:rPr lang="en-US" sz="3600" dirty="0" smtClean="0">
+                <a:solidFill>
+                  <a:schemeClr val="accent6"/>
+                </a:solidFill>
+              </a:rPr>
+              <a:t> The user associated with a running process determines the files and directories accessible to that process.</a:t>
+            </a:r>
+            <a:endParaRPr lang="en-US" sz="3600" dirty="0">
+              <a:solidFill>
+                <a:schemeClr val="accent6"/>
+              </a:solidFill>
+            </a:endParaRPr>
+          </a:p>
+        </p:txBody>
+      </p:sp>
+      <p:sp>
+        <p:nvSpPr>
+          <p:cNvPr id="3" name="Content Placeholder 2"/>
+          <p:cNvSpPr>
+            <a:spLocks noGrp="1"/>
+          </p:cNvSpPr>
+          <p:nvPr>
+            <p:ph idx="1"/>
+          </p:nvPr>
+        </p:nvSpPr>
+        <p:spPr/>
+        <p:txBody>
+          <a:bodyPr/>
+          <a:lstStyle/>
+          <a:p>
+            <a:endParaRPr lang="en-US" dirty="0"/>
+          </a:p>
+        </p:txBody>
+      </p:sp>
+    </p:spTree>
+    <p:extLst>
+      <p:ext uri="{BB962C8B-B14F-4D97-AF65-F5344CB8AC3E}">
+        <p14:creationId xmlns:p14="http://schemas.microsoft.com/office/powerpoint/2010/main" val="1543314290"/>
+      </p:ext>
+    </p:extLst>
+  </p:cSld>
+  <p:clrMapOvr>
+    <a:masterClrMapping/>
+  </p:clrMapOvr>
+</p:sld>
+</file>
+
+<file path=ppt/slides/slide10.xml><?xml version="1.0" encoding="utf-8"?>
+<p:sld xmlns:a="http://schemas.openxmlformats.org/drawingml/2006/main" xmlns:r="http://schemas.openxmlformats.org/officeDocument/2006/relationships" xmlns:p="http://schemas.openxmlformats.org/presentationml/2006/main">
+  <p:cSld>
+    <p:spTree>
+      <p:nvGrpSpPr>
+        <p:cNvPr id="1" name=""/>
+        <p:cNvGrpSpPr/>
+        <p:nvPr/>
+      </p:nvGrpSpPr>
+      <p:grpSpPr>
+        <a:xfrm>
+          <a:off x="0" y="0"/>
+          <a:ext cx="0" cy="0"/>
+          <a:chOff x="0" y="0"/>
+          <a:chExt cx="0" cy="0"/>
+        </a:xfrm>
+      </p:grpSpPr>
+      <p:sp>
+        <p:nvSpPr>
+          <p:cNvPr id="2" name="Title 1"/>
+          <p:cNvSpPr>
+            <a:spLocks noGrp="1"/>
+          </p:cNvSpPr>
+          <p:nvPr>
+            <p:ph type="title"/>
+          </p:nvPr>
+        </p:nvSpPr>
+        <p:spPr>
+          <a:xfrm>
+            <a:off x="838200" y="1676400"/>
+            <a:ext cx="8229600" cy="152400"/>
+          </a:xfrm>
+        </p:spPr>
+        <p:txBody>
+          <a:bodyPr>
+            <a:normAutofit fontScale="90000"/>
+          </a:bodyPr>
+          <a:lstStyle/>
+          <a:p>
+            <a:pPr algn="l"/>
+            <a:r>
+              <a:rPr lang="en-US" dirty="0">
+                <a:solidFill>
+                  <a:schemeClr val="accent6"/>
+                </a:solidFill>
+              </a:rPr>
+              <a:t/>
+            </a:r>
+            <a:br>
+              <a:rPr lang="en-US" dirty="0">
+                <a:solidFill>
+                  <a:schemeClr val="accent6"/>
+                </a:solidFill>
+              </a:rPr>
+            </a:br>
+            <a:r>
+              <a:rPr lang="en-US" dirty="0" smtClean="0">
+                <a:solidFill>
+                  <a:schemeClr val="accent6"/>
+                </a:solidFill>
+              </a:rPr>
+              <a:t/>
+            </a:r>
+            <a:br>
+              <a:rPr lang="en-US" dirty="0" smtClean="0">
+                <a:solidFill>
+                  <a:schemeClr val="accent6"/>
+                </a:solidFill>
+              </a:rPr>
+            </a:br>
+            <a:r>
+              <a:rPr lang="en-US" dirty="0">
+                <a:solidFill>
+                  <a:schemeClr val="accent6"/>
+                </a:solidFill>
+              </a:rPr>
+              <a:t/>
+            </a:r>
+            <a:br>
+              <a:rPr lang="en-US" dirty="0">
+                <a:solidFill>
+                  <a:schemeClr val="accent6"/>
+                </a:solidFill>
+              </a:rPr>
+            </a:br>
+            <a:r>
+              <a:rPr lang="en-US" dirty="0" smtClean="0">
+                <a:solidFill>
+                  <a:schemeClr val="accent6"/>
+                </a:solidFill>
+              </a:rPr>
+              <a:t/>
+            </a:r>
+            <a:br>
+              <a:rPr lang="en-US" dirty="0" smtClean="0">
+                <a:solidFill>
+                  <a:schemeClr val="accent6"/>
+                </a:solidFill>
+              </a:rPr>
+            </a:br>
+            <a:r>
+              <a:rPr lang="en-US" dirty="0" smtClean="0">
+                <a:solidFill>
+                  <a:schemeClr val="accent6"/>
+                </a:solidFill>
+              </a:rPr>
+              <a:t/>
+            </a:r>
+            <a:br>
+              <a:rPr lang="en-US" dirty="0" smtClean="0">
+                <a:solidFill>
+                  <a:schemeClr val="accent6"/>
+                </a:solidFill>
+              </a:rPr>
+            </a:br>
+            <a:r>
+              <a:rPr lang="en-US" dirty="0" smtClean="0">
+                <a:solidFill>
+                  <a:schemeClr val="accent6"/>
+                </a:solidFill>
+              </a:rPr>
+              <a:t/>
+            </a:r>
+            <a:br>
+              <a:rPr lang="en-US" dirty="0" smtClean="0">
+                <a:solidFill>
+                  <a:schemeClr val="accent6"/>
+                </a:solidFill>
+              </a:rPr>
+            </a:br>
+            <a:endParaRPr lang="bg-BG" dirty="0">
+              <a:solidFill>
+                <a:schemeClr val="accent6"/>
+              </a:solidFill>
+            </a:endParaRPr>
+          </a:p>
+        </p:txBody>
+      </p:sp>
+      <p:sp>
+        <p:nvSpPr>
+          <p:cNvPr id="7" name="TextBox 6"/>
+          <p:cNvSpPr txBox="1"/>
+          <p:nvPr/>
+        </p:nvSpPr>
+        <p:spPr>
+          <a:xfrm>
+            <a:off x="2286000" y="2290465"/>
+            <a:ext cx="6781800" cy="369332"/>
+          </a:xfrm>
+          <a:prstGeom prst="rect">
+            <a:avLst/>
+          </a:prstGeom>
+          <a:noFill/>
+        </p:spPr>
+        <p:txBody>
+          <a:bodyPr wrap="square" rtlCol="0">
+            <a:spAutoFit/>
+          </a:bodyPr>
+          <a:lstStyle/>
+          <a:p>
+            <a:endParaRPr lang="en-US" b="1" dirty="0"/>
+          </a:p>
+        </p:txBody>
+      </p:sp>
+      <p:sp>
+        <p:nvSpPr>
+          <p:cNvPr id="3" name="TextBox 2"/>
+          <p:cNvSpPr txBox="1"/>
+          <p:nvPr/>
+        </p:nvSpPr>
+        <p:spPr>
+          <a:xfrm>
+            <a:off x="495300" y="1043970"/>
+            <a:ext cx="8915400" cy="6463308"/>
+          </a:xfrm>
+          <a:prstGeom prst="rect">
+            <a:avLst/>
+          </a:prstGeom>
+          <a:noFill/>
+        </p:spPr>
+        <p:txBody>
+          <a:bodyPr wrap="square" rtlCol="0">
+            <a:spAutoFit/>
+          </a:bodyPr>
+          <a:lstStyle/>
+          <a:p>
+            <a:r>
+              <a:rPr lang="en-US" dirty="0" smtClean="0">
+                <a:solidFill>
+                  <a:schemeClr val="accent6"/>
+                </a:solidFill>
+              </a:rPr>
+              <a:t>LDAP = Lightweight Directory Access Protocol</a:t>
+            </a:r>
+          </a:p>
+          <a:p>
+            <a:endParaRPr lang="en-US" dirty="0">
+              <a:solidFill>
+                <a:schemeClr val="accent6"/>
+              </a:solidFill>
+            </a:endParaRPr>
+          </a:p>
+          <a:p>
+            <a:r>
+              <a:rPr lang="en-US" dirty="0" smtClean="0">
+                <a:solidFill>
+                  <a:schemeClr val="accent6"/>
+                </a:solidFill>
+              </a:rPr>
+              <a:t>It manages related information from a centralized location through the use of directory hierarchy. LDAP is hierarchical tree based database. Information is stored as key-value pairs.</a:t>
+            </a:r>
+          </a:p>
+          <a:p>
+            <a:endParaRPr lang="en-US" dirty="0">
+              <a:solidFill>
+                <a:schemeClr val="accent6"/>
+              </a:solidFill>
+            </a:endParaRPr>
+          </a:p>
+          <a:p>
+            <a:r>
+              <a:rPr lang="en-US" dirty="0" smtClean="0">
+                <a:solidFill>
+                  <a:schemeClr val="accent6"/>
+                </a:solidFill>
+              </a:rPr>
+              <a:t>Example LDAP tree structure:</a:t>
+            </a:r>
+          </a:p>
+          <a:p>
+            <a:endParaRPr lang="en-US" dirty="0">
+              <a:solidFill>
+                <a:schemeClr val="accent6"/>
+              </a:solidFill>
+            </a:endParaRPr>
+          </a:p>
+          <a:p>
+            <a:r>
+              <a:rPr lang="en-US" dirty="0" smtClean="0">
+                <a:solidFill>
+                  <a:schemeClr val="bg1"/>
+                </a:solidFill>
+              </a:rPr>
+              <a:t>dc=</a:t>
+            </a:r>
+            <a:r>
+              <a:rPr lang="en-US" dirty="0" err="1" smtClean="0">
+                <a:solidFill>
+                  <a:schemeClr val="bg1"/>
+                </a:solidFill>
+              </a:rPr>
+              <a:t>bg</a:t>
+            </a:r>
+            <a:endParaRPr lang="en-US" dirty="0" smtClean="0">
+              <a:solidFill>
+                <a:schemeClr val="bg1"/>
+              </a:solidFill>
+            </a:endParaRPr>
+          </a:p>
+          <a:p>
+            <a:r>
+              <a:rPr lang="en-US" dirty="0">
+                <a:solidFill>
+                  <a:schemeClr val="bg1"/>
+                </a:solidFill>
+              </a:rPr>
+              <a:t> </a:t>
+            </a:r>
+            <a:r>
+              <a:rPr lang="en-US" dirty="0" smtClean="0">
+                <a:solidFill>
+                  <a:schemeClr val="bg1"/>
+                </a:solidFill>
+              </a:rPr>
+              <a:t> dc=</a:t>
+            </a:r>
+            <a:r>
+              <a:rPr lang="en-US" dirty="0" err="1" smtClean="0">
+                <a:solidFill>
+                  <a:schemeClr val="bg1"/>
+                </a:solidFill>
+              </a:rPr>
+              <a:t>softintellect</a:t>
+            </a:r>
+            <a:endParaRPr lang="en-US" dirty="0" smtClean="0">
+              <a:solidFill>
+                <a:schemeClr val="bg1"/>
+              </a:solidFill>
+            </a:endParaRPr>
+          </a:p>
+          <a:p>
+            <a:r>
+              <a:rPr lang="en-US" dirty="0" smtClean="0">
+                <a:solidFill>
+                  <a:schemeClr val="bg1"/>
+                </a:solidFill>
+              </a:rPr>
+              <a:t>    </a:t>
+            </a:r>
+            <a:r>
+              <a:rPr lang="en-US" dirty="0" err="1" smtClean="0">
+                <a:solidFill>
+                  <a:schemeClr val="bg1"/>
+                </a:solidFill>
+              </a:rPr>
+              <a:t>ou</a:t>
+            </a:r>
+            <a:r>
+              <a:rPr lang="en-US" dirty="0" smtClean="0">
+                <a:solidFill>
+                  <a:schemeClr val="bg1"/>
+                </a:solidFill>
+              </a:rPr>
+              <a:t>=students</a:t>
+            </a:r>
+          </a:p>
+          <a:p>
+            <a:r>
+              <a:rPr lang="en-US" dirty="0">
+                <a:solidFill>
+                  <a:schemeClr val="bg1"/>
+                </a:solidFill>
+              </a:rPr>
+              <a:t> </a:t>
+            </a:r>
+            <a:r>
+              <a:rPr lang="en-US" dirty="0" smtClean="0">
+                <a:solidFill>
+                  <a:schemeClr val="bg1"/>
+                </a:solidFill>
+              </a:rPr>
+              <a:t>     </a:t>
+            </a:r>
+            <a:r>
+              <a:rPr lang="en-US" dirty="0" err="1" smtClean="0">
+                <a:solidFill>
+                  <a:schemeClr val="bg1"/>
+                </a:solidFill>
+              </a:rPr>
+              <a:t>uid</a:t>
+            </a:r>
+            <a:r>
+              <a:rPr lang="en-US" dirty="0" smtClean="0">
+                <a:solidFill>
+                  <a:schemeClr val="bg1"/>
+                </a:solidFill>
+              </a:rPr>
+              <a:t>=</a:t>
+            </a:r>
+            <a:r>
+              <a:rPr lang="en-US" dirty="0" err="1" smtClean="0">
+                <a:solidFill>
+                  <a:schemeClr val="bg1"/>
+                </a:solidFill>
+              </a:rPr>
+              <a:t>ibeli</a:t>
+            </a:r>
+            <a:endParaRPr lang="en-US" dirty="0" smtClean="0">
+              <a:solidFill>
+                <a:schemeClr val="bg1"/>
+              </a:solidFill>
+            </a:endParaRPr>
+          </a:p>
+          <a:p>
+            <a:r>
+              <a:rPr lang="en-US" dirty="0">
+                <a:solidFill>
+                  <a:schemeClr val="bg1"/>
+                </a:solidFill>
+              </a:rPr>
+              <a:t> </a:t>
+            </a:r>
+            <a:r>
+              <a:rPr lang="en-US" dirty="0" smtClean="0">
+                <a:solidFill>
+                  <a:schemeClr val="bg1"/>
+                </a:solidFill>
+              </a:rPr>
+              <a:t>       </a:t>
+            </a:r>
+            <a:r>
+              <a:rPr lang="en-US" dirty="0" err="1" smtClean="0">
+                <a:solidFill>
+                  <a:schemeClr val="bg1"/>
+                </a:solidFill>
+              </a:rPr>
+              <a:t>cn</a:t>
+            </a:r>
+            <a:r>
+              <a:rPr lang="en-US" dirty="0" smtClean="0">
+                <a:solidFill>
+                  <a:schemeClr val="bg1"/>
+                </a:solidFill>
+              </a:rPr>
+              <a:t>=Iliya Belichev</a:t>
+            </a:r>
+          </a:p>
+          <a:p>
+            <a:endParaRPr lang="en-US" dirty="0">
+              <a:solidFill>
+                <a:schemeClr val="accent6"/>
+              </a:solidFill>
+            </a:endParaRPr>
+          </a:p>
+          <a:p>
+            <a:r>
+              <a:rPr lang="en-US" dirty="0" smtClean="0">
+                <a:solidFill>
+                  <a:schemeClr val="accent6"/>
+                </a:solidFill>
+              </a:rPr>
+              <a:t>Homework:</a:t>
+            </a:r>
+          </a:p>
+          <a:p>
+            <a:pPr marL="342900" indent="-342900">
+              <a:buAutoNum type="arabicPeriod"/>
+            </a:pPr>
+            <a:r>
+              <a:rPr lang="en-US" dirty="0" smtClean="0">
+                <a:solidFill>
+                  <a:schemeClr val="accent6"/>
+                </a:solidFill>
+              </a:rPr>
+              <a:t>Review the </a:t>
+            </a:r>
+            <a:r>
+              <a:rPr lang="en-US" dirty="0" err="1" smtClean="0">
+                <a:solidFill>
+                  <a:schemeClr val="accent6"/>
+                </a:solidFill>
+              </a:rPr>
+              <a:t>previos</a:t>
+            </a:r>
+            <a:r>
+              <a:rPr lang="en-US" dirty="0" smtClean="0">
+                <a:solidFill>
+                  <a:schemeClr val="accent6"/>
+                </a:solidFill>
+              </a:rPr>
+              <a:t> three slides + this one and think about what’s most challenging for you? Try to understand something more about it, implemented in the VM, ask me questions.</a:t>
+            </a:r>
+          </a:p>
+          <a:p>
+            <a:pPr marL="342900" indent="-342900">
+              <a:buAutoNum type="arabicPeriod"/>
+            </a:pPr>
+            <a:endParaRPr lang="en-US" dirty="0" smtClean="0">
+              <a:solidFill>
+                <a:schemeClr val="bg1"/>
+              </a:solidFill>
+            </a:endParaRPr>
+          </a:p>
+          <a:p>
+            <a:endParaRPr lang="en-US" dirty="0" smtClean="0">
+              <a:solidFill>
+                <a:schemeClr val="bg1"/>
+              </a:solidFill>
+            </a:endParaRPr>
+          </a:p>
+          <a:p>
+            <a:endParaRPr lang="en-US" dirty="0">
+              <a:solidFill>
+                <a:schemeClr val="bg1"/>
+              </a:solidFill>
+            </a:endParaRPr>
+          </a:p>
+          <a:p>
+            <a:endParaRPr lang="en-US" dirty="0" smtClean="0">
+              <a:solidFill>
+                <a:schemeClr val="accent6"/>
+              </a:solidFill>
+            </a:endParaRPr>
+          </a:p>
+          <a:p>
+            <a:endParaRPr lang="en-US" dirty="0">
+              <a:solidFill>
+                <a:schemeClr val="accent6"/>
+              </a:solidFill>
+            </a:endParaRPr>
+          </a:p>
+          <a:p>
+            <a:endParaRPr lang="en-US" dirty="0">
+              <a:solidFill>
+                <a:schemeClr val="accent6"/>
+              </a:solidFill>
+            </a:endParaRPr>
+          </a:p>
+        </p:txBody>
+      </p:sp>
+    </p:spTree>
+    <p:extLst>
+      <p:ext uri="{BB962C8B-B14F-4D97-AF65-F5344CB8AC3E}">
+        <p14:creationId xmlns:p14="http://schemas.microsoft.com/office/powerpoint/2010/main" val="1244033896"/>
+      </p:ext>
+    </p:extLst>
+  </p:cSld>
+  <p:clrMapOvr>
+    <a:masterClrMapping/>
+  </p:clrMapOvr>
+  <p:timing>
+    <p:tnLst>
+      <p:par>
+        <p:cTn id="1" dur="indefinite" restart="never" nodeType="tmRoot"/>
+      </p:par>
+    </p:tnLst>
+  </p:timing>
+</p:sld>
+</file>
+
+<file path=ppt/slides/slide2.xml><?xml version="1.0" encoding="utf-8"?>
+<p:sld xmlns:a="http://schemas.openxmlformats.org/drawingml/2006/main" xmlns:r="http://schemas.openxmlformats.org/officeDocument/2006/relationships" xmlns:p="http://schemas.openxmlformats.org/presentationml/2006/main">
+  <p:cSld>
+    <p:spTree>
+      <p:nvGrpSpPr>
+        <p:cNvPr id="1" name=""/>
+        <p:cNvGrpSpPr/>
+        <p:nvPr/>
+      </p:nvGrpSpPr>
+      <p:grpSpPr>
+        <a:xfrm>
+          <a:off x="0" y="0"/>
+          <a:ext cx="0" cy="0"/>
+          <a:chOff x="0" y="0"/>
+          <a:chExt cx="0" cy="0"/>
+        </a:xfrm>
+      </p:grpSpPr>
+      <p:sp>
+        <p:nvSpPr>
+          <p:cNvPr id="2" name="Title 1"/>
+          <p:cNvSpPr>
+            <a:spLocks noGrp="1"/>
+          </p:cNvSpPr>
+          <p:nvPr>
+            <p:ph type="title"/>
+          </p:nvPr>
+        </p:nvSpPr>
+        <p:spPr>
+          <a:xfrm>
+            <a:off x="457200" y="304800"/>
+            <a:ext cx="8229600" cy="4906962"/>
+          </a:xfrm>
+        </p:spPr>
+        <p:txBody>
+          <a:bodyPr>
+            <a:normAutofit/>
+          </a:bodyPr>
+          <a:lstStyle/>
+          <a:p>
+            <a:r>
+              <a:rPr lang="en-US" sz="3200" dirty="0" smtClean="0">
+                <a:solidFill>
+                  <a:schemeClr val="accent6"/>
+                </a:solidFill>
+              </a:rPr>
+              <a:t>The ‘</a:t>
+            </a:r>
+            <a:r>
+              <a:rPr lang="en-US" sz="3200" dirty="0" smtClean="0">
+                <a:solidFill>
+                  <a:schemeClr val="bg1"/>
+                </a:solidFill>
+              </a:rPr>
+              <a:t>id</a:t>
+            </a:r>
+            <a:r>
+              <a:rPr lang="en-US" sz="3200" dirty="0" smtClean="0">
+                <a:solidFill>
+                  <a:schemeClr val="accent6"/>
+                </a:solidFill>
+              </a:rPr>
+              <a:t>’ command is used to show information about the current logged-in user.</a:t>
+            </a:r>
+            <a:br>
+              <a:rPr lang="en-US" sz="3200" dirty="0" smtClean="0">
+                <a:solidFill>
+                  <a:schemeClr val="accent6"/>
+                </a:solidFill>
+              </a:rPr>
+            </a:br>
+            <a:r>
+              <a:rPr lang="en-US" sz="3200" dirty="0">
+                <a:solidFill>
+                  <a:schemeClr val="accent6"/>
+                </a:solidFill>
+              </a:rPr>
+              <a:t/>
+            </a:r>
+            <a:br>
+              <a:rPr lang="en-US" sz="3200" dirty="0">
+                <a:solidFill>
+                  <a:schemeClr val="accent6"/>
+                </a:solidFill>
+              </a:rPr>
+            </a:br>
+            <a:r>
+              <a:rPr lang="en-US" sz="3200" dirty="0" smtClean="0">
+                <a:solidFill>
+                  <a:schemeClr val="accent6"/>
+                </a:solidFill>
+              </a:rPr>
+              <a:t>To view the user associated with a file or directory, use the ’</a:t>
+            </a:r>
+            <a:r>
+              <a:rPr lang="en-US" sz="3200" dirty="0" smtClean="0">
+                <a:solidFill>
+                  <a:schemeClr val="bg1"/>
+                </a:solidFill>
+              </a:rPr>
+              <a:t>ls </a:t>
+            </a:r>
+            <a:r>
+              <a:rPr lang="mr-IN" sz="3200" dirty="0" smtClean="0">
+                <a:solidFill>
+                  <a:schemeClr val="bg1"/>
+                </a:solidFill>
+              </a:rPr>
+              <a:t>–</a:t>
+            </a:r>
+            <a:r>
+              <a:rPr lang="en-US" sz="3200" dirty="0" smtClean="0">
+                <a:solidFill>
+                  <a:schemeClr val="bg1"/>
+                </a:solidFill>
+              </a:rPr>
+              <a:t>l</a:t>
+            </a:r>
+            <a:r>
+              <a:rPr lang="en-US" sz="3200" dirty="0" smtClean="0">
+                <a:solidFill>
+                  <a:schemeClr val="accent6"/>
+                </a:solidFill>
+              </a:rPr>
+              <a:t>’. The third column shows the username, the fourth one the group</a:t>
+            </a:r>
+            <a:br>
+              <a:rPr lang="en-US" sz="3200" dirty="0" smtClean="0">
+                <a:solidFill>
+                  <a:schemeClr val="accent6"/>
+                </a:solidFill>
+              </a:rPr>
+            </a:br>
+            <a:r>
+              <a:rPr lang="en-US" sz="3200" dirty="0" smtClean="0">
+                <a:solidFill>
+                  <a:srgbClr val="FF0000"/>
+                </a:solidFill>
+              </a:rPr>
+              <a:t>Exercises:</a:t>
+            </a:r>
+            <a:r>
+              <a:rPr lang="en-US" sz="3200" dirty="0" smtClean="0">
+                <a:solidFill>
+                  <a:schemeClr val="accent6"/>
+                </a:solidFill>
+              </a:rPr>
+              <a:t/>
+            </a:r>
+            <a:br>
+              <a:rPr lang="en-US" sz="3200" dirty="0" smtClean="0">
+                <a:solidFill>
+                  <a:schemeClr val="accent6"/>
+                </a:solidFill>
+              </a:rPr>
+            </a:br>
+            <a:r>
+              <a:rPr lang="en-US" sz="3200" dirty="0" smtClean="0">
+                <a:solidFill>
+                  <a:schemeClr val="accent6"/>
+                </a:solidFill>
+              </a:rPr>
+              <a:t>1. List your current user id.</a:t>
+            </a:r>
+            <a:br>
+              <a:rPr lang="en-US" sz="3200" dirty="0" smtClean="0">
+                <a:solidFill>
+                  <a:schemeClr val="accent6"/>
+                </a:solidFill>
+              </a:rPr>
+            </a:br>
+            <a:r>
+              <a:rPr lang="en-US" sz="3200" dirty="0" smtClean="0">
+                <a:solidFill>
+                  <a:schemeClr val="accent6"/>
+                </a:solidFill>
+              </a:rPr>
+              <a:t>2. List a file and take a look his ownership.</a:t>
+            </a:r>
+            <a:endParaRPr lang="en-US" sz="3200" dirty="0">
+              <a:solidFill>
+                <a:schemeClr val="accent6"/>
+              </a:solidFill>
+            </a:endParaRPr>
+          </a:p>
+        </p:txBody>
+      </p:sp>
+    </p:spTree>
+    <p:extLst>
+      <p:ext uri="{BB962C8B-B14F-4D97-AF65-F5344CB8AC3E}">
+        <p14:creationId xmlns:p14="http://schemas.microsoft.com/office/powerpoint/2010/main" val="1367228132"/>
+      </p:ext>
+    </p:extLst>
+  </p:cSld>
+  <p:clrMapOvr>
+    <a:masterClrMapping/>
+  </p:clrMapOvr>
+</p:sld>
+</file>
+
+<file path=ppt/slides/slide3.xml><?xml version="1.0" encoding="utf-8"?>
+<p:sld xmlns:a="http://schemas.openxmlformats.org/drawingml/2006/main" xmlns:r="http://schemas.openxmlformats.org/officeDocument/2006/relationships" xmlns:p="http://schemas.openxmlformats.org/presentationml/2006/main">
+  <p:cSld>
+    <p:spTree>
+      <p:nvGrpSpPr>
+        <p:cNvPr id="1" name=""/>
+        <p:cNvGrpSpPr/>
+        <p:nvPr/>
+      </p:nvGrpSpPr>
+      <p:grpSpPr>
+        <a:xfrm>
+          <a:off x="0" y="0"/>
+          <a:ext cx="0" cy="0"/>
+          <a:chOff x="0" y="0"/>
+          <a:chExt cx="0" cy="0"/>
+        </a:xfrm>
+      </p:grpSpPr>
+      <p:sp>
+        <p:nvSpPr>
+          <p:cNvPr id="2" name="Title 1"/>
+          <p:cNvSpPr>
+            <a:spLocks noGrp="1"/>
+          </p:cNvSpPr>
+          <p:nvPr>
             <p:ph type="ctrTitle"/>
           </p:nvPr>
         </p:nvSpPr>
@@ -3684,50 +4658,6 @@
                 <a:schemeClr val="accent6"/>
               </a:solidFill>
             </a:endParaRPr>
-          </a:p>
-        </p:txBody>
-      </p:sp>
-      <p:sp>
-        <p:nvSpPr>
-          <p:cNvPr id="5" name="TextBox 4"/>
-          <p:cNvSpPr txBox="1"/>
-          <p:nvPr/>
-        </p:nvSpPr>
-        <p:spPr>
-          <a:xfrm>
-            <a:off x="3124200" y="838200"/>
-            <a:ext cx="6705600" cy="1200329"/>
-          </a:xfrm>
-          <a:prstGeom prst="rect">
-            <a:avLst/>
-          </a:prstGeom>
-          <a:noFill/>
-        </p:spPr>
-        <p:txBody>
-          <a:bodyPr wrap="square" rtlCol="0">
-            <a:spAutoFit/>
-          </a:bodyPr>
-          <a:lstStyle/>
-          <a:p>
-            <a:r>
-              <a:rPr lang="en-US" sz="3600" dirty="0" smtClean="0">
-                <a:ln w="0"/>
-                <a:solidFill>
-                  <a:schemeClr val="accent1"/>
-                </a:solidFill>
-                <a:effectLst>
-                  <a:outerShdw blurRad="38100" dist="25400" dir="5400000" algn="ctr" rotWithShape="0">
-                    <a:srgbClr val="6E747A">
-                      <a:alpha val="43000"/>
-                    </a:srgbClr>
-                  </a:outerShdw>
-                </a:effectLst>
-              </a:rPr>
-              <a:t>Users and Groups</a:t>
-            </a:r>
-          </a:p>
-          <a:p>
-            <a:endParaRPr lang="en-US" sz="3600" dirty="0"/>
           </a:p>
         </p:txBody>
       </p:sp>
@@ -3777,7 +4707,7 @@
 </p:sld>
 </file>
 
-<file path=ppt/slides/slide2.xml><?xml version="1.0" encoding="utf-8"?>
+<file path=ppt/slides/slide4.xml><?xml version="1.0" encoding="utf-8"?>
 <p:sld xmlns:a="http://schemas.openxmlformats.org/drawingml/2006/main" xmlns:r="http://schemas.openxmlformats.org/officeDocument/2006/relationships" xmlns:p="http://schemas.openxmlformats.org/presentationml/2006/main">
   <p:cSld>
     <p:spTree>
@@ -4078,7 +5008,7 @@
 </p:sld>
 </file>
 
-<file path=ppt/slides/slide3.xml><?xml version="1.0" encoding="utf-8"?>
+<file path=ppt/slides/slide5.xml><?xml version="1.0" encoding="utf-8"?>
 <p:sld xmlns:a="http://schemas.openxmlformats.org/drawingml/2006/main" xmlns:r="http://schemas.openxmlformats.org/officeDocument/2006/relationships" xmlns:p="http://schemas.openxmlformats.org/presentationml/2006/main">
   <p:cSld>
     <p:spTree>
@@ -4365,12 +5295,20 @@
                   <a:schemeClr val="accent6"/>
                 </a:solidFill>
               </a:rPr>
-              <a:t>Linux is following the Unix tradition, to count the time from Jan, 1</a:t>
+              <a:t>Linux is following the Unix tradition, to count the time from Jan, </a:t>
+            </a:r>
+            <a:r>
+              <a:rPr lang="en-US" sz="2700" dirty="0" smtClean="0">
+                <a:solidFill>
+                  <a:schemeClr val="bg1"/>
+                </a:solidFill>
+              </a:rPr>
+              <a:t>1</a:t>
             </a:r>
             <a:r>
               <a:rPr lang="en-US" sz="2700" baseline="30000" dirty="0" smtClean="0">
                 <a:solidFill>
-                  <a:schemeClr val="accent6"/>
+                  <a:schemeClr val="bg1"/>
                 </a:solidFill>
               </a:rPr>
               <a:t>st</a:t>
@@ -4378,7 +5316,7 @@
             <a:r>
               <a:rPr lang="en-US" sz="2700" dirty="0">
                 <a:solidFill>
-                  <a:schemeClr val="accent6"/>
+                  <a:schemeClr val="bg1"/>
                 </a:solidFill>
               </a:rPr>
               <a:t> </a:t>
@@ -4386,10 +5324,18 @@
             <a:r>
               <a:rPr lang="en-US" sz="2700" dirty="0" smtClean="0">
                 <a:solidFill>
-                  <a:schemeClr val="accent6"/>
-                </a:solidFill>
-              </a:rPr>
-              <a:t>1970 ( the official Birthday of UNIX).</a:t>
+                  <a:schemeClr val="bg1"/>
+                </a:solidFill>
+              </a:rPr>
+              <a:t>1970 </a:t>
+            </a:r>
+            <a:r>
+              <a:rPr lang="en-US" sz="2700" dirty="0" smtClean="0">
+                <a:solidFill>
+                  <a:schemeClr val="accent6"/>
+                </a:solidFill>
+              </a:rPr>
+              <a:t>( the official Birthday of UNIX).</a:t>
             </a:r>
             <a:r>
               <a:rPr lang="en-US" dirty="0">
@@ -4564,7 +5510,7 @@
 </p:sld>
 </file>
 
-<file path=ppt/slides/slide4.xml><?xml version="1.0" encoding="utf-8"?>
+<file path=ppt/slides/slide6.xml><?xml version="1.0" encoding="utf-8"?>
 <p:sld xmlns:a="http://schemas.openxmlformats.org/drawingml/2006/main" xmlns:r="http://schemas.openxmlformats.org/officeDocument/2006/relationships" xmlns:p="http://schemas.openxmlformats.org/presentationml/2006/main">
   <p:cSld>
     <p:spTree>
@@ -4789,7 +5735,39 @@
                   <a:schemeClr val="accent6"/>
                 </a:solidFill>
               </a:rPr>
-              <a:t>Linux users can be a member of two different kinds of groups: primary group and  secondary groups. By default each user is created with primary group identical as his name.</a:t>
+              <a:t>Linux users can be a member of two different kinds of groups: </a:t>
+            </a:r>
+            <a:r>
+              <a:rPr lang="en-US" sz="3100" dirty="0" smtClean="0">
+                <a:solidFill>
+                  <a:schemeClr val="bg1"/>
+                </a:solidFill>
+              </a:rPr>
+              <a:t>primary group</a:t>
+            </a:r>
+            <a:r>
+              <a:rPr lang="en-US" sz="3100" dirty="0" smtClean="0">
+                <a:solidFill>
+                  <a:schemeClr val="accent6"/>
+                </a:solidFill>
+              </a:rPr>
+              <a:t> and  </a:t>
+            </a:r>
+            <a:r>
+              <a:rPr lang="en-US" sz="3100" dirty="0" smtClean="0">
+                <a:solidFill>
+                  <a:schemeClr val="bg1"/>
+                </a:solidFill>
+              </a:rPr>
+              <a:t>secondary groups</a:t>
+            </a:r>
+            <a:r>
+              <a:rPr lang="en-US" sz="3100" dirty="0" smtClean="0">
+                <a:solidFill>
+                  <a:schemeClr val="accent6"/>
+                </a:solidFill>
+              </a:rPr>
+              <a:t>. By default each user is created with primary group identical as his name.</a:t>
             </a:r>
             <a:br>
               <a:rPr lang="en-US" sz="3100" dirty="0" smtClean="0">
@@ -5010,1370 +5988,6 @@
     <p:extLst>
       <p:ext uri="{BB962C8B-B14F-4D97-AF65-F5344CB8AC3E}">
         <p14:creationId xmlns:p14="http://schemas.microsoft.com/office/powerpoint/2010/main" val="4059420365"/>
-      </p:ext>
-    </p:extLst>
-  </p:cSld>
-  <p:clrMapOvr>
-    <a:masterClrMapping/>
-  </p:clrMapOvr>
-  <p:timing>
-    <p:tnLst>
-      <p:par>
-        <p:cTn id="1" dur="indefinite" restart="never" nodeType="tmRoot"/>
-      </p:par>
-    </p:tnLst>
-  </p:timing>
-</p:sld>
-</file>
-
-<file path=ppt/slides/slide5.xml><?xml version="1.0" encoding="utf-8"?>
-<p:sld xmlns:a="http://schemas.openxmlformats.org/drawingml/2006/main" xmlns:r="http://schemas.openxmlformats.org/officeDocument/2006/relationships" xmlns:p="http://schemas.openxmlformats.org/presentationml/2006/main">
-  <p:cSld>
-    <p:spTree>
-      <p:nvGrpSpPr>
-        <p:cNvPr id="1" name=""/>
-        <p:cNvGrpSpPr/>
-        <p:nvPr/>
-      </p:nvGrpSpPr>
-      <p:grpSpPr>
-        <a:xfrm>
-          <a:off x="0" y="0"/>
-          <a:ext cx="0" cy="0"/>
-          <a:chOff x="0" y="0"/>
-          <a:chExt cx="0" cy="0"/>
-        </a:xfrm>
-      </p:grpSpPr>
-      <p:sp>
-        <p:nvSpPr>
-          <p:cNvPr id="2" name="Title 1"/>
-          <p:cNvSpPr>
-            <a:spLocks noGrp="1"/>
-          </p:cNvSpPr>
-          <p:nvPr>
-            <p:ph type="title"/>
-          </p:nvPr>
-        </p:nvSpPr>
-        <p:spPr>
-          <a:xfrm>
-            <a:off x="838200" y="685800"/>
-            <a:ext cx="8229600" cy="1143000"/>
-          </a:xfrm>
-        </p:spPr>
-        <p:txBody>
-          <a:bodyPr>
-            <a:normAutofit fontScale="90000"/>
-          </a:bodyPr>
-          <a:lstStyle/>
-          <a:p>
-            <a:r>
-              <a:rPr lang="en-US" sz="3100" dirty="0" smtClean="0">
-                <a:solidFill>
-                  <a:schemeClr val="accent6"/>
-                </a:solidFill>
-              </a:rPr>
-              <a:t/>
-            </a:r>
-            <a:br>
-              <a:rPr lang="en-US" sz="3100" dirty="0" smtClean="0">
-                <a:solidFill>
-                  <a:schemeClr val="accent6"/>
-                </a:solidFill>
-              </a:rPr>
-            </a:br>
-            <a:r>
-              <a:rPr lang="en-US" sz="3100" dirty="0">
-                <a:solidFill>
-                  <a:schemeClr val="accent6"/>
-                </a:solidFill>
-              </a:rPr>
-              <a:t/>
-            </a:r>
-            <a:br>
-              <a:rPr lang="en-US" sz="3100" dirty="0">
-                <a:solidFill>
-                  <a:schemeClr val="accent6"/>
-                </a:solidFill>
-              </a:rPr>
-            </a:br>
-            <a:r>
-              <a:rPr lang="en-US" sz="3100" dirty="0" smtClean="0">
-                <a:solidFill>
-                  <a:schemeClr val="accent6"/>
-                </a:solidFill>
-              </a:rPr>
-              <a:t/>
-            </a:r>
-            <a:br>
-              <a:rPr lang="en-US" sz="3100" dirty="0" smtClean="0">
-                <a:solidFill>
-                  <a:schemeClr val="accent6"/>
-                </a:solidFill>
-              </a:rPr>
-            </a:br>
-            <a:r>
-              <a:rPr lang="en-US" sz="3100" dirty="0">
-                <a:solidFill>
-                  <a:schemeClr val="accent6"/>
-                </a:solidFill>
-              </a:rPr>
-              <a:t/>
-            </a:r>
-            <a:br>
-              <a:rPr lang="en-US" sz="3100" dirty="0">
-                <a:solidFill>
-                  <a:schemeClr val="accent6"/>
-                </a:solidFill>
-              </a:rPr>
-            </a:br>
-            <a:r>
-              <a:rPr lang="en-US" sz="3100" dirty="0" smtClean="0">
-                <a:solidFill>
-                  <a:schemeClr val="accent6"/>
-                </a:solidFill>
-              </a:rPr>
-              <a:t/>
-            </a:r>
-            <a:br>
-              <a:rPr lang="en-US" sz="3100" dirty="0" smtClean="0">
-                <a:solidFill>
-                  <a:schemeClr val="accent6"/>
-                </a:solidFill>
-              </a:rPr>
-            </a:br>
-            <a:r>
-              <a:rPr lang="en-US" sz="3100" dirty="0">
-                <a:solidFill>
-                  <a:schemeClr val="accent6"/>
-                </a:solidFill>
-              </a:rPr>
-              <a:t/>
-            </a:r>
-            <a:br>
-              <a:rPr lang="en-US" sz="3100" dirty="0">
-                <a:solidFill>
-                  <a:schemeClr val="accent6"/>
-                </a:solidFill>
-              </a:rPr>
-            </a:br>
-            <a:r>
-              <a:rPr lang="en-US" sz="3100" dirty="0" smtClean="0">
-                <a:solidFill>
-                  <a:schemeClr val="accent6"/>
-                </a:solidFill>
-              </a:rPr>
-              <a:t/>
-            </a:r>
-            <a:br>
-              <a:rPr lang="en-US" sz="3100" dirty="0" smtClean="0">
-                <a:solidFill>
-                  <a:schemeClr val="accent6"/>
-                </a:solidFill>
-              </a:rPr>
-            </a:br>
-            <a:r>
-              <a:rPr lang="en-US" sz="3100" dirty="0" smtClean="0">
-                <a:solidFill>
-                  <a:schemeClr val="accent6"/>
-                </a:solidFill>
-              </a:rPr>
-              <a:t/>
-            </a:r>
-            <a:br>
-              <a:rPr lang="en-US" sz="3100" dirty="0" smtClean="0">
-                <a:solidFill>
-                  <a:schemeClr val="accent6"/>
-                </a:solidFill>
-              </a:rPr>
-            </a:br>
-            <a:r>
-              <a:rPr lang="en-US" sz="3100" dirty="0">
-                <a:solidFill>
-                  <a:schemeClr val="accent6"/>
-                </a:solidFill>
-              </a:rPr>
-              <a:t/>
-            </a:r>
-            <a:br>
-              <a:rPr lang="en-US" sz="3100" dirty="0">
-                <a:solidFill>
-                  <a:schemeClr val="accent6"/>
-                </a:solidFill>
-              </a:rPr>
-            </a:br>
-            <a:r>
-              <a:rPr lang="en-US" sz="3100" dirty="0" smtClean="0">
-                <a:solidFill>
-                  <a:schemeClr val="accent6"/>
-                </a:solidFill>
-              </a:rPr>
-              <a:t/>
-            </a:r>
-            <a:br>
-              <a:rPr lang="en-US" sz="3100" dirty="0" smtClean="0">
-                <a:solidFill>
-                  <a:schemeClr val="accent6"/>
-                </a:solidFill>
-              </a:rPr>
-            </a:br>
-            <a:r>
-              <a:rPr lang="en-US" sz="3100" dirty="0" smtClean="0">
-                <a:solidFill>
-                  <a:schemeClr val="accent6"/>
-                </a:solidFill>
-              </a:rPr>
-              <a:t/>
-            </a:r>
-            <a:br>
-              <a:rPr lang="en-US" sz="3100" dirty="0" smtClean="0">
-                <a:solidFill>
-                  <a:schemeClr val="accent6"/>
-                </a:solidFill>
-              </a:rPr>
-            </a:br>
-            <a:r>
-              <a:rPr lang="en-US" sz="3100" dirty="0">
-                <a:solidFill>
-                  <a:schemeClr val="accent6"/>
-                </a:solidFill>
-              </a:rPr>
-              <a:t/>
-            </a:r>
-            <a:br>
-              <a:rPr lang="en-US" sz="3100" dirty="0">
-                <a:solidFill>
-                  <a:schemeClr val="accent6"/>
-                </a:solidFill>
-              </a:rPr>
-            </a:br>
-            <a:r>
-              <a:rPr lang="en-US" sz="3100" dirty="0" smtClean="0">
-                <a:solidFill>
-                  <a:schemeClr val="accent6"/>
-                </a:solidFill>
-              </a:rPr>
-              <a:t/>
-            </a:r>
-            <a:br>
-              <a:rPr lang="en-US" sz="3100" dirty="0" smtClean="0">
-                <a:solidFill>
-                  <a:schemeClr val="accent6"/>
-                </a:solidFill>
-              </a:rPr>
-            </a:br>
-            <a:r>
-              <a:rPr lang="en-US" sz="3100" dirty="0">
-                <a:solidFill>
-                  <a:schemeClr val="accent6"/>
-                </a:solidFill>
-              </a:rPr>
-              <a:t/>
-            </a:r>
-            <a:br>
-              <a:rPr lang="en-US" sz="3100" dirty="0">
-                <a:solidFill>
-                  <a:schemeClr val="accent6"/>
-                </a:solidFill>
-              </a:rPr>
-            </a:br>
-            <a:r>
-              <a:rPr lang="en-US" sz="3100" dirty="0" smtClean="0">
-                <a:solidFill>
-                  <a:schemeClr val="accent6"/>
-                </a:solidFill>
-              </a:rPr>
-              <a:t/>
-            </a:r>
-            <a:br>
-              <a:rPr lang="en-US" sz="3100" dirty="0" smtClean="0">
-                <a:solidFill>
-                  <a:schemeClr val="accent6"/>
-                </a:solidFill>
-              </a:rPr>
-            </a:br>
-            <a:r>
-              <a:rPr lang="en-US" sz="2400" dirty="0">
-                <a:solidFill>
-                  <a:schemeClr val="accent6"/>
-                </a:solidFill>
-              </a:rPr>
-              <a:t/>
-            </a:r>
-            <a:br>
-              <a:rPr lang="en-US" sz="2400" dirty="0">
-                <a:solidFill>
-                  <a:schemeClr val="accent6"/>
-                </a:solidFill>
-              </a:rPr>
-            </a:br>
-            <a:r>
-              <a:rPr lang="en-US" sz="2400" dirty="0" smtClean="0">
-                <a:solidFill>
-                  <a:schemeClr val="accent6"/>
-                </a:solidFill>
-              </a:rPr>
-              <a:t/>
-            </a:r>
-            <a:br>
-              <a:rPr lang="en-US" sz="2400" dirty="0" smtClean="0">
-                <a:solidFill>
-                  <a:schemeClr val="accent6"/>
-                </a:solidFill>
-              </a:rPr>
-            </a:br>
-            <a:r>
-              <a:rPr lang="en-US" sz="2400" dirty="0">
-                <a:solidFill>
-                  <a:schemeClr val="accent6"/>
-                </a:solidFill>
-              </a:rPr>
-              <a:t/>
-            </a:r>
-            <a:br>
-              <a:rPr lang="en-US" sz="2400" dirty="0">
-                <a:solidFill>
-                  <a:schemeClr val="accent6"/>
-                </a:solidFill>
-              </a:rPr>
-            </a:br>
-            <a:r>
-              <a:rPr lang="en-US" sz="2400" dirty="0" smtClean="0">
-                <a:solidFill>
-                  <a:schemeClr val="accent6"/>
-                </a:solidFill>
-              </a:rPr>
-              <a:t/>
-            </a:r>
-            <a:br>
-              <a:rPr lang="en-US" sz="2400" dirty="0" smtClean="0">
-                <a:solidFill>
-                  <a:schemeClr val="accent6"/>
-                </a:solidFill>
-              </a:rPr>
-            </a:br>
-            <a:r>
-              <a:rPr lang="en-US" sz="2400" dirty="0">
-                <a:solidFill>
-                  <a:schemeClr val="accent6"/>
-                </a:solidFill>
-              </a:rPr>
-              <a:t/>
-            </a:r>
-            <a:br>
-              <a:rPr lang="en-US" sz="2400" dirty="0">
-                <a:solidFill>
-                  <a:schemeClr val="accent6"/>
-                </a:solidFill>
-              </a:rPr>
-            </a:br>
-            <a:r>
-              <a:rPr lang="en-US" sz="2400" dirty="0" smtClean="0">
-                <a:solidFill>
-                  <a:schemeClr val="accent6"/>
-                </a:solidFill>
-              </a:rPr>
-              <a:t/>
-            </a:r>
-            <a:br>
-              <a:rPr lang="en-US" sz="2400" dirty="0" smtClean="0">
-                <a:solidFill>
-                  <a:schemeClr val="accent6"/>
-                </a:solidFill>
-              </a:rPr>
-            </a:br>
-            <a:r>
-              <a:rPr lang="en-US" sz="2400" dirty="0">
-                <a:solidFill>
-                  <a:schemeClr val="accent6"/>
-                </a:solidFill>
-              </a:rPr>
-              <a:t/>
-            </a:r>
-            <a:br>
-              <a:rPr lang="en-US" sz="2400" dirty="0">
-                <a:solidFill>
-                  <a:schemeClr val="accent6"/>
-                </a:solidFill>
-              </a:rPr>
-            </a:br>
-            <a:r>
-              <a:rPr lang="en-US" sz="2400" dirty="0" smtClean="0">
-                <a:solidFill>
-                  <a:schemeClr val="accent6"/>
-                </a:solidFill>
-              </a:rPr>
-              <a:t/>
-            </a:r>
-            <a:br>
-              <a:rPr lang="en-US" sz="2400" dirty="0" smtClean="0">
-                <a:solidFill>
-                  <a:schemeClr val="accent6"/>
-                </a:solidFill>
-              </a:rPr>
-            </a:br>
-            <a:r>
-              <a:rPr lang="en-US" sz="2400" dirty="0" err="1" smtClean="0">
-                <a:solidFill>
-                  <a:schemeClr val="accent6"/>
-                </a:solidFill>
-              </a:rPr>
-              <a:t>Sudo</a:t>
-            </a:r>
-            <a:r>
-              <a:rPr lang="en-US" sz="2400" dirty="0" smtClean="0">
-                <a:solidFill>
-                  <a:schemeClr val="accent6"/>
-                </a:solidFill>
-              </a:rPr>
-              <a:t> =&gt; super user do. A program that allows users to run programs with the security privileges of another user, by default the </a:t>
-            </a:r>
-            <a:r>
-              <a:rPr lang="en-US" sz="2400" dirty="0" err="1" smtClean="0">
-                <a:solidFill>
-                  <a:schemeClr val="accent6"/>
-                </a:solidFill>
-              </a:rPr>
-              <a:t>superuser</a:t>
-            </a:r>
-            <a:r>
-              <a:rPr lang="en-US" sz="2400" dirty="0" smtClean="0">
-                <a:solidFill>
-                  <a:schemeClr val="accent6"/>
-                </a:solidFill>
-              </a:rPr>
-              <a:t>(root).</a:t>
-            </a:r>
-            <a:br>
-              <a:rPr lang="en-US" sz="2400" dirty="0" smtClean="0">
-                <a:solidFill>
-                  <a:schemeClr val="accent6"/>
-                </a:solidFill>
-              </a:rPr>
-            </a:br>
-            <a:r>
-              <a:rPr lang="en-US" sz="2400" dirty="0">
-                <a:solidFill>
-                  <a:schemeClr val="accent6"/>
-                </a:solidFill>
-              </a:rPr>
-              <a:t/>
-            </a:r>
-            <a:br>
-              <a:rPr lang="en-US" sz="2400" dirty="0">
-                <a:solidFill>
-                  <a:schemeClr val="accent6"/>
-                </a:solidFill>
-              </a:rPr>
-            </a:br>
-            <a:r>
-              <a:rPr lang="en-US" sz="2400" dirty="0">
-                <a:solidFill>
-                  <a:schemeClr val="bg1"/>
-                </a:solidFill>
-              </a:rPr>
-              <a:t>man </a:t>
-            </a:r>
-            <a:r>
-              <a:rPr lang="en-US" sz="2400" dirty="0" err="1">
-                <a:solidFill>
-                  <a:schemeClr val="bg1"/>
-                </a:solidFill>
-              </a:rPr>
-              <a:t>visudo</a:t>
-            </a:r>
-            <a:r>
-              <a:rPr lang="en-US" sz="2400" dirty="0" smtClean="0">
-                <a:solidFill>
-                  <a:schemeClr val="accent6"/>
-                </a:solidFill>
-              </a:rPr>
-              <a:t>.</a:t>
-            </a:r>
-            <a:br>
-              <a:rPr lang="en-US" sz="2400" dirty="0" smtClean="0">
-                <a:solidFill>
-                  <a:schemeClr val="accent6"/>
-                </a:solidFill>
-              </a:rPr>
-            </a:br>
-            <a:r>
-              <a:rPr lang="en-US" sz="2400" dirty="0">
-                <a:solidFill>
-                  <a:schemeClr val="accent6"/>
-                </a:solidFill>
-              </a:rPr>
-              <a:t/>
-            </a:r>
-            <a:br>
-              <a:rPr lang="en-US" sz="2400" dirty="0">
-                <a:solidFill>
-                  <a:schemeClr val="accent6"/>
-                </a:solidFill>
-              </a:rPr>
-            </a:br>
-            <a:r>
-              <a:rPr lang="en-US" sz="2400" dirty="0" smtClean="0">
-                <a:solidFill>
-                  <a:schemeClr val="accent6"/>
-                </a:solidFill>
-              </a:rPr>
-              <a:t>Whenever you edit the </a:t>
-            </a:r>
-            <a:r>
-              <a:rPr lang="en-US" sz="2400" dirty="0" err="1" smtClean="0">
-                <a:solidFill>
-                  <a:schemeClr val="accent6"/>
-                </a:solidFill>
-              </a:rPr>
-              <a:t>sudo</a:t>
-            </a:r>
-            <a:r>
-              <a:rPr lang="en-US" sz="2400" dirty="0" smtClean="0">
-                <a:solidFill>
-                  <a:schemeClr val="accent6"/>
-                </a:solidFill>
-              </a:rPr>
-              <a:t> file /</a:t>
-            </a:r>
-            <a:r>
-              <a:rPr lang="en-US" sz="2400" dirty="0" err="1" smtClean="0">
-                <a:solidFill>
-                  <a:schemeClr val="accent6"/>
-                </a:solidFill>
-              </a:rPr>
-              <a:t>etc</a:t>
-            </a:r>
-            <a:r>
-              <a:rPr lang="en-US" sz="2400" dirty="0" smtClean="0">
-                <a:solidFill>
-                  <a:schemeClr val="accent6"/>
-                </a:solidFill>
-              </a:rPr>
-              <a:t>/</a:t>
-            </a:r>
-            <a:r>
-              <a:rPr lang="en-US" sz="2400" dirty="0" err="1" smtClean="0">
-                <a:solidFill>
-                  <a:schemeClr val="accent6"/>
-                </a:solidFill>
-              </a:rPr>
-              <a:t>sudoers</a:t>
-            </a:r>
-            <a:r>
-              <a:rPr lang="en-US" sz="2400" dirty="0" smtClean="0">
-                <a:solidFill>
-                  <a:schemeClr val="accent6"/>
-                </a:solidFill>
-              </a:rPr>
-              <a:t>, always use </a:t>
-            </a:r>
-            <a:r>
-              <a:rPr lang="en-US" sz="2400" dirty="0" err="1">
-                <a:solidFill>
-                  <a:schemeClr val="bg1"/>
-                </a:solidFill>
-              </a:rPr>
-              <a:t>visudo</a:t>
-            </a:r>
-            <a:r>
-              <a:rPr lang="en-US" sz="2400" dirty="0" smtClean="0">
-                <a:solidFill>
-                  <a:schemeClr val="accent6"/>
-                </a:solidFill>
-              </a:rPr>
-              <a:t>, since it locks it for the current user.</a:t>
-            </a:r>
-            <a:br>
-              <a:rPr lang="en-US" sz="2400" dirty="0" smtClean="0">
-                <a:solidFill>
-                  <a:schemeClr val="accent6"/>
-                </a:solidFill>
-              </a:rPr>
-            </a:br>
-            <a:r>
-              <a:rPr lang="en-US" sz="2400" dirty="0" smtClean="0">
-                <a:solidFill>
-                  <a:schemeClr val="accent6"/>
-                </a:solidFill>
-              </a:rPr>
-              <a:t>               </a:t>
-            </a:r>
-            <a:r>
-              <a:rPr lang="en-US" sz="2400" dirty="0" smtClean="0">
-                <a:solidFill>
-                  <a:srgbClr val="FF0000"/>
-                </a:solidFill>
-              </a:rPr>
-              <a:t>Exercises:</a:t>
-            </a:r>
-            <a:r>
-              <a:rPr lang="en-US" sz="2400" dirty="0" smtClean="0">
-                <a:solidFill>
-                  <a:schemeClr val="bg1"/>
-                </a:solidFill>
-              </a:rPr>
-              <a:t/>
-            </a:r>
-            <a:br>
-              <a:rPr lang="en-US" sz="2400" dirty="0" smtClean="0">
-                <a:solidFill>
-                  <a:schemeClr val="bg1"/>
-                </a:solidFill>
-              </a:rPr>
-            </a:br>
-            <a:r>
-              <a:rPr lang="en-US" sz="2400" dirty="0" smtClean="0">
-                <a:solidFill>
-                  <a:schemeClr val="bg1"/>
-                </a:solidFill>
-              </a:rPr>
-              <a:t>                                               </a:t>
-            </a:r>
-            <a:r>
-              <a:rPr lang="en-US" sz="2400" dirty="0" smtClean="0">
-                <a:solidFill>
-                  <a:schemeClr val="accent6"/>
-                </a:solidFill>
-              </a:rPr>
-              <a:t>1. Add a local user as a </a:t>
-            </a:r>
-            <a:r>
-              <a:rPr lang="en-US" sz="2400" dirty="0" err="1" smtClean="0">
-                <a:solidFill>
-                  <a:schemeClr val="accent6"/>
-                </a:solidFill>
-              </a:rPr>
-              <a:t>sudo</a:t>
-            </a:r>
-            <a:r>
-              <a:rPr lang="en-US" sz="2400" dirty="0" smtClean="0">
-                <a:solidFill>
-                  <a:schemeClr val="accent6"/>
-                </a:solidFill>
-              </a:rPr>
-              <a:t>.</a:t>
-            </a:r>
-            <a:br>
-              <a:rPr lang="en-US" sz="2400" dirty="0" smtClean="0">
-                <a:solidFill>
-                  <a:schemeClr val="accent6"/>
-                </a:solidFill>
-              </a:rPr>
-            </a:br>
-            <a:r>
-              <a:rPr lang="en-US" sz="2400" dirty="0" smtClean="0">
-                <a:solidFill>
-                  <a:schemeClr val="bg1"/>
-                </a:solidFill>
-              </a:rPr>
-              <a:t>                                 </a:t>
-            </a:r>
-            <a:r>
-              <a:rPr lang="en-US" sz="2400" dirty="0" smtClean="0">
-                <a:solidFill>
-                  <a:schemeClr val="accent6"/>
-                </a:solidFill>
-              </a:rPr>
-              <a:t>2. Run ‘</a:t>
-            </a:r>
-            <a:r>
-              <a:rPr lang="en-US" sz="2400" dirty="0" err="1" smtClean="0">
-                <a:solidFill>
-                  <a:schemeClr val="bg1"/>
-                </a:solidFill>
-              </a:rPr>
-              <a:t>sudo</a:t>
-            </a:r>
-            <a:r>
-              <a:rPr lang="en-US" sz="2400" dirty="0" smtClean="0">
-                <a:solidFill>
-                  <a:schemeClr val="bg1"/>
-                </a:solidFill>
-              </a:rPr>
-              <a:t> </a:t>
-            </a:r>
-            <a:r>
-              <a:rPr lang="en-US" sz="2400" dirty="0" err="1" smtClean="0">
-                <a:solidFill>
-                  <a:schemeClr val="bg1"/>
-                </a:solidFill>
-              </a:rPr>
-              <a:t>whoami</a:t>
-            </a:r>
-            <a:r>
-              <a:rPr lang="en-US" sz="2400" dirty="0" smtClean="0">
-                <a:solidFill>
-                  <a:schemeClr val="accent6"/>
-                </a:solidFill>
-              </a:rPr>
-              <a:t>’</a:t>
-            </a:r>
-            <a:r>
-              <a:rPr lang="en-US" sz="2400" dirty="0" smtClean="0">
-                <a:solidFill>
-                  <a:schemeClr val="bg1"/>
-                </a:solidFill>
-              </a:rPr>
-              <a:t/>
-            </a:r>
-            <a:br>
-              <a:rPr lang="en-US" sz="2400" dirty="0" smtClean="0">
-                <a:solidFill>
-                  <a:schemeClr val="bg1"/>
-                </a:solidFill>
-              </a:rPr>
-            </a:br>
-            <a:r>
-              <a:rPr lang="en-US" sz="2400" dirty="0" smtClean="0">
-                <a:solidFill>
-                  <a:schemeClr val="accent6"/>
-                </a:solidFill>
-              </a:rPr>
-              <a:t/>
-            </a:r>
-            <a:br>
-              <a:rPr lang="en-US" sz="2400" dirty="0" smtClean="0">
-                <a:solidFill>
-                  <a:schemeClr val="accent6"/>
-                </a:solidFill>
-              </a:rPr>
-            </a:br>
-            <a:r>
-              <a:rPr lang="en-US" sz="2400" dirty="0" smtClean="0">
-                <a:solidFill>
-                  <a:schemeClr val="accent6"/>
-                </a:solidFill>
-              </a:rPr>
-              <a:t/>
-            </a:r>
-            <a:br>
-              <a:rPr lang="en-US" sz="2400" dirty="0" smtClean="0">
-                <a:solidFill>
-                  <a:schemeClr val="accent6"/>
-                </a:solidFill>
-              </a:rPr>
-            </a:br>
-            <a:r>
-              <a:rPr lang="en-US" sz="2400" dirty="0" smtClean="0">
-                <a:solidFill>
-                  <a:schemeClr val="accent6"/>
-                </a:solidFill>
-              </a:rPr>
-              <a:t/>
-            </a:r>
-            <a:br>
-              <a:rPr lang="en-US" sz="2400" dirty="0" smtClean="0">
-                <a:solidFill>
-                  <a:schemeClr val="accent6"/>
-                </a:solidFill>
-              </a:rPr>
-            </a:br>
-            <a:r>
-              <a:rPr lang="en-US" sz="2400" dirty="0">
-                <a:solidFill>
-                  <a:schemeClr val="accent6"/>
-                </a:solidFill>
-              </a:rPr>
-              <a:t/>
-            </a:r>
-            <a:br>
-              <a:rPr lang="en-US" sz="2400" dirty="0">
-                <a:solidFill>
-                  <a:schemeClr val="accent6"/>
-                </a:solidFill>
-              </a:rPr>
-            </a:br>
-            <a:r>
-              <a:rPr lang="en-US" sz="2400" dirty="0" smtClean="0">
-                <a:solidFill>
-                  <a:schemeClr val="accent6"/>
-                </a:solidFill>
-              </a:rPr>
-              <a:t/>
-            </a:r>
-            <a:br>
-              <a:rPr lang="en-US" sz="2400" dirty="0" smtClean="0">
-                <a:solidFill>
-                  <a:schemeClr val="accent6"/>
-                </a:solidFill>
-              </a:rPr>
-            </a:br>
-            <a:r>
-              <a:rPr lang="en-US" sz="3100" dirty="0">
-                <a:solidFill>
-                  <a:schemeClr val="accent6"/>
-                </a:solidFill>
-              </a:rPr>
-              <a:t/>
-            </a:r>
-            <a:br>
-              <a:rPr lang="en-US" sz="3100" dirty="0">
-                <a:solidFill>
-                  <a:schemeClr val="accent6"/>
-                </a:solidFill>
-              </a:rPr>
-            </a:br>
-            <a:r>
-              <a:rPr lang="en-US" sz="3100" dirty="0" smtClean="0">
-                <a:solidFill>
-                  <a:schemeClr val="accent6"/>
-                </a:solidFill>
-              </a:rPr>
-              <a:t/>
-            </a:r>
-            <a:br>
-              <a:rPr lang="en-US" sz="3100" dirty="0" smtClean="0">
-                <a:solidFill>
-                  <a:schemeClr val="accent6"/>
-                </a:solidFill>
-              </a:rPr>
-            </a:br>
-            <a:r>
-              <a:rPr lang="en-US" sz="3100" dirty="0">
-                <a:solidFill>
-                  <a:schemeClr val="accent6"/>
-                </a:solidFill>
-              </a:rPr>
-              <a:t/>
-            </a:r>
-            <a:br>
-              <a:rPr lang="en-US" sz="3100" dirty="0">
-                <a:solidFill>
-                  <a:schemeClr val="accent6"/>
-                </a:solidFill>
-              </a:rPr>
-            </a:br>
-            <a:r>
-              <a:rPr lang="en-US" sz="3100" dirty="0" smtClean="0">
-                <a:solidFill>
-                  <a:schemeClr val="accent6"/>
-                </a:solidFill>
-              </a:rPr>
-              <a:t/>
-            </a:r>
-            <a:br>
-              <a:rPr lang="en-US" sz="3100" dirty="0" smtClean="0">
-                <a:solidFill>
-                  <a:schemeClr val="accent6"/>
-                </a:solidFill>
-              </a:rPr>
-            </a:br>
-            <a:r>
-              <a:rPr lang="en-US" sz="3100" dirty="0" smtClean="0">
-                <a:solidFill>
-                  <a:schemeClr val="accent6"/>
-                </a:solidFill>
-              </a:rPr>
-              <a:t/>
-            </a:r>
-            <a:br>
-              <a:rPr lang="en-US" sz="3100" dirty="0" smtClean="0">
-                <a:solidFill>
-                  <a:schemeClr val="accent6"/>
-                </a:solidFill>
-              </a:rPr>
-            </a:br>
-            <a:r>
-              <a:rPr lang="en-US" sz="3100" dirty="0">
-                <a:solidFill>
-                  <a:schemeClr val="accent6"/>
-                </a:solidFill>
-              </a:rPr>
-              <a:t/>
-            </a:r>
-            <a:br>
-              <a:rPr lang="en-US" sz="3100" dirty="0">
-                <a:solidFill>
-                  <a:schemeClr val="accent6"/>
-                </a:solidFill>
-              </a:rPr>
-            </a:br>
-            <a:r>
-              <a:rPr lang="en-US" sz="3100" dirty="0" smtClean="0">
-                <a:solidFill>
-                  <a:schemeClr val="accent6"/>
-                </a:solidFill>
-              </a:rPr>
-              <a:t/>
-            </a:r>
-            <a:br>
-              <a:rPr lang="en-US" sz="3100" dirty="0" smtClean="0">
-                <a:solidFill>
-                  <a:schemeClr val="accent6"/>
-                </a:solidFill>
-              </a:rPr>
-            </a:br>
-            <a:r>
-              <a:rPr lang="en-US" dirty="0" smtClean="0">
-                <a:solidFill>
-                  <a:schemeClr val="accent6"/>
-                </a:solidFill>
-              </a:rPr>
-              <a:t/>
-            </a:r>
-            <a:br>
-              <a:rPr lang="en-US" dirty="0" smtClean="0">
-                <a:solidFill>
-                  <a:schemeClr val="accent6"/>
-                </a:solidFill>
-              </a:rPr>
-            </a:br>
-            <a:endParaRPr lang="bg-BG" dirty="0">
-              <a:solidFill>
-                <a:schemeClr val="accent6"/>
-              </a:solidFill>
-            </a:endParaRPr>
-          </a:p>
-        </p:txBody>
-      </p:sp>
-      <p:pic>
-        <p:nvPicPr>
-          <p:cNvPr id="3" name="Picture 2"/>
-          <p:cNvPicPr>
-            <a:picLocks noChangeAspect="1"/>
-          </p:cNvPicPr>
-          <p:nvPr/>
-        </p:nvPicPr>
-        <p:blipFill>
-          <a:blip r:embed="rId2">
-            <a:extLst>
-              <a:ext uri="{28A0092B-C50C-407E-A947-70E740481C1C}">
-                <a14:useLocalDpi xmlns:a14="http://schemas.microsoft.com/office/drawing/2010/main" val="0"/>
-              </a:ext>
-            </a:extLst>
-          </a:blip>
-          <a:stretch>
-            <a:fillRect/>
-          </a:stretch>
-        </p:blipFill>
-        <p:spPr>
-          <a:xfrm>
-            <a:off x="-2421" y="3657601"/>
-            <a:ext cx="4726821" cy="3118176"/>
-          </a:xfrm>
-          <a:prstGeom prst="rect">
-            <a:avLst/>
-          </a:prstGeom>
-        </p:spPr>
-      </p:pic>
-    </p:spTree>
-    <p:extLst>
-      <p:ext uri="{BB962C8B-B14F-4D97-AF65-F5344CB8AC3E}">
-        <p14:creationId xmlns:p14="http://schemas.microsoft.com/office/powerpoint/2010/main" val="4260789907"/>
-      </p:ext>
-    </p:extLst>
-  </p:cSld>
-  <p:clrMapOvr>
-    <a:masterClrMapping/>
-  </p:clrMapOvr>
-  <p:timing>
-    <p:tnLst>
-      <p:par>
-        <p:cTn id="1" dur="indefinite" restart="never" nodeType="tmRoot"/>
-      </p:par>
-    </p:tnLst>
-  </p:timing>
-</p:sld>
-</file>
-
-<file path=ppt/slides/slide6.xml><?xml version="1.0" encoding="utf-8"?>
-<p:sld xmlns:a="http://schemas.openxmlformats.org/drawingml/2006/main" xmlns:r="http://schemas.openxmlformats.org/officeDocument/2006/relationships" xmlns:p="http://schemas.openxmlformats.org/presentationml/2006/main">
-  <p:cSld>
-    <p:spTree>
-      <p:nvGrpSpPr>
-        <p:cNvPr id="1" name=""/>
-        <p:cNvGrpSpPr/>
-        <p:nvPr/>
-      </p:nvGrpSpPr>
-      <p:grpSpPr>
-        <a:xfrm>
-          <a:off x="0" y="0"/>
-          <a:ext cx="0" cy="0"/>
-          <a:chOff x="0" y="0"/>
-          <a:chExt cx="0" cy="0"/>
-        </a:xfrm>
-      </p:grpSpPr>
-      <p:sp>
-        <p:nvSpPr>
-          <p:cNvPr id="2" name="Title 1"/>
-          <p:cNvSpPr>
-            <a:spLocks noGrp="1"/>
-          </p:cNvSpPr>
-          <p:nvPr>
-            <p:ph type="title"/>
-          </p:nvPr>
-        </p:nvSpPr>
-        <p:spPr>
-          <a:xfrm>
-            <a:off x="838200" y="685800"/>
-            <a:ext cx="8229600" cy="1143000"/>
-          </a:xfrm>
-        </p:spPr>
-        <p:txBody>
-          <a:bodyPr>
-            <a:normAutofit fontScale="90000"/>
-          </a:bodyPr>
-          <a:lstStyle/>
-          <a:p>
-            <a:pPr algn="l"/>
-            <a:r>
-              <a:rPr lang="en-US" dirty="0" smtClean="0">
-                <a:solidFill>
-                  <a:schemeClr val="accent6"/>
-                </a:solidFill>
-              </a:rPr>
-              <a:t/>
-            </a:r>
-            <a:br>
-              <a:rPr lang="en-US" dirty="0" smtClean="0">
-                <a:solidFill>
-                  <a:schemeClr val="accent6"/>
-                </a:solidFill>
-              </a:rPr>
-            </a:br>
-            <a:r>
-              <a:rPr lang="en-US" dirty="0">
-                <a:solidFill>
-                  <a:schemeClr val="accent6"/>
-                </a:solidFill>
-              </a:rPr>
-              <a:t/>
-            </a:r>
-            <a:br>
-              <a:rPr lang="en-US" dirty="0">
-                <a:solidFill>
-                  <a:schemeClr val="accent6"/>
-                </a:solidFill>
-              </a:rPr>
-            </a:br>
-            <a:r>
-              <a:rPr lang="en-US" sz="2700" dirty="0">
-                <a:solidFill>
-                  <a:schemeClr val="accent6"/>
-                </a:solidFill>
-              </a:rPr>
-              <a:t>Regular expressions  =&gt; a text string that describes a particular search pattern</a:t>
-            </a:r>
-            <a:r>
-              <a:rPr lang="en-US" dirty="0" smtClean="0">
-                <a:solidFill>
-                  <a:schemeClr val="accent6"/>
-                </a:solidFill>
-              </a:rPr>
-              <a:t>.</a:t>
-            </a:r>
-            <a:br>
-              <a:rPr lang="en-US" dirty="0" smtClean="0">
-                <a:solidFill>
-                  <a:schemeClr val="accent6"/>
-                </a:solidFill>
-              </a:rPr>
-            </a:br>
-            <a:endParaRPr lang="bg-BG" dirty="0">
-              <a:solidFill>
-                <a:schemeClr val="accent6"/>
-              </a:solidFill>
-            </a:endParaRPr>
-          </a:p>
-        </p:txBody>
-      </p:sp>
-      <p:sp>
-        <p:nvSpPr>
-          <p:cNvPr id="3" name="Content Placeholder 2"/>
-          <p:cNvSpPr>
-            <a:spLocks noGrp="1"/>
-          </p:cNvSpPr>
-          <p:nvPr>
-            <p:ph idx="1"/>
-          </p:nvPr>
-        </p:nvSpPr>
-        <p:spPr>
-          <a:xfrm>
-            <a:off x="762000" y="1676400"/>
-            <a:ext cx="7620000" cy="4525963"/>
-          </a:xfrm>
-        </p:spPr>
-        <p:txBody>
-          <a:bodyPr>
-            <a:normAutofit fontScale="92500" lnSpcReduction="10000"/>
-          </a:bodyPr>
-          <a:lstStyle/>
-          <a:p>
-            <a:pPr marL="0" indent="0">
-              <a:buNone/>
-            </a:pPr>
-            <a:r>
-              <a:rPr lang="en-US" sz="2400" dirty="0">
-                <a:solidFill>
-                  <a:schemeClr val="bg1">
-                    <a:lumMod val="95000"/>
-                  </a:schemeClr>
-                </a:solidFill>
-              </a:rPr>
-              <a:t> </a:t>
-            </a:r>
-            <a:endParaRPr lang="en-US" dirty="0" smtClean="0">
-              <a:solidFill>
-                <a:schemeClr val="bg1">
-                  <a:lumMod val="95000"/>
-                </a:schemeClr>
-              </a:solidFill>
-            </a:endParaRPr>
-          </a:p>
-          <a:p>
-            <a:pPr marL="0" indent="0">
-              <a:buNone/>
-            </a:pPr>
-            <a:endParaRPr lang="en-US" dirty="0">
-              <a:solidFill>
-                <a:schemeClr val="bg1">
-                  <a:lumMod val="95000"/>
-                </a:schemeClr>
-              </a:solidFill>
-            </a:endParaRPr>
-          </a:p>
-          <a:p>
-            <a:pPr marL="0" indent="0">
-              <a:buNone/>
-            </a:pPr>
-            <a:r>
-              <a:rPr lang="en-US" dirty="0" smtClean="0">
-                <a:solidFill>
-                  <a:schemeClr val="bg1">
-                    <a:lumMod val="95000"/>
-                  </a:schemeClr>
-                </a:solidFill>
-              </a:rPr>
-              <a:t>^</a:t>
-            </a:r>
-            <a:r>
-              <a:rPr lang="en-US" dirty="0" err="1" smtClean="0">
-                <a:solidFill>
-                  <a:schemeClr val="bg1">
-                    <a:lumMod val="95000"/>
-                  </a:schemeClr>
-                </a:solidFill>
-              </a:rPr>
-              <a:t>anna</a:t>
-            </a:r>
-            <a:r>
-              <a:rPr lang="en-US" dirty="0" smtClean="0">
-                <a:solidFill>
-                  <a:schemeClr val="bg1">
-                    <a:lumMod val="95000"/>
-                  </a:schemeClr>
-                </a:solidFill>
-              </a:rPr>
-              <a:t> =&gt; lines that start with </a:t>
-            </a:r>
-            <a:r>
-              <a:rPr lang="en-US" dirty="0" err="1" smtClean="0">
-                <a:solidFill>
-                  <a:schemeClr val="bg1">
-                    <a:lumMod val="95000"/>
-                  </a:schemeClr>
-                </a:solidFill>
-              </a:rPr>
-              <a:t>anna</a:t>
-            </a:r>
-            <a:r>
-              <a:rPr lang="en-US" dirty="0" smtClean="0">
-                <a:solidFill>
-                  <a:schemeClr val="bg1">
-                    <a:lumMod val="95000"/>
-                  </a:schemeClr>
-                </a:solidFill>
-              </a:rPr>
-              <a:t>.</a:t>
-            </a:r>
-            <a:endParaRPr lang="en-US" dirty="0">
-              <a:solidFill>
-                <a:schemeClr val="bg1">
-                  <a:lumMod val="95000"/>
-                </a:schemeClr>
-              </a:solidFill>
-            </a:endParaRPr>
-          </a:p>
-          <a:p>
-            <a:pPr marL="0" indent="0">
-              <a:buNone/>
-            </a:pPr>
-            <a:r>
-              <a:rPr lang="en-US" dirty="0" smtClean="0">
-                <a:solidFill>
-                  <a:schemeClr val="bg1">
-                    <a:lumMod val="95000"/>
-                  </a:schemeClr>
-                </a:solidFill>
-              </a:rPr>
-              <a:t>$</a:t>
-            </a:r>
-            <a:r>
-              <a:rPr lang="en-US" dirty="0" err="1" smtClean="0">
-                <a:solidFill>
-                  <a:schemeClr val="bg1">
-                    <a:lumMod val="95000"/>
-                  </a:schemeClr>
-                </a:solidFill>
-              </a:rPr>
-              <a:t>py</a:t>
-            </a:r>
-            <a:r>
-              <a:rPr lang="en-US" dirty="0" smtClean="0">
-                <a:solidFill>
-                  <a:schemeClr val="bg1">
-                    <a:lumMod val="95000"/>
-                  </a:schemeClr>
-                </a:solidFill>
-              </a:rPr>
-              <a:t> =&gt; files that end with </a:t>
-            </a:r>
-            <a:r>
-              <a:rPr lang="en-US" dirty="0" err="1" smtClean="0">
-                <a:solidFill>
-                  <a:schemeClr val="bg1">
-                    <a:lumMod val="95000"/>
-                  </a:schemeClr>
-                </a:solidFill>
-              </a:rPr>
-              <a:t>py</a:t>
-            </a:r>
-            <a:r>
-              <a:rPr lang="en-US" dirty="0" smtClean="0">
-                <a:solidFill>
-                  <a:schemeClr val="bg1">
-                    <a:lumMod val="95000"/>
-                  </a:schemeClr>
-                </a:solidFill>
-              </a:rPr>
-              <a:t>.  </a:t>
-            </a:r>
-          </a:p>
-          <a:p>
-            <a:pPr marL="0" indent="0">
-              <a:buNone/>
-            </a:pPr>
-            <a:r>
-              <a:rPr lang="en-US" dirty="0" smtClean="0">
-                <a:solidFill>
-                  <a:schemeClr val="bg1">
-                    <a:lumMod val="95000"/>
-                  </a:schemeClr>
-                </a:solidFill>
-              </a:rPr>
-              <a:t>r[</a:t>
-            </a:r>
-            <a:r>
-              <a:rPr lang="en-US" dirty="0" err="1" smtClean="0">
-                <a:solidFill>
-                  <a:schemeClr val="bg1">
-                    <a:lumMod val="95000"/>
-                  </a:schemeClr>
-                </a:solidFill>
-              </a:rPr>
-              <a:t>aou</a:t>
-            </a:r>
-            <a:r>
-              <a:rPr lang="en-US" dirty="0" smtClean="0">
-                <a:solidFill>
-                  <a:schemeClr val="bg1">
-                    <a:lumMod val="95000"/>
-                  </a:schemeClr>
-                </a:solidFill>
-              </a:rPr>
-              <a:t>]t =&gt; rat, rot, rut.</a:t>
-            </a:r>
-          </a:p>
-          <a:p>
-            <a:pPr marL="0" indent="0">
-              <a:buNone/>
-            </a:pPr>
-            <a:endParaRPr lang="en-US" dirty="0" smtClean="0">
-              <a:solidFill>
-                <a:schemeClr val="bg1">
-                  <a:lumMod val="95000"/>
-                </a:schemeClr>
-              </a:solidFill>
-            </a:endParaRPr>
-          </a:p>
-          <a:p>
-            <a:pPr marL="0" indent="0">
-              <a:buNone/>
-            </a:pPr>
-            <a:r>
-              <a:rPr lang="en-US" dirty="0" smtClean="0">
-                <a:solidFill>
-                  <a:schemeClr val="bg1"/>
-                </a:solidFill>
-              </a:rPr>
-              <a:t>		</a:t>
-            </a:r>
-            <a:r>
-              <a:rPr lang="en-US" dirty="0" smtClean="0">
-                <a:solidFill>
-                  <a:srgbClr val="FF0000"/>
-                </a:solidFill>
-              </a:rPr>
-              <a:t>	Exercises:</a:t>
-            </a:r>
-          </a:p>
-          <a:p>
-            <a:pPr marL="514350" indent="-514350">
-              <a:buAutoNum type="arabicPeriod"/>
-            </a:pPr>
-            <a:r>
-              <a:rPr lang="en-US" dirty="0" smtClean="0">
-                <a:solidFill>
-                  <a:schemeClr val="accent6"/>
-                </a:solidFill>
-              </a:rPr>
-              <a:t>List all users starting with ‘r’.</a:t>
-            </a:r>
-          </a:p>
-          <a:p>
-            <a:pPr marL="514350" indent="-514350">
-              <a:buAutoNum type="arabicPeriod"/>
-            </a:pPr>
-            <a:r>
-              <a:rPr lang="en-US" dirty="0" smtClean="0">
-                <a:solidFill>
-                  <a:schemeClr val="accent6"/>
-                </a:solidFill>
-              </a:rPr>
-              <a:t>List all files ending in ‘</a:t>
-            </a:r>
-            <a:r>
-              <a:rPr lang="en-US" dirty="0" err="1" smtClean="0">
-                <a:solidFill>
-                  <a:schemeClr val="accent6"/>
-                </a:solidFill>
-              </a:rPr>
-              <a:t>sh</a:t>
-            </a:r>
-            <a:r>
-              <a:rPr lang="en-US" dirty="0" smtClean="0">
-                <a:solidFill>
-                  <a:schemeClr val="accent6"/>
-                </a:solidFill>
-              </a:rPr>
-              <a:t>’.</a:t>
-            </a:r>
-          </a:p>
-          <a:p>
-            <a:pPr marL="0" indent="0">
-              <a:buNone/>
-            </a:pPr>
-            <a:endParaRPr lang="en-US" dirty="0" smtClean="0">
-              <a:solidFill>
-                <a:schemeClr val="bg1"/>
-              </a:solidFill>
-            </a:endParaRPr>
-          </a:p>
-        </p:txBody>
-      </p:sp>
-    </p:spTree>
-    <p:extLst>
-      <p:ext uri="{BB962C8B-B14F-4D97-AF65-F5344CB8AC3E}">
-        <p14:creationId xmlns:p14="http://schemas.microsoft.com/office/powerpoint/2010/main" val="2692387228"/>
       </p:ext>
     </p:extLst>
   </p:cSld>
@@ -6419,8 +6033,8 @@
         </p:nvSpPr>
         <p:spPr>
           <a:xfrm>
-            <a:off x="838200" y="1676400"/>
-            <a:ext cx="8229600" cy="152400"/>
+            <a:off x="914400" y="762000"/>
+            <a:ext cx="8229600" cy="1143000"/>
           </a:xfrm>
         </p:spPr>
         <p:txBody>
@@ -6429,77 +6043,1012 @@
           </a:bodyPr>
           <a:lstStyle/>
           <a:p>
-            <a:pPr algn="l"/>
-            <a:r>
-              <a:rPr lang="en-US" dirty="0">
-                <a:solidFill>
-                  <a:schemeClr val="accent6"/>
-                </a:solidFill>
-              </a:rPr>
-              <a:t/>
-            </a:r>
-            <a:br>
-              <a:rPr lang="en-US" dirty="0">
-                <a:solidFill>
-                  <a:schemeClr val="accent6"/>
-                </a:solidFill>
-              </a:rPr>
-            </a:br>
-            <a:r>
-              <a:rPr lang="en-US" dirty="0" smtClean="0">
-                <a:solidFill>
-                  <a:schemeClr val="accent6"/>
-                </a:solidFill>
-              </a:rPr>
-              <a:t/>
-            </a:r>
-            <a:br>
-              <a:rPr lang="en-US" dirty="0" smtClean="0">
-                <a:solidFill>
-                  <a:schemeClr val="accent6"/>
-                </a:solidFill>
-              </a:rPr>
-            </a:br>
-            <a:r>
-              <a:rPr lang="en-US" dirty="0">
-                <a:solidFill>
-                  <a:schemeClr val="accent6"/>
-                </a:solidFill>
-              </a:rPr>
-              <a:t/>
-            </a:r>
-            <a:br>
-              <a:rPr lang="en-US" dirty="0">
-                <a:solidFill>
-                  <a:schemeClr val="accent6"/>
-                </a:solidFill>
-              </a:rPr>
-            </a:br>
-            <a:r>
-              <a:rPr lang="en-US" dirty="0" smtClean="0">
-                <a:solidFill>
-                  <a:schemeClr val="accent6"/>
-                </a:solidFill>
-              </a:rPr>
-              <a:t/>
-            </a:r>
-            <a:br>
-              <a:rPr lang="en-US" dirty="0" smtClean="0">
-                <a:solidFill>
-                  <a:schemeClr val="accent6"/>
-                </a:solidFill>
-              </a:rPr>
-            </a:br>
-            <a:r>
-              <a:rPr lang="en-US" dirty="0" smtClean="0">
-                <a:solidFill>
-                  <a:schemeClr val="accent6"/>
-                </a:solidFill>
-              </a:rPr>
-              <a:t/>
-            </a:r>
-            <a:br>
-              <a:rPr lang="en-US" dirty="0" smtClean="0">
+            <a:r>
+              <a:rPr lang="en-US" sz="3100" dirty="0" smtClean="0">
+                <a:solidFill>
+                  <a:schemeClr val="accent6"/>
+                </a:solidFill>
+              </a:rPr>
+              <a:t/>
+            </a:r>
+            <a:br>
+              <a:rPr lang="en-US" sz="3100" dirty="0" smtClean="0">
+                <a:solidFill>
+                  <a:schemeClr val="accent6"/>
+                </a:solidFill>
+              </a:rPr>
+            </a:br>
+            <a:r>
+              <a:rPr lang="en-US" sz="3100" dirty="0">
+                <a:solidFill>
+                  <a:schemeClr val="accent6"/>
+                </a:solidFill>
+              </a:rPr>
+              <a:t/>
+            </a:r>
+            <a:br>
+              <a:rPr lang="en-US" sz="3100" dirty="0">
+                <a:solidFill>
+                  <a:schemeClr val="accent6"/>
+                </a:solidFill>
+              </a:rPr>
+            </a:br>
+            <a:r>
+              <a:rPr lang="en-US" sz="3100" dirty="0" smtClean="0">
+                <a:solidFill>
+                  <a:schemeClr val="accent6"/>
+                </a:solidFill>
+              </a:rPr>
+              <a:t/>
+            </a:r>
+            <a:br>
+              <a:rPr lang="en-US" sz="3100" dirty="0" smtClean="0">
+                <a:solidFill>
+                  <a:schemeClr val="accent6"/>
+                </a:solidFill>
+              </a:rPr>
+            </a:br>
+            <a:r>
+              <a:rPr lang="en-US" sz="3100" dirty="0">
+                <a:solidFill>
+                  <a:schemeClr val="accent6"/>
+                </a:solidFill>
+              </a:rPr>
+              <a:t/>
+            </a:r>
+            <a:br>
+              <a:rPr lang="en-US" sz="3100" dirty="0">
+                <a:solidFill>
+                  <a:schemeClr val="accent6"/>
+                </a:solidFill>
+              </a:rPr>
+            </a:br>
+            <a:r>
+              <a:rPr lang="en-US" sz="3100" dirty="0" smtClean="0">
+                <a:solidFill>
+                  <a:schemeClr val="accent6"/>
+                </a:solidFill>
+              </a:rPr>
+              <a:t/>
+            </a:r>
+            <a:br>
+              <a:rPr lang="en-US" sz="3100" dirty="0" smtClean="0">
+                <a:solidFill>
+                  <a:schemeClr val="accent6"/>
+                </a:solidFill>
+              </a:rPr>
+            </a:br>
+            <a:r>
+              <a:rPr lang="en-US" sz="3100" dirty="0">
+                <a:solidFill>
+                  <a:schemeClr val="accent6"/>
+                </a:solidFill>
+              </a:rPr>
+              <a:t/>
+            </a:r>
+            <a:br>
+              <a:rPr lang="en-US" sz="3100" dirty="0">
+                <a:solidFill>
+                  <a:schemeClr val="accent6"/>
+                </a:solidFill>
+              </a:rPr>
+            </a:br>
+            <a:r>
+              <a:rPr lang="en-US" sz="3100" dirty="0" smtClean="0">
+                <a:solidFill>
+                  <a:schemeClr val="accent6"/>
+                </a:solidFill>
+              </a:rPr>
+              <a:t/>
+            </a:r>
+            <a:br>
+              <a:rPr lang="en-US" sz="3100" dirty="0" smtClean="0">
+                <a:solidFill>
+                  <a:schemeClr val="accent6"/>
+                </a:solidFill>
+              </a:rPr>
+            </a:br>
+            <a:r>
+              <a:rPr lang="en-US" sz="3100" dirty="0" smtClean="0">
+                <a:solidFill>
+                  <a:schemeClr val="accent6"/>
+                </a:solidFill>
+              </a:rPr>
+              <a:t/>
+            </a:r>
+            <a:br>
+              <a:rPr lang="en-US" sz="3100" dirty="0" smtClean="0">
+                <a:solidFill>
+                  <a:schemeClr val="accent6"/>
+                </a:solidFill>
+              </a:rPr>
+            </a:br>
+            <a:r>
+              <a:rPr lang="en-US" sz="3100" dirty="0">
+                <a:solidFill>
+                  <a:schemeClr val="accent6"/>
+                </a:solidFill>
+              </a:rPr>
+              <a:t/>
+            </a:r>
+            <a:br>
+              <a:rPr lang="en-US" sz="3100" dirty="0">
+                <a:solidFill>
+                  <a:schemeClr val="accent6"/>
+                </a:solidFill>
+              </a:rPr>
+            </a:br>
+            <a:r>
+              <a:rPr lang="en-US" sz="3100" dirty="0" smtClean="0">
+                <a:solidFill>
+                  <a:schemeClr val="accent6"/>
+                </a:solidFill>
+              </a:rPr>
+              <a:t/>
+            </a:r>
+            <a:br>
+              <a:rPr lang="en-US" sz="3100" dirty="0" smtClean="0">
+                <a:solidFill>
+                  <a:schemeClr val="accent6"/>
+                </a:solidFill>
+              </a:rPr>
+            </a:br>
+            <a:r>
+              <a:rPr lang="en-US" sz="3100" dirty="0" smtClean="0">
+                <a:solidFill>
+                  <a:schemeClr val="accent6"/>
+                </a:solidFill>
+              </a:rPr>
+              <a:t/>
+            </a:r>
+            <a:br>
+              <a:rPr lang="en-US" sz="3100" dirty="0" smtClean="0">
+                <a:solidFill>
+                  <a:schemeClr val="accent6"/>
+                </a:solidFill>
+              </a:rPr>
+            </a:br>
+            <a:r>
+              <a:rPr lang="en-US" sz="3100" dirty="0">
+                <a:solidFill>
+                  <a:schemeClr val="accent6"/>
+                </a:solidFill>
+              </a:rPr>
+              <a:t/>
+            </a:r>
+            <a:br>
+              <a:rPr lang="en-US" sz="3100" dirty="0">
+                <a:solidFill>
+                  <a:schemeClr val="accent6"/>
+                </a:solidFill>
+              </a:rPr>
+            </a:br>
+            <a:r>
+              <a:rPr lang="en-US" sz="3100" dirty="0" smtClean="0">
+                <a:solidFill>
+                  <a:schemeClr val="accent6"/>
+                </a:solidFill>
+              </a:rPr>
+              <a:t/>
+            </a:r>
+            <a:br>
+              <a:rPr lang="en-US" sz="3100" dirty="0" smtClean="0">
+                <a:solidFill>
+                  <a:schemeClr val="accent6"/>
+                </a:solidFill>
+              </a:rPr>
+            </a:br>
+            <a:r>
+              <a:rPr lang="en-US" sz="3100" dirty="0">
+                <a:solidFill>
+                  <a:schemeClr val="accent6"/>
+                </a:solidFill>
+              </a:rPr>
+              <a:t/>
+            </a:r>
+            <a:br>
+              <a:rPr lang="en-US" sz="3100" dirty="0">
+                <a:solidFill>
+                  <a:schemeClr val="accent6"/>
+                </a:solidFill>
+              </a:rPr>
+            </a:br>
+            <a:r>
+              <a:rPr lang="en-US" sz="3100" dirty="0" smtClean="0">
+                <a:solidFill>
+                  <a:schemeClr val="accent6"/>
+                </a:solidFill>
+              </a:rPr>
+              <a:t/>
+            </a:r>
+            <a:br>
+              <a:rPr lang="en-US" sz="3100" dirty="0" smtClean="0">
+                <a:solidFill>
+                  <a:schemeClr val="accent6"/>
+                </a:solidFill>
+              </a:rPr>
+            </a:br>
+            <a:r>
+              <a:rPr lang="en-US" sz="2400" dirty="0">
+                <a:solidFill>
+                  <a:schemeClr val="accent6"/>
+                </a:solidFill>
+              </a:rPr>
+              <a:t/>
+            </a:r>
+            <a:br>
+              <a:rPr lang="en-US" sz="2400" dirty="0">
+                <a:solidFill>
+                  <a:schemeClr val="accent6"/>
+                </a:solidFill>
+              </a:rPr>
+            </a:br>
+            <a:r>
+              <a:rPr lang="en-US" sz="2400" dirty="0" smtClean="0">
+                <a:solidFill>
+                  <a:schemeClr val="accent6"/>
+                </a:solidFill>
+              </a:rPr>
+              <a:t/>
+            </a:r>
+            <a:br>
+              <a:rPr lang="en-US" sz="2400" dirty="0" smtClean="0">
+                <a:solidFill>
+                  <a:schemeClr val="accent6"/>
+                </a:solidFill>
+              </a:rPr>
+            </a:br>
+            <a:r>
+              <a:rPr lang="en-US" sz="2400" dirty="0">
+                <a:solidFill>
+                  <a:schemeClr val="accent6"/>
+                </a:solidFill>
+              </a:rPr>
+              <a:t/>
+            </a:r>
+            <a:br>
+              <a:rPr lang="en-US" sz="2400" dirty="0">
+                <a:solidFill>
+                  <a:schemeClr val="accent6"/>
+                </a:solidFill>
+              </a:rPr>
+            </a:br>
+            <a:r>
+              <a:rPr lang="en-US" sz="2400" dirty="0" smtClean="0">
+                <a:solidFill>
+                  <a:schemeClr val="accent6"/>
+                </a:solidFill>
+              </a:rPr>
+              <a:t/>
+            </a:r>
+            <a:br>
+              <a:rPr lang="en-US" sz="2400" dirty="0" smtClean="0">
+                <a:solidFill>
+                  <a:schemeClr val="accent6"/>
+                </a:solidFill>
+              </a:rPr>
+            </a:br>
+            <a:r>
+              <a:rPr lang="en-US" sz="2400" dirty="0">
+                <a:solidFill>
+                  <a:schemeClr val="accent6"/>
+                </a:solidFill>
+              </a:rPr>
+              <a:t/>
+            </a:r>
+            <a:br>
+              <a:rPr lang="en-US" sz="2400" dirty="0">
+                <a:solidFill>
+                  <a:schemeClr val="accent6"/>
+                </a:solidFill>
+              </a:rPr>
+            </a:br>
+            <a:r>
+              <a:rPr lang="en-US" sz="2400" dirty="0" smtClean="0">
+                <a:solidFill>
+                  <a:schemeClr val="accent6"/>
+                </a:solidFill>
+              </a:rPr>
+              <a:t/>
+            </a:r>
+            <a:br>
+              <a:rPr lang="en-US" sz="2400" dirty="0" smtClean="0">
+                <a:solidFill>
+                  <a:schemeClr val="accent6"/>
+                </a:solidFill>
+              </a:rPr>
+            </a:br>
+            <a:r>
+              <a:rPr lang="en-US" sz="2400" dirty="0">
+                <a:solidFill>
+                  <a:schemeClr val="accent6"/>
+                </a:solidFill>
+              </a:rPr>
+              <a:t/>
+            </a:r>
+            <a:br>
+              <a:rPr lang="en-US" sz="2400" dirty="0">
+                <a:solidFill>
+                  <a:schemeClr val="accent6"/>
+                </a:solidFill>
+              </a:rPr>
+            </a:br>
+            <a:r>
+              <a:rPr lang="en-US" sz="2400" dirty="0" smtClean="0">
+                <a:solidFill>
+                  <a:schemeClr val="accent6"/>
+                </a:solidFill>
+              </a:rPr>
+              <a:t/>
+            </a:r>
+            <a:br>
+              <a:rPr lang="en-US" sz="2400" dirty="0" smtClean="0">
+                <a:solidFill>
+                  <a:schemeClr val="accent6"/>
+                </a:solidFill>
+              </a:rPr>
+            </a:br>
+            <a:r>
+              <a:rPr lang="en-US" sz="2400" dirty="0" err="1" smtClean="0">
+                <a:solidFill>
+                  <a:schemeClr val="accent6"/>
+                </a:solidFill>
+              </a:rPr>
+              <a:t>Sudo</a:t>
+            </a:r>
+            <a:r>
+              <a:rPr lang="en-US" sz="2400" dirty="0" smtClean="0">
+                <a:solidFill>
+                  <a:schemeClr val="accent6"/>
+                </a:solidFill>
+              </a:rPr>
+              <a:t> =&gt; super user do. A program that allows users to run programs with the security privileges of another </a:t>
+            </a:r>
+            <a:r>
+              <a:rPr lang="en-US" sz="2400" dirty="0" smtClean="0">
+                <a:solidFill>
+                  <a:schemeClr val="accent6"/>
+                </a:solidFill>
+              </a:rPr>
+              <a:t>user based on settings in ‘</a:t>
+            </a:r>
+            <a:r>
+              <a:rPr lang="en-US" sz="2400" dirty="0" smtClean="0">
+                <a:solidFill>
+                  <a:schemeClr val="bg1"/>
+                </a:solidFill>
+              </a:rPr>
+              <a:t>/</a:t>
+            </a:r>
+            <a:r>
+              <a:rPr lang="en-US" sz="2400" dirty="0" err="1" smtClean="0">
+                <a:solidFill>
+                  <a:schemeClr val="bg1"/>
+                </a:solidFill>
+              </a:rPr>
+              <a:t>etc</a:t>
+            </a:r>
+            <a:r>
+              <a:rPr lang="en-US" sz="2400" dirty="0" smtClean="0">
+                <a:solidFill>
+                  <a:schemeClr val="bg1"/>
+                </a:solidFill>
+              </a:rPr>
+              <a:t>/</a:t>
+            </a:r>
+            <a:r>
+              <a:rPr lang="en-US" sz="2400" dirty="0" err="1" smtClean="0">
+                <a:solidFill>
+                  <a:schemeClr val="bg1"/>
+                </a:solidFill>
+              </a:rPr>
+              <a:t>sudoers</a:t>
+            </a:r>
+            <a:r>
+              <a:rPr lang="en-US" sz="2400" dirty="0" smtClean="0">
+                <a:solidFill>
+                  <a:schemeClr val="accent6"/>
+                </a:solidFill>
+              </a:rPr>
+              <a:t>’, </a:t>
+            </a:r>
+            <a:r>
+              <a:rPr lang="en-US" sz="2400" dirty="0" smtClean="0">
+                <a:solidFill>
+                  <a:schemeClr val="accent6"/>
+                </a:solidFill>
+              </a:rPr>
+              <a:t>by default the </a:t>
+            </a:r>
+            <a:r>
+              <a:rPr lang="en-US" sz="2400" dirty="0" err="1" smtClean="0">
+                <a:solidFill>
+                  <a:schemeClr val="accent6"/>
+                </a:solidFill>
+              </a:rPr>
+              <a:t>superuser</a:t>
+            </a:r>
+            <a:r>
+              <a:rPr lang="en-US" sz="2400" dirty="0" smtClean="0">
+                <a:solidFill>
+                  <a:schemeClr val="accent6"/>
+                </a:solidFill>
+              </a:rPr>
+              <a:t>(root).</a:t>
+            </a:r>
+            <a:br>
+              <a:rPr lang="en-US" sz="2400" dirty="0" smtClean="0">
+                <a:solidFill>
+                  <a:schemeClr val="accent6"/>
+                </a:solidFill>
+              </a:rPr>
+            </a:br>
+            <a:r>
+              <a:rPr lang="en-US" sz="2400" dirty="0">
+                <a:solidFill>
+                  <a:schemeClr val="accent6"/>
+                </a:solidFill>
+              </a:rPr>
+              <a:t/>
+            </a:r>
+            <a:br>
+              <a:rPr lang="en-US" sz="2400" dirty="0">
+                <a:solidFill>
+                  <a:schemeClr val="accent6"/>
+                </a:solidFill>
+              </a:rPr>
+            </a:br>
+            <a:r>
+              <a:rPr lang="en-US" sz="2400" dirty="0">
+                <a:solidFill>
+                  <a:schemeClr val="bg1"/>
+                </a:solidFill>
+              </a:rPr>
+              <a:t>man </a:t>
+            </a:r>
+            <a:r>
+              <a:rPr lang="en-US" sz="2400" dirty="0" err="1">
+                <a:solidFill>
+                  <a:schemeClr val="bg1"/>
+                </a:solidFill>
+              </a:rPr>
+              <a:t>visudo</a:t>
+            </a:r>
+            <a:r>
+              <a:rPr lang="en-US" sz="2400" dirty="0" smtClean="0">
+                <a:solidFill>
+                  <a:schemeClr val="accent6"/>
+                </a:solidFill>
+              </a:rPr>
+              <a:t>.</a:t>
+            </a:r>
+            <a:br>
+              <a:rPr lang="en-US" sz="2400" dirty="0" smtClean="0">
+                <a:solidFill>
+                  <a:schemeClr val="accent6"/>
+                </a:solidFill>
+              </a:rPr>
+            </a:br>
+            <a:r>
+              <a:rPr lang="en-US" sz="2400" dirty="0">
+                <a:solidFill>
+                  <a:schemeClr val="accent6"/>
+                </a:solidFill>
+              </a:rPr>
+              <a:t/>
+            </a:r>
+            <a:br>
+              <a:rPr lang="en-US" sz="2400" dirty="0">
+                <a:solidFill>
+                  <a:schemeClr val="accent6"/>
+                </a:solidFill>
+              </a:rPr>
+            </a:br>
+            <a:r>
+              <a:rPr lang="en-US" sz="2400" dirty="0" smtClean="0">
+                <a:solidFill>
+                  <a:schemeClr val="accent6"/>
+                </a:solidFill>
+              </a:rPr>
+              <a:t>One additional benefit to using </a:t>
+            </a:r>
+            <a:r>
+              <a:rPr lang="en-US" sz="2400" dirty="0" err="1" smtClean="0">
+                <a:solidFill>
+                  <a:schemeClr val="bg1"/>
+                </a:solidFill>
+              </a:rPr>
+              <a:t>sudo</a:t>
+            </a:r>
+            <a:r>
+              <a:rPr lang="en-US" sz="2400" dirty="0">
+                <a:solidFill>
+                  <a:schemeClr val="accent6"/>
+                </a:solidFill>
+              </a:rPr>
+              <a:t> </a:t>
+            </a:r>
+            <a:r>
+              <a:rPr lang="en-US" sz="2400" dirty="0" smtClean="0">
+                <a:solidFill>
+                  <a:schemeClr val="accent6"/>
+                </a:solidFill>
+              </a:rPr>
+              <a:t>is that all commands executed using </a:t>
+            </a:r>
+            <a:r>
+              <a:rPr lang="en-US" sz="2400" dirty="0" err="1" smtClean="0">
+                <a:solidFill>
+                  <a:schemeClr val="bg1"/>
+                </a:solidFill>
+              </a:rPr>
+              <a:t>sudo</a:t>
+            </a:r>
+            <a:r>
+              <a:rPr lang="en-US" sz="2400" dirty="0" smtClean="0">
+                <a:solidFill>
+                  <a:schemeClr val="accent6"/>
+                </a:solidFill>
+              </a:rPr>
+              <a:t> are logged by default to ‘</a:t>
+            </a:r>
+            <a:r>
+              <a:rPr lang="en-US" sz="2400" dirty="0" smtClean="0">
+                <a:solidFill>
+                  <a:schemeClr val="bg1"/>
+                </a:solidFill>
+              </a:rPr>
+              <a:t>/</a:t>
+            </a:r>
+            <a:r>
+              <a:rPr lang="en-US" sz="2400" dirty="0" err="1" smtClean="0">
+                <a:solidFill>
+                  <a:schemeClr val="bg1"/>
+                </a:solidFill>
+              </a:rPr>
+              <a:t>var</a:t>
+            </a:r>
+            <a:r>
+              <a:rPr lang="en-US" sz="2400" dirty="0" smtClean="0">
+                <a:solidFill>
+                  <a:schemeClr val="bg1"/>
+                </a:solidFill>
+              </a:rPr>
+              <a:t>/log/secure</a:t>
+            </a:r>
+            <a:r>
+              <a:rPr lang="en-US" sz="2400" dirty="0" smtClean="0">
+                <a:solidFill>
+                  <a:schemeClr val="accent6"/>
+                </a:solidFill>
+              </a:rPr>
+              <a:t>’.</a:t>
+            </a:r>
+            <a:r>
+              <a:rPr lang="en-US" sz="2400" dirty="0" smtClean="0">
+                <a:solidFill>
+                  <a:schemeClr val="accent6"/>
+                </a:solidFill>
+              </a:rPr>
+              <a:t/>
+            </a:r>
+            <a:br>
+              <a:rPr lang="en-US" sz="2400" dirty="0" smtClean="0">
+                <a:solidFill>
+                  <a:schemeClr val="accent6"/>
+                </a:solidFill>
+              </a:rPr>
+            </a:br>
+            <a:r>
+              <a:rPr lang="en-US" sz="2400" dirty="0">
+                <a:solidFill>
+                  <a:schemeClr val="accent6"/>
+                </a:solidFill>
+              </a:rPr>
+              <a:t/>
+            </a:r>
+            <a:br>
+              <a:rPr lang="en-US" sz="2400" dirty="0">
+                <a:solidFill>
+                  <a:schemeClr val="accent6"/>
+                </a:solidFill>
+              </a:rPr>
+            </a:br>
+            <a:r>
+              <a:rPr lang="en-US" sz="2400" dirty="0" smtClean="0">
+                <a:solidFill>
+                  <a:schemeClr val="accent6"/>
+                </a:solidFill>
+              </a:rPr>
+              <a:t>Whenever you edit the </a:t>
+            </a:r>
+            <a:r>
+              <a:rPr lang="en-US" sz="2400" dirty="0" err="1" smtClean="0">
+                <a:solidFill>
+                  <a:schemeClr val="accent6"/>
+                </a:solidFill>
+              </a:rPr>
+              <a:t>sudo</a:t>
+            </a:r>
+            <a:r>
+              <a:rPr lang="en-US" sz="2400" dirty="0" smtClean="0">
+                <a:solidFill>
+                  <a:schemeClr val="accent6"/>
+                </a:solidFill>
+              </a:rPr>
+              <a:t> file </a:t>
+            </a:r>
+            <a:r>
+              <a:rPr lang="en-US" sz="2400" dirty="0" smtClean="0">
+                <a:solidFill>
+                  <a:schemeClr val="bg1"/>
+                </a:solidFill>
+              </a:rPr>
+              <a:t>/</a:t>
+            </a:r>
+            <a:r>
+              <a:rPr lang="en-US" sz="2400" dirty="0" err="1" smtClean="0">
+                <a:solidFill>
+                  <a:schemeClr val="bg1"/>
+                </a:solidFill>
+              </a:rPr>
+              <a:t>etc</a:t>
+            </a:r>
+            <a:r>
+              <a:rPr lang="en-US" sz="2400" dirty="0" smtClean="0">
+                <a:solidFill>
+                  <a:schemeClr val="bg1"/>
+                </a:solidFill>
+              </a:rPr>
+              <a:t>/</a:t>
+            </a:r>
+            <a:r>
+              <a:rPr lang="en-US" sz="2400" dirty="0" err="1" smtClean="0">
+                <a:solidFill>
+                  <a:schemeClr val="bg1"/>
+                </a:solidFill>
+              </a:rPr>
+              <a:t>sudoers</a:t>
+            </a:r>
+            <a:r>
+              <a:rPr lang="en-US" sz="2400" dirty="0" smtClean="0">
+                <a:solidFill>
+                  <a:schemeClr val="accent6"/>
+                </a:solidFill>
+              </a:rPr>
+              <a:t>, always use </a:t>
+            </a:r>
+            <a:r>
+              <a:rPr lang="en-US" sz="2400" dirty="0" err="1">
+                <a:solidFill>
+                  <a:schemeClr val="bg1"/>
+                </a:solidFill>
+              </a:rPr>
+              <a:t>visudo</a:t>
+            </a:r>
+            <a:r>
+              <a:rPr lang="en-US" sz="2400" dirty="0" smtClean="0">
+                <a:solidFill>
+                  <a:schemeClr val="accent6"/>
+                </a:solidFill>
+              </a:rPr>
+              <a:t>, since it locks it for the current user.</a:t>
+            </a:r>
+            <a:br>
+              <a:rPr lang="en-US" sz="2400" dirty="0" smtClean="0">
+                <a:solidFill>
+                  <a:schemeClr val="accent6"/>
+                </a:solidFill>
+              </a:rPr>
+            </a:br>
+            <a:r>
+              <a:rPr lang="en-US" sz="2400" dirty="0" smtClean="0">
+                <a:solidFill>
+                  <a:schemeClr val="accent6"/>
+                </a:solidFill>
+              </a:rPr>
+              <a:t>               </a:t>
+            </a:r>
+            <a:r>
+              <a:rPr lang="en-US" sz="2400" dirty="0" smtClean="0">
+                <a:solidFill>
+                  <a:srgbClr val="FF0000"/>
+                </a:solidFill>
+              </a:rPr>
+              <a:t>Exercises:</a:t>
+            </a:r>
+            <a:r>
+              <a:rPr lang="en-US" sz="2400" dirty="0" smtClean="0">
+                <a:solidFill>
+                  <a:schemeClr val="bg1"/>
+                </a:solidFill>
+              </a:rPr>
+              <a:t/>
+            </a:r>
+            <a:br>
+              <a:rPr lang="en-US" sz="2400" dirty="0" smtClean="0">
+                <a:solidFill>
+                  <a:schemeClr val="bg1"/>
+                </a:solidFill>
+              </a:rPr>
+            </a:br>
+            <a:r>
+              <a:rPr lang="en-US" sz="2400" dirty="0" smtClean="0">
+                <a:solidFill>
+                  <a:schemeClr val="bg1"/>
+                </a:solidFill>
+              </a:rPr>
+              <a:t>                                               </a:t>
+            </a:r>
+            <a:r>
+              <a:rPr lang="en-US" sz="2400" dirty="0" smtClean="0">
+                <a:solidFill>
+                  <a:schemeClr val="accent6"/>
+                </a:solidFill>
+              </a:rPr>
+              <a:t>1. Add a local user as a </a:t>
+            </a:r>
+            <a:r>
+              <a:rPr lang="en-US" sz="2400" dirty="0" err="1" smtClean="0">
+                <a:solidFill>
+                  <a:schemeClr val="accent6"/>
+                </a:solidFill>
+              </a:rPr>
+              <a:t>sudo</a:t>
+            </a:r>
+            <a:r>
+              <a:rPr lang="en-US" sz="2400" dirty="0" smtClean="0">
+                <a:solidFill>
+                  <a:schemeClr val="accent6"/>
+                </a:solidFill>
+              </a:rPr>
+              <a:t>.</a:t>
+            </a:r>
+            <a:br>
+              <a:rPr lang="en-US" sz="2400" dirty="0" smtClean="0">
+                <a:solidFill>
+                  <a:schemeClr val="accent6"/>
+                </a:solidFill>
+              </a:rPr>
+            </a:br>
+            <a:r>
+              <a:rPr lang="en-US" sz="2400" dirty="0" smtClean="0">
+                <a:solidFill>
+                  <a:schemeClr val="bg1"/>
+                </a:solidFill>
+              </a:rPr>
+              <a:t>                                 </a:t>
+            </a:r>
+            <a:r>
+              <a:rPr lang="en-US" sz="2400" dirty="0" smtClean="0">
+                <a:solidFill>
+                  <a:schemeClr val="accent6"/>
+                </a:solidFill>
+              </a:rPr>
+              <a:t>2. Run ‘</a:t>
+            </a:r>
+            <a:r>
+              <a:rPr lang="en-US" sz="2400" dirty="0" err="1" smtClean="0">
+                <a:solidFill>
+                  <a:schemeClr val="bg1"/>
+                </a:solidFill>
+              </a:rPr>
+              <a:t>sudo</a:t>
+            </a:r>
+            <a:r>
+              <a:rPr lang="en-US" sz="2400" dirty="0" smtClean="0">
+                <a:solidFill>
+                  <a:schemeClr val="bg1"/>
+                </a:solidFill>
+              </a:rPr>
+              <a:t> </a:t>
+            </a:r>
+            <a:r>
+              <a:rPr lang="en-US" sz="2400" dirty="0" err="1" smtClean="0">
+                <a:solidFill>
+                  <a:schemeClr val="bg1"/>
+                </a:solidFill>
+              </a:rPr>
+              <a:t>whoami</a:t>
+            </a:r>
+            <a:r>
+              <a:rPr lang="en-US" sz="2400" dirty="0" smtClean="0">
+                <a:solidFill>
+                  <a:schemeClr val="accent6"/>
+                </a:solidFill>
+              </a:rPr>
+              <a:t>’</a:t>
+            </a:r>
+            <a:r>
+              <a:rPr lang="en-US" sz="2400" dirty="0" smtClean="0">
+                <a:solidFill>
+                  <a:schemeClr val="bg1"/>
+                </a:solidFill>
+              </a:rPr>
+              <a:t/>
+            </a:r>
+            <a:br>
+              <a:rPr lang="en-US" sz="2400" dirty="0" smtClean="0">
+                <a:solidFill>
+                  <a:schemeClr val="bg1"/>
+                </a:solidFill>
+              </a:rPr>
+            </a:br>
+            <a:r>
+              <a:rPr lang="en-US" sz="2400" dirty="0" smtClean="0">
+                <a:solidFill>
+                  <a:schemeClr val="accent6"/>
+                </a:solidFill>
+              </a:rPr>
+              <a:t/>
+            </a:r>
+            <a:br>
+              <a:rPr lang="en-US" sz="2400" dirty="0" smtClean="0">
+                <a:solidFill>
+                  <a:schemeClr val="accent6"/>
+                </a:solidFill>
+              </a:rPr>
+            </a:br>
+            <a:r>
+              <a:rPr lang="en-US" sz="2400" dirty="0" smtClean="0">
+                <a:solidFill>
+                  <a:schemeClr val="accent6"/>
+                </a:solidFill>
+              </a:rPr>
+              <a:t/>
+            </a:r>
+            <a:br>
+              <a:rPr lang="en-US" sz="2400" dirty="0" smtClean="0">
+                <a:solidFill>
+                  <a:schemeClr val="accent6"/>
+                </a:solidFill>
+              </a:rPr>
+            </a:br>
+            <a:r>
+              <a:rPr lang="en-US" sz="2400" dirty="0" smtClean="0">
+                <a:solidFill>
+                  <a:schemeClr val="accent6"/>
+                </a:solidFill>
+              </a:rPr>
+              <a:t/>
+            </a:r>
+            <a:br>
+              <a:rPr lang="en-US" sz="2400" dirty="0" smtClean="0">
+                <a:solidFill>
+                  <a:schemeClr val="accent6"/>
+                </a:solidFill>
+              </a:rPr>
+            </a:br>
+            <a:r>
+              <a:rPr lang="en-US" sz="2400" dirty="0">
+                <a:solidFill>
+                  <a:schemeClr val="accent6"/>
+                </a:solidFill>
+              </a:rPr>
+              <a:t/>
+            </a:r>
+            <a:br>
+              <a:rPr lang="en-US" sz="2400" dirty="0">
+                <a:solidFill>
+                  <a:schemeClr val="accent6"/>
+                </a:solidFill>
+              </a:rPr>
+            </a:br>
+            <a:r>
+              <a:rPr lang="en-US" sz="2400" dirty="0" smtClean="0">
+                <a:solidFill>
+                  <a:schemeClr val="accent6"/>
+                </a:solidFill>
+              </a:rPr>
+              <a:t/>
+            </a:r>
+            <a:br>
+              <a:rPr lang="en-US" sz="2400" dirty="0" smtClean="0">
+                <a:solidFill>
+                  <a:schemeClr val="accent6"/>
+                </a:solidFill>
+              </a:rPr>
+            </a:br>
+            <a:r>
+              <a:rPr lang="en-US" sz="3100" dirty="0">
+                <a:solidFill>
+                  <a:schemeClr val="accent6"/>
+                </a:solidFill>
+              </a:rPr>
+              <a:t/>
+            </a:r>
+            <a:br>
+              <a:rPr lang="en-US" sz="3100" dirty="0">
+                <a:solidFill>
+                  <a:schemeClr val="accent6"/>
+                </a:solidFill>
+              </a:rPr>
+            </a:br>
+            <a:r>
+              <a:rPr lang="en-US" sz="3100" dirty="0" smtClean="0">
+                <a:solidFill>
+                  <a:schemeClr val="accent6"/>
+                </a:solidFill>
+              </a:rPr>
+              <a:t/>
+            </a:r>
+            <a:br>
+              <a:rPr lang="en-US" sz="3100" dirty="0" smtClean="0">
+                <a:solidFill>
+                  <a:schemeClr val="accent6"/>
+                </a:solidFill>
+              </a:rPr>
+            </a:br>
+            <a:r>
+              <a:rPr lang="en-US" sz="3100" dirty="0">
+                <a:solidFill>
+                  <a:schemeClr val="accent6"/>
+                </a:solidFill>
+              </a:rPr>
+              <a:t/>
+            </a:r>
+            <a:br>
+              <a:rPr lang="en-US" sz="3100" dirty="0">
+                <a:solidFill>
+                  <a:schemeClr val="accent6"/>
+                </a:solidFill>
+              </a:rPr>
+            </a:br>
+            <a:r>
+              <a:rPr lang="en-US" sz="3100" dirty="0" smtClean="0">
+                <a:solidFill>
+                  <a:schemeClr val="accent6"/>
+                </a:solidFill>
+              </a:rPr>
+              <a:t/>
+            </a:r>
+            <a:br>
+              <a:rPr lang="en-US" sz="3100" dirty="0" smtClean="0">
+                <a:solidFill>
+                  <a:schemeClr val="accent6"/>
+                </a:solidFill>
+              </a:rPr>
+            </a:br>
+            <a:r>
+              <a:rPr lang="en-US" sz="3100" dirty="0" smtClean="0">
+                <a:solidFill>
+                  <a:schemeClr val="accent6"/>
+                </a:solidFill>
+              </a:rPr>
+              <a:t/>
+            </a:r>
+            <a:br>
+              <a:rPr lang="en-US" sz="3100" dirty="0" smtClean="0">
+                <a:solidFill>
+                  <a:schemeClr val="accent6"/>
+                </a:solidFill>
+              </a:rPr>
+            </a:br>
+            <a:r>
+              <a:rPr lang="en-US" sz="3100" dirty="0">
+                <a:solidFill>
+                  <a:schemeClr val="accent6"/>
+                </a:solidFill>
+              </a:rPr>
+              <a:t/>
+            </a:r>
+            <a:br>
+              <a:rPr lang="en-US" sz="3100" dirty="0">
+                <a:solidFill>
+                  <a:schemeClr val="accent6"/>
+                </a:solidFill>
+              </a:rPr>
+            </a:br>
+            <a:r>
+              <a:rPr lang="en-US" sz="3100" dirty="0" smtClean="0">
+                <a:solidFill>
+                  <a:schemeClr val="accent6"/>
+                </a:solidFill>
+              </a:rPr>
+              <a:t/>
+            </a:r>
+            <a:br>
+              <a:rPr lang="en-US" sz="3100" dirty="0" smtClean="0">
                 <a:solidFill>
                   <a:schemeClr val="accent6"/>
                 </a:solidFill>
@@ -6528,284 +7077,1062 @@
           </a:p>
         </p:txBody>
       </p:sp>
-      <p:sp>
-        <p:nvSpPr>
-          <p:cNvPr id="7" name="TextBox 6"/>
-          <p:cNvSpPr txBox="1"/>
+      <p:pic>
+        <p:nvPicPr>
+          <p:cNvPr id="3" name="Picture 2"/>
+          <p:cNvPicPr>
+            <a:picLocks noChangeAspect="1"/>
+          </p:cNvPicPr>
           <p:nvPr/>
-        </p:nvSpPr>
+        </p:nvPicPr>
+        <p:blipFill>
+          <a:blip r:embed="rId2">
+            <a:extLst>
+              <a:ext uri="{28A0092B-C50C-407E-A947-70E740481C1C}">
+                <a14:useLocalDpi xmlns:a14="http://schemas.microsoft.com/office/drawing/2010/main" val="0"/>
+              </a:ext>
+            </a:extLst>
+          </a:blip>
+          <a:stretch>
+            <a:fillRect/>
+          </a:stretch>
+        </p:blipFill>
         <p:spPr>
           <a:xfrm>
-            <a:off x="2286000" y="2290465"/>
-            <a:ext cx="6781800" cy="369332"/>
+            <a:off x="0" y="4191000"/>
+            <a:ext cx="4726821" cy="3118176"/>
           </a:xfrm>
           <a:prstGeom prst="rect">
             <a:avLst/>
           </a:prstGeom>
-          <a:noFill/>
+        </p:spPr>
+      </p:pic>
+    </p:spTree>
+    <p:extLst>
+      <p:ext uri="{BB962C8B-B14F-4D97-AF65-F5344CB8AC3E}">
+        <p14:creationId xmlns:p14="http://schemas.microsoft.com/office/powerpoint/2010/main" val="4260789907"/>
+      </p:ext>
+    </p:extLst>
+  </p:cSld>
+  <p:clrMapOvr>
+    <a:masterClrMapping/>
+  </p:clrMapOvr>
+  <p:timing>
+    <p:tnLst>
+      <p:par>
+        <p:cTn id="1" dur="indefinite" restart="never" nodeType="tmRoot"/>
+      </p:par>
+    </p:tnLst>
+  </p:timing>
+</p:sld>
+</file>
+
+<file path=ppt/slides/slide8.xml><?xml version="1.0" encoding="utf-8"?>
+<p:sld xmlns:a="http://schemas.openxmlformats.org/drawingml/2006/main" xmlns:r="http://schemas.openxmlformats.org/officeDocument/2006/relationships" xmlns:p="http://schemas.openxmlformats.org/presentationml/2006/main">
+  <p:cSld>
+    <p:spTree>
+      <p:nvGrpSpPr>
+        <p:cNvPr id="1" name=""/>
+        <p:cNvGrpSpPr/>
+        <p:nvPr/>
+      </p:nvGrpSpPr>
+      <p:grpSpPr>
+        <a:xfrm>
+          <a:off x="0" y="0"/>
+          <a:ext cx="0" cy="0"/>
+          <a:chOff x="0" y="0"/>
+          <a:chExt cx="0" cy="0"/>
+        </a:xfrm>
+      </p:grpSpPr>
+      <p:sp>
+        <p:nvSpPr>
+          <p:cNvPr id="2" name="Title 1"/>
+          <p:cNvSpPr>
+            <a:spLocks noGrp="1"/>
+          </p:cNvSpPr>
+          <p:nvPr>
+            <p:ph type="title"/>
+          </p:nvPr>
+        </p:nvSpPr>
+        <p:spPr/>
+        <p:txBody>
+          <a:bodyPr>
+            <a:normAutofit fontScale="90000"/>
+          </a:bodyPr>
+          <a:lstStyle/>
+          <a:p>
+            <a:r>
+              <a:rPr lang="en-US" dirty="0" smtClean="0">
+                <a:solidFill>
+                  <a:schemeClr val="accent6"/>
+                </a:solidFill>
+              </a:rPr>
+              <a:t/>
+            </a:r>
+            <a:br>
+              <a:rPr lang="en-US" dirty="0" smtClean="0">
+                <a:solidFill>
+                  <a:schemeClr val="accent6"/>
+                </a:solidFill>
+              </a:rPr>
+            </a:br>
+            <a:r>
+              <a:rPr lang="en-US" dirty="0">
+                <a:solidFill>
+                  <a:schemeClr val="accent6"/>
+                </a:solidFill>
+              </a:rPr>
+              <a:t/>
+            </a:r>
+            <a:br>
+              <a:rPr lang="en-US" dirty="0">
+                <a:solidFill>
+                  <a:schemeClr val="accent6"/>
+                </a:solidFill>
+              </a:rPr>
+            </a:br>
+            <a:r>
+              <a:rPr lang="en-US" dirty="0" smtClean="0">
+                <a:solidFill>
+                  <a:schemeClr val="accent6"/>
+                </a:solidFill>
+              </a:rPr>
+              <a:t/>
+            </a:r>
+            <a:br>
+              <a:rPr lang="en-US" dirty="0" smtClean="0">
+                <a:solidFill>
+                  <a:schemeClr val="accent6"/>
+                </a:solidFill>
+              </a:rPr>
+            </a:br>
+            <a:r>
+              <a:rPr lang="en-US" dirty="0">
+                <a:solidFill>
+                  <a:schemeClr val="accent6"/>
+                </a:solidFill>
+              </a:rPr>
+              <a:t/>
+            </a:r>
+            <a:br>
+              <a:rPr lang="en-US" dirty="0">
+                <a:solidFill>
+                  <a:schemeClr val="accent6"/>
+                </a:solidFill>
+              </a:rPr>
+            </a:br>
+            <a:r>
+              <a:rPr lang="en-US" dirty="0" smtClean="0">
+                <a:solidFill>
+                  <a:schemeClr val="accent6"/>
+                </a:solidFill>
+              </a:rPr>
+              <a:t/>
+            </a:r>
+            <a:br>
+              <a:rPr lang="en-US" dirty="0" smtClean="0">
+                <a:solidFill>
+                  <a:schemeClr val="accent6"/>
+                </a:solidFill>
+              </a:rPr>
+            </a:br>
+            <a:r>
+              <a:rPr lang="en-US" dirty="0">
+                <a:solidFill>
+                  <a:schemeClr val="accent6"/>
+                </a:solidFill>
+              </a:rPr>
+              <a:t/>
+            </a:r>
+            <a:br>
+              <a:rPr lang="en-US" dirty="0">
+                <a:solidFill>
+                  <a:schemeClr val="accent6"/>
+                </a:solidFill>
+              </a:rPr>
+            </a:br>
+            <a:r>
+              <a:rPr lang="en-US" dirty="0" smtClean="0">
+                <a:solidFill>
+                  <a:schemeClr val="accent6"/>
+                </a:solidFill>
+              </a:rPr>
+              <a:t/>
+            </a:r>
+            <a:br>
+              <a:rPr lang="en-US" dirty="0" smtClean="0">
+                <a:solidFill>
+                  <a:schemeClr val="accent6"/>
+                </a:solidFill>
+              </a:rPr>
+            </a:br>
+            <a:r>
+              <a:rPr lang="en-US" dirty="0" smtClean="0">
+                <a:solidFill>
+                  <a:schemeClr val="accent6"/>
+                </a:solidFill>
+              </a:rPr>
+              <a:t/>
+            </a:r>
+            <a:br>
+              <a:rPr lang="en-US" dirty="0" smtClean="0">
+                <a:solidFill>
+                  <a:schemeClr val="accent6"/>
+                </a:solidFill>
+              </a:rPr>
+            </a:br>
+            <a:r>
+              <a:rPr lang="en-US" dirty="0">
+                <a:solidFill>
+                  <a:schemeClr val="accent6"/>
+                </a:solidFill>
+              </a:rPr>
+              <a:t/>
+            </a:r>
+            <a:br>
+              <a:rPr lang="en-US" dirty="0">
+                <a:solidFill>
+                  <a:schemeClr val="accent6"/>
+                </a:solidFill>
+              </a:rPr>
+            </a:br>
+            <a:r>
+              <a:rPr lang="en-US" sz="2200" dirty="0" smtClean="0">
+                <a:solidFill>
+                  <a:schemeClr val="accent6"/>
+                </a:solidFill>
+              </a:rPr>
+              <a:t>In RHEL 7, all members of group </a:t>
+            </a:r>
+            <a:r>
+              <a:rPr lang="en-US" sz="2200" dirty="0" smtClean="0">
+                <a:solidFill>
+                  <a:schemeClr val="bg1"/>
+                </a:solidFill>
+              </a:rPr>
+              <a:t>wheel</a:t>
+            </a:r>
+            <a:r>
+              <a:rPr lang="en-US" sz="2200" dirty="0" smtClean="0">
+                <a:solidFill>
+                  <a:schemeClr val="accent6"/>
+                </a:solidFill>
+              </a:rPr>
+              <a:t> can use </a:t>
+            </a:r>
+            <a:r>
+              <a:rPr lang="en-US" sz="2200" dirty="0" err="1" smtClean="0">
+                <a:solidFill>
+                  <a:schemeClr val="bg1"/>
+                </a:solidFill>
+              </a:rPr>
+              <a:t>sudo</a:t>
+            </a:r>
+            <a:r>
+              <a:rPr lang="en-US" sz="2200" dirty="0" smtClean="0">
+                <a:solidFill>
+                  <a:schemeClr val="accent6"/>
+                </a:solidFill>
+              </a:rPr>
+              <a:t> to run commands as any user, including root.</a:t>
+            </a:r>
+            <a:br>
+              <a:rPr lang="en-US" sz="2200" dirty="0" smtClean="0">
+                <a:solidFill>
+                  <a:schemeClr val="accent6"/>
+                </a:solidFill>
+              </a:rPr>
+            </a:br>
+            <a:r>
+              <a:rPr lang="en-US" sz="2200" dirty="0">
+                <a:solidFill>
+                  <a:schemeClr val="accent6"/>
+                </a:solidFill>
+              </a:rPr>
+              <a:t/>
+            </a:r>
+            <a:br>
+              <a:rPr lang="en-US" sz="2200" dirty="0">
+                <a:solidFill>
+                  <a:schemeClr val="accent6"/>
+                </a:solidFill>
+              </a:rPr>
+            </a:br>
+            <a:r>
+              <a:rPr lang="en-US" sz="2200" dirty="0" err="1" smtClean="0">
+                <a:solidFill>
+                  <a:schemeClr val="bg1"/>
+                </a:solidFill>
+              </a:rPr>
+              <a:t>usermod</a:t>
+            </a:r>
+            <a:r>
+              <a:rPr lang="en-US" sz="2200" dirty="0" smtClean="0">
+                <a:solidFill>
+                  <a:schemeClr val="accent6"/>
+                </a:solidFill>
+              </a:rPr>
+              <a:t> modifies existing users.</a:t>
+            </a:r>
+            <a:br>
+              <a:rPr lang="en-US" sz="2200" dirty="0" smtClean="0">
+                <a:solidFill>
+                  <a:schemeClr val="accent6"/>
+                </a:solidFill>
+              </a:rPr>
+            </a:br>
+            <a:r>
+              <a:rPr lang="en-US" sz="2200" dirty="0" err="1" smtClean="0">
+                <a:solidFill>
+                  <a:schemeClr val="bg1"/>
+                </a:solidFill>
+              </a:rPr>
+              <a:t>userdel</a:t>
+            </a:r>
+            <a:r>
+              <a:rPr lang="en-US" sz="2200" dirty="0" smtClean="0">
+                <a:solidFill>
+                  <a:schemeClr val="bg1"/>
+                </a:solidFill>
+              </a:rPr>
+              <a:t> </a:t>
+            </a:r>
+            <a:r>
+              <a:rPr lang="en-US" sz="2200" dirty="0" smtClean="0">
+                <a:solidFill>
+                  <a:schemeClr val="accent6"/>
+                </a:solidFill>
+              </a:rPr>
+              <a:t>deletes users.</a:t>
+            </a:r>
+            <a:br>
+              <a:rPr lang="en-US" sz="2200" dirty="0" smtClean="0">
+                <a:solidFill>
+                  <a:schemeClr val="accent6"/>
+                </a:solidFill>
+              </a:rPr>
+            </a:br>
+            <a:r>
+              <a:rPr lang="en-US" sz="2200" dirty="0" err="1" smtClean="0">
+                <a:solidFill>
+                  <a:schemeClr val="bg1"/>
+                </a:solidFill>
+              </a:rPr>
+              <a:t>userdel</a:t>
+            </a:r>
+            <a:r>
+              <a:rPr lang="en-US" sz="2200" dirty="0" smtClean="0">
+                <a:solidFill>
+                  <a:schemeClr val="bg1"/>
+                </a:solidFill>
+              </a:rPr>
+              <a:t> username </a:t>
+            </a:r>
+            <a:r>
+              <a:rPr lang="en-US" sz="2200" dirty="0" smtClean="0">
+                <a:solidFill>
+                  <a:schemeClr val="accent6"/>
+                </a:solidFill>
+              </a:rPr>
+              <a:t>removes the user from </a:t>
+            </a:r>
+            <a:r>
+              <a:rPr lang="en-US" sz="2200" dirty="0" smtClean="0">
+                <a:solidFill>
+                  <a:schemeClr val="bg1"/>
+                </a:solidFill>
+              </a:rPr>
+              <a:t>/</a:t>
+            </a:r>
+            <a:r>
+              <a:rPr lang="en-US" sz="2200" dirty="0" err="1" smtClean="0">
+                <a:solidFill>
+                  <a:schemeClr val="bg1"/>
+                </a:solidFill>
+              </a:rPr>
+              <a:t>etc</a:t>
+            </a:r>
+            <a:r>
+              <a:rPr lang="en-US" sz="2200" dirty="0" smtClean="0">
+                <a:solidFill>
+                  <a:schemeClr val="bg1"/>
+                </a:solidFill>
+              </a:rPr>
+              <a:t>/</a:t>
+            </a:r>
+            <a:r>
+              <a:rPr lang="en-US" sz="2200" dirty="0" err="1" smtClean="0">
+                <a:solidFill>
+                  <a:schemeClr val="bg1"/>
+                </a:solidFill>
+              </a:rPr>
+              <a:t>passwd</a:t>
+            </a:r>
+            <a:r>
+              <a:rPr lang="en-US" sz="2200" dirty="0" smtClean="0">
+                <a:solidFill>
+                  <a:schemeClr val="accent6"/>
+                </a:solidFill>
+              </a:rPr>
+              <a:t>, but leaves the home directory.</a:t>
+            </a:r>
+            <a:br>
+              <a:rPr lang="en-US" sz="2200" dirty="0" smtClean="0">
+                <a:solidFill>
+                  <a:schemeClr val="accent6"/>
+                </a:solidFill>
+              </a:rPr>
+            </a:br>
+            <a:r>
+              <a:rPr lang="en-US" sz="2200" dirty="0" err="1" smtClean="0">
+                <a:solidFill>
+                  <a:schemeClr val="bg1"/>
+                </a:solidFill>
+              </a:rPr>
+              <a:t>userdel</a:t>
+            </a:r>
+            <a:r>
+              <a:rPr lang="en-US" sz="2200" dirty="0" smtClean="0">
+                <a:solidFill>
+                  <a:schemeClr val="bg1"/>
+                </a:solidFill>
+              </a:rPr>
+              <a:t> </a:t>
+            </a:r>
+            <a:r>
+              <a:rPr lang="mr-IN" sz="2200" dirty="0" smtClean="0">
+                <a:solidFill>
+                  <a:schemeClr val="bg1"/>
+                </a:solidFill>
+              </a:rPr>
+              <a:t>–</a:t>
+            </a:r>
+            <a:r>
+              <a:rPr lang="en-US" sz="2200" dirty="0" smtClean="0">
+                <a:solidFill>
+                  <a:schemeClr val="bg1"/>
+                </a:solidFill>
+              </a:rPr>
+              <a:t>r username </a:t>
+            </a:r>
+            <a:r>
+              <a:rPr lang="en-US" sz="2200" dirty="0" smtClean="0">
+                <a:solidFill>
+                  <a:schemeClr val="accent6"/>
+                </a:solidFill>
+              </a:rPr>
+              <a:t>removes the user’s home directory.</a:t>
+            </a:r>
+            <a:br>
+              <a:rPr lang="en-US" sz="2200" dirty="0" smtClean="0">
+                <a:solidFill>
+                  <a:schemeClr val="accent6"/>
+                </a:solidFill>
+              </a:rPr>
+            </a:br>
+            <a:r>
+              <a:rPr lang="en-US" sz="2200" dirty="0">
+                <a:solidFill>
+                  <a:schemeClr val="accent6"/>
+                </a:solidFill>
+              </a:rPr>
+              <a:t/>
+            </a:r>
+            <a:br>
+              <a:rPr lang="en-US" sz="2200" dirty="0">
+                <a:solidFill>
+                  <a:schemeClr val="accent6"/>
+                </a:solidFill>
+              </a:rPr>
+            </a:br>
+            <a:r>
+              <a:rPr lang="en-US" sz="2200" dirty="0" smtClean="0">
+                <a:solidFill>
+                  <a:schemeClr val="accent6"/>
+                </a:solidFill>
+              </a:rPr>
+              <a:t>In RHEL7 the </a:t>
+            </a:r>
+            <a:r>
+              <a:rPr lang="en-US" sz="2200" dirty="0" err="1" smtClean="0">
+                <a:solidFill>
+                  <a:schemeClr val="bg1"/>
+                </a:solidFill>
+              </a:rPr>
+              <a:t>useradd</a:t>
+            </a:r>
+            <a:r>
+              <a:rPr lang="en-US" sz="2200" dirty="0" smtClean="0">
+                <a:solidFill>
+                  <a:schemeClr val="accent6"/>
+                </a:solidFill>
+              </a:rPr>
+              <a:t> command assigns new users the first free UID number available in the range starting from UID 1000 or above.</a:t>
+            </a:r>
+            <a:br>
+              <a:rPr lang="en-US" sz="2200" dirty="0" smtClean="0">
+                <a:solidFill>
+                  <a:schemeClr val="accent6"/>
+                </a:solidFill>
+              </a:rPr>
+            </a:br>
+            <a:r>
+              <a:rPr lang="en-US" sz="2200" dirty="0">
+                <a:solidFill>
+                  <a:schemeClr val="accent6"/>
+                </a:solidFill>
+              </a:rPr>
+              <a:t/>
+            </a:r>
+            <a:br>
+              <a:rPr lang="en-US" sz="2200" dirty="0">
+                <a:solidFill>
+                  <a:schemeClr val="accent6"/>
+                </a:solidFill>
+              </a:rPr>
+            </a:br>
+            <a:r>
+              <a:rPr lang="en-US" sz="2200" dirty="0" smtClean="0">
+                <a:solidFill>
+                  <a:schemeClr val="accent6"/>
+                </a:solidFill>
+              </a:rPr>
+              <a:t>Do you see the problem ?</a:t>
+            </a:r>
+            <a:br>
+              <a:rPr lang="en-US" sz="2200" dirty="0" smtClean="0">
+                <a:solidFill>
+                  <a:schemeClr val="accent6"/>
+                </a:solidFill>
+              </a:rPr>
+            </a:br>
+            <a:r>
+              <a:rPr lang="en-US" sz="2200" dirty="0" smtClean="0">
+                <a:solidFill>
+                  <a:schemeClr val="accent6"/>
+                </a:solidFill>
+              </a:rPr>
+              <a:t/>
+            </a:r>
+            <a:br>
+              <a:rPr lang="en-US" sz="2200" dirty="0" smtClean="0">
+                <a:solidFill>
+                  <a:schemeClr val="accent6"/>
+                </a:solidFill>
+              </a:rPr>
+            </a:br>
+            <a:r>
+              <a:rPr lang="en-US" sz="2200" dirty="0">
+                <a:solidFill>
+                  <a:schemeClr val="accent6"/>
+                </a:solidFill>
+              </a:rPr>
+              <a:t/>
+            </a:r>
+            <a:br>
+              <a:rPr lang="en-US" sz="2200" dirty="0">
+                <a:solidFill>
+                  <a:schemeClr val="accent6"/>
+                </a:solidFill>
+              </a:rPr>
+            </a:br>
+            <a:r>
+              <a:rPr lang="en-US" sz="2200" dirty="0" smtClean="0">
+                <a:solidFill>
+                  <a:srgbClr val="FF0000"/>
+                </a:solidFill>
+              </a:rPr>
+              <a:t>Exercises:</a:t>
+            </a:r>
+            <a:r>
+              <a:rPr lang="en-US" sz="2200" dirty="0" smtClean="0">
+                <a:solidFill>
+                  <a:schemeClr val="accent6"/>
+                </a:solidFill>
+              </a:rPr>
+              <a:t/>
+            </a:r>
+            <a:br>
+              <a:rPr lang="en-US" sz="2200" dirty="0" smtClean="0">
+                <a:solidFill>
+                  <a:schemeClr val="accent6"/>
+                </a:solidFill>
+              </a:rPr>
+            </a:br>
+            <a:r>
+              <a:rPr lang="en-US" sz="2200" dirty="0" smtClean="0">
+                <a:solidFill>
+                  <a:schemeClr val="accent6"/>
+                </a:solidFill>
+              </a:rPr>
+              <a:t>1. Create two users, make one of them a member of the wheel group.</a:t>
+            </a:r>
+            <a:br>
+              <a:rPr lang="en-US" sz="2200" dirty="0" smtClean="0">
+                <a:solidFill>
+                  <a:schemeClr val="accent6"/>
+                </a:solidFill>
+              </a:rPr>
+            </a:br>
+            <a:r>
+              <a:rPr lang="en-US" sz="2200" dirty="0" smtClean="0">
+                <a:solidFill>
+                  <a:schemeClr val="accent6"/>
+                </a:solidFill>
+              </a:rPr>
+              <a:t>2. Delete the non-</a:t>
+            </a:r>
+            <a:r>
+              <a:rPr lang="en-US" sz="2200" dirty="0" err="1" smtClean="0">
+                <a:solidFill>
+                  <a:schemeClr val="accent6"/>
+                </a:solidFill>
+              </a:rPr>
+              <a:t>sudo</a:t>
+            </a:r>
+            <a:r>
+              <a:rPr lang="en-US" sz="2200" dirty="0" smtClean="0">
+                <a:solidFill>
+                  <a:schemeClr val="accent6"/>
+                </a:solidFill>
+              </a:rPr>
+              <a:t> user with his home directory.</a:t>
+            </a:r>
+            <a:r>
+              <a:rPr lang="en-US" sz="2200" dirty="0">
+                <a:solidFill>
+                  <a:schemeClr val="accent6"/>
+                </a:solidFill>
+              </a:rPr>
+              <a:t/>
+            </a:r>
+            <a:br>
+              <a:rPr lang="en-US" sz="2200" dirty="0">
+                <a:solidFill>
+                  <a:schemeClr val="accent6"/>
+                </a:solidFill>
+              </a:rPr>
+            </a:br>
+            <a:r>
+              <a:rPr lang="en-US" sz="2200" dirty="0" smtClean="0">
+                <a:solidFill>
+                  <a:schemeClr val="accent6"/>
+                </a:solidFill>
+              </a:rPr>
+              <a:t>3. Set the password for the </a:t>
+            </a:r>
+            <a:r>
+              <a:rPr lang="en-US" sz="2200" dirty="0" err="1" smtClean="0">
+                <a:solidFill>
+                  <a:schemeClr val="accent6"/>
+                </a:solidFill>
+              </a:rPr>
+              <a:t>sudo</a:t>
+            </a:r>
+            <a:r>
+              <a:rPr lang="en-US" sz="2200" dirty="0" smtClean="0">
+                <a:solidFill>
+                  <a:schemeClr val="accent6"/>
+                </a:solidFill>
+              </a:rPr>
+              <a:t> user to ‘</a:t>
+            </a:r>
+            <a:r>
+              <a:rPr lang="en-US" sz="2200" dirty="0" err="1" smtClean="0">
+                <a:solidFill>
+                  <a:schemeClr val="accent6"/>
+                </a:solidFill>
+              </a:rPr>
+              <a:t>johny</a:t>
+            </a:r>
+            <a:r>
+              <a:rPr lang="en-US" sz="2200" dirty="0" smtClean="0">
+                <a:solidFill>
+                  <a:schemeClr val="accent6"/>
+                </a:solidFill>
+              </a:rPr>
+              <a:t>’, use </a:t>
+            </a:r>
+            <a:r>
+              <a:rPr lang="en-US" sz="2200" dirty="0" err="1" smtClean="0">
+                <a:solidFill>
+                  <a:schemeClr val="bg1"/>
+                </a:solidFill>
+              </a:rPr>
+              <a:t>passwd</a:t>
+            </a:r>
+            <a:r>
+              <a:rPr lang="en-US" sz="2200" dirty="0" smtClean="0">
+                <a:solidFill>
+                  <a:schemeClr val="accent6"/>
+                </a:solidFill>
+              </a:rPr>
+              <a:t>.</a:t>
+            </a:r>
+            <a:endParaRPr lang="en-US" sz="2200" dirty="0">
+              <a:solidFill>
+                <a:schemeClr val="accent6"/>
+              </a:solidFill>
+            </a:endParaRPr>
+          </a:p>
+        </p:txBody>
+      </p:sp>
+    </p:spTree>
+    <p:extLst>
+      <p:ext uri="{BB962C8B-B14F-4D97-AF65-F5344CB8AC3E}">
+        <p14:creationId xmlns:p14="http://schemas.microsoft.com/office/powerpoint/2010/main" val="683672999"/>
+      </p:ext>
+    </p:extLst>
+  </p:cSld>
+  <p:clrMapOvr>
+    <a:masterClrMapping/>
+  </p:clrMapOvr>
+</p:sld>
+</file>
+
+<file path=ppt/slides/slide9.xml><?xml version="1.0" encoding="utf-8"?>
+<p:sld xmlns:a="http://schemas.openxmlformats.org/drawingml/2006/main" xmlns:r="http://schemas.openxmlformats.org/officeDocument/2006/relationships" xmlns:p="http://schemas.openxmlformats.org/presentationml/2006/main">
+  <p:cSld>
+    <p:spTree>
+      <p:nvGrpSpPr>
+        <p:cNvPr id="1" name=""/>
+        <p:cNvGrpSpPr/>
+        <p:nvPr/>
+      </p:nvGrpSpPr>
+      <p:grpSpPr>
+        <a:xfrm>
+          <a:off x="0" y="0"/>
+          <a:ext cx="0" cy="0"/>
+          <a:chOff x="0" y="0"/>
+          <a:chExt cx="0" cy="0"/>
+        </a:xfrm>
+      </p:grpSpPr>
+      <p:sp>
+        <p:nvSpPr>
+          <p:cNvPr id="2" name="Title 1"/>
+          <p:cNvSpPr>
+            <a:spLocks noGrp="1"/>
+          </p:cNvSpPr>
+          <p:nvPr>
+            <p:ph type="title"/>
+          </p:nvPr>
+        </p:nvSpPr>
+        <p:spPr>
+          <a:xfrm>
+            <a:off x="838200" y="685800"/>
+            <a:ext cx="8229600" cy="1143000"/>
+          </a:xfrm>
         </p:spPr>
         <p:txBody>
-          <a:bodyPr wrap="square" rtlCol="0">
-            <a:spAutoFit/>
+          <a:bodyPr>
+            <a:normAutofit fontScale="90000"/>
           </a:bodyPr>
           <a:lstStyle/>
           <a:p>
-            <a:endParaRPr lang="en-US" b="1" dirty="0"/>
+            <a:pPr algn="l"/>
+            <a:r>
+              <a:rPr lang="en-US" dirty="0" smtClean="0">
+                <a:solidFill>
+                  <a:schemeClr val="accent6"/>
+                </a:solidFill>
+              </a:rPr>
+              <a:t/>
+            </a:r>
+            <a:br>
+              <a:rPr lang="en-US" dirty="0" smtClean="0">
+                <a:solidFill>
+                  <a:schemeClr val="accent6"/>
+                </a:solidFill>
+              </a:rPr>
+            </a:br>
+            <a:r>
+              <a:rPr lang="en-US" dirty="0">
+                <a:solidFill>
+                  <a:schemeClr val="accent6"/>
+                </a:solidFill>
+              </a:rPr>
+              <a:t/>
+            </a:r>
+            <a:br>
+              <a:rPr lang="en-US" dirty="0">
+                <a:solidFill>
+                  <a:schemeClr val="accent6"/>
+                </a:solidFill>
+              </a:rPr>
+            </a:br>
+            <a:r>
+              <a:rPr lang="en-US" sz="2700" dirty="0">
+                <a:solidFill>
+                  <a:schemeClr val="accent6"/>
+                </a:solidFill>
+              </a:rPr>
+              <a:t>Regular expressions  =&gt; a text string that describes a particular search pattern</a:t>
+            </a:r>
+            <a:r>
+              <a:rPr lang="en-US" dirty="0" smtClean="0">
+                <a:solidFill>
+                  <a:schemeClr val="accent6"/>
+                </a:solidFill>
+              </a:rPr>
+              <a:t>.</a:t>
+            </a:r>
+            <a:br>
+              <a:rPr lang="en-US" dirty="0" smtClean="0">
+                <a:solidFill>
+                  <a:schemeClr val="accent6"/>
+                </a:solidFill>
+              </a:rPr>
+            </a:br>
+            <a:endParaRPr lang="bg-BG" dirty="0">
+              <a:solidFill>
+                <a:schemeClr val="accent6"/>
+              </a:solidFill>
+            </a:endParaRPr>
           </a:p>
         </p:txBody>
       </p:sp>
       <p:sp>
         <p:nvSpPr>
-          <p:cNvPr id="3" name="TextBox 2"/>
-          <p:cNvSpPr txBox="1"/>
-          <p:nvPr/>
+          <p:cNvPr id="3" name="Content Placeholder 2"/>
+          <p:cNvSpPr>
+            <a:spLocks noGrp="1"/>
+          </p:cNvSpPr>
+          <p:nvPr>
+            <p:ph idx="1"/>
+          </p:nvPr>
         </p:nvSpPr>
         <p:spPr>
           <a:xfrm>
-            <a:off x="495300" y="1043970"/>
-            <a:ext cx="8915400" cy="6463308"/>
+            <a:off x="762000" y="1676400"/>
+            <a:ext cx="7620000" cy="4525963"/>
           </a:xfrm>
-          <a:prstGeom prst="rect">
-            <a:avLst/>
-          </a:prstGeom>
-          <a:noFill/>
         </p:spPr>
         <p:txBody>
-          <a:bodyPr wrap="square" rtlCol="0">
-            <a:spAutoFit/>
+          <a:bodyPr>
+            <a:normAutofit fontScale="92500" lnSpcReduction="10000"/>
           </a:bodyPr>
           <a:lstStyle/>
           <a:p>
-            <a:r>
-              <a:rPr lang="en-US" dirty="0" smtClean="0">
-                <a:solidFill>
-                  <a:schemeClr val="accent6"/>
-                </a:solidFill>
-              </a:rPr>
-              <a:t>LDAP = Lightweight Directory Access Protocol</a:t>
-            </a:r>
-          </a:p>
-          <a:p>
+            <a:pPr marL="0" indent="0">
+              <a:buNone/>
+            </a:pPr>
+            <a:r>
+              <a:rPr lang="en-US" sz="2400" dirty="0">
+                <a:solidFill>
+                  <a:schemeClr val="bg1">
+                    <a:lumMod val="95000"/>
+                  </a:schemeClr>
+                </a:solidFill>
+              </a:rPr>
+              <a:t> </a:t>
+            </a:r>
+            <a:endParaRPr lang="en-US" dirty="0" smtClean="0">
+              <a:solidFill>
+                <a:schemeClr val="bg1">
+                  <a:lumMod val="95000"/>
+                </a:schemeClr>
+              </a:solidFill>
+            </a:endParaRPr>
+          </a:p>
+          <a:p>
+            <a:pPr marL="0" indent="0">
+              <a:buNone/>
+            </a:pPr>
             <a:endParaRPr lang="en-US" dirty="0">
               <a:solidFill>
-                <a:schemeClr val="accent6"/>
+                <a:schemeClr val="bg1">
+                  <a:lumMod val="95000"/>
+                </a:schemeClr>
               </a:solidFill>
             </a:endParaRPr>
           </a:p>
           <a:p>
-            <a:r>
-              <a:rPr lang="en-US" dirty="0" smtClean="0">
-                <a:solidFill>
-                  <a:schemeClr val="accent6"/>
-                </a:solidFill>
-              </a:rPr>
-              <a:t>It manages related information from a centralized location through the use of directory hierarchy. LDAP is hierarchical tree based database. Information is stored as key-value pairs.</a:t>
-            </a:r>
-          </a:p>
-          <a:p>
+            <a:pPr marL="0" indent="0">
+              <a:buNone/>
+            </a:pPr>
+            <a:r>
+              <a:rPr lang="en-US" dirty="0" smtClean="0">
+                <a:solidFill>
+                  <a:schemeClr val="bg1">
+                    <a:lumMod val="95000"/>
+                  </a:schemeClr>
+                </a:solidFill>
+              </a:rPr>
+              <a:t>^</a:t>
+            </a:r>
+            <a:r>
+              <a:rPr lang="en-US" dirty="0" err="1" smtClean="0">
+                <a:solidFill>
+                  <a:schemeClr val="bg1">
+                    <a:lumMod val="95000"/>
+                  </a:schemeClr>
+                </a:solidFill>
+              </a:rPr>
+              <a:t>anna</a:t>
+            </a:r>
+            <a:r>
+              <a:rPr lang="en-US" dirty="0" smtClean="0">
+                <a:solidFill>
+                  <a:schemeClr val="bg1">
+                    <a:lumMod val="95000"/>
+                  </a:schemeClr>
+                </a:solidFill>
+              </a:rPr>
+              <a:t> =&gt; lines that start with </a:t>
+            </a:r>
+            <a:r>
+              <a:rPr lang="en-US" dirty="0" err="1" smtClean="0">
+                <a:solidFill>
+                  <a:schemeClr val="bg1">
+                    <a:lumMod val="95000"/>
+                  </a:schemeClr>
+                </a:solidFill>
+              </a:rPr>
+              <a:t>anna</a:t>
+            </a:r>
+            <a:r>
+              <a:rPr lang="en-US" dirty="0" smtClean="0">
+                <a:solidFill>
+                  <a:schemeClr val="bg1">
+                    <a:lumMod val="95000"/>
+                  </a:schemeClr>
+                </a:solidFill>
+              </a:rPr>
+              <a:t>.</a:t>
+            </a:r>
             <a:endParaRPr lang="en-US" dirty="0">
               <a:solidFill>
-                <a:schemeClr val="accent6"/>
+                <a:schemeClr val="bg1">
+                  <a:lumMod val="95000"/>
+                </a:schemeClr>
               </a:solidFill>
             </a:endParaRPr>
           </a:p>
           <a:p>
-            <a:r>
-              <a:rPr lang="en-US" dirty="0" smtClean="0">
-                <a:solidFill>
-                  <a:schemeClr val="accent6"/>
-                </a:solidFill>
-              </a:rPr>
-              <a:t>Example LDAP tree structure:</a:t>
-            </a:r>
-          </a:p>
-          <a:p>
-            <a:endParaRPr lang="en-US" dirty="0">
+            <a:pPr marL="0" indent="0">
+              <a:buNone/>
+            </a:pPr>
+            <a:r>
+              <a:rPr lang="en-US" dirty="0" smtClean="0">
+                <a:solidFill>
+                  <a:schemeClr val="bg1">
+                    <a:lumMod val="95000"/>
+                  </a:schemeClr>
+                </a:solidFill>
+              </a:rPr>
+              <a:t>$</a:t>
+            </a:r>
+            <a:r>
+              <a:rPr lang="en-US" dirty="0" err="1" smtClean="0">
+                <a:solidFill>
+                  <a:schemeClr val="bg1">
+                    <a:lumMod val="95000"/>
+                  </a:schemeClr>
+                </a:solidFill>
+              </a:rPr>
+              <a:t>py</a:t>
+            </a:r>
+            <a:r>
+              <a:rPr lang="en-US" dirty="0" smtClean="0">
+                <a:solidFill>
+                  <a:schemeClr val="bg1">
+                    <a:lumMod val="95000"/>
+                  </a:schemeClr>
+                </a:solidFill>
+              </a:rPr>
+              <a:t> =&gt; files that end with </a:t>
+            </a:r>
+            <a:r>
+              <a:rPr lang="en-US" dirty="0" err="1" smtClean="0">
+                <a:solidFill>
+                  <a:schemeClr val="bg1">
+                    <a:lumMod val="95000"/>
+                  </a:schemeClr>
+                </a:solidFill>
+              </a:rPr>
+              <a:t>py</a:t>
+            </a:r>
+            <a:r>
+              <a:rPr lang="en-US" dirty="0" smtClean="0">
+                <a:solidFill>
+                  <a:schemeClr val="bg1">
+                    <a:lumMod val="95000"/>
+                  </a:schemeClr>
+                </a:solidFill>
+              </a:rPr>
+              <a:t>.  </a:t>
+            </a:r>
+          </a:p>
+          <a:p>
+            <a:pPr marL="0" indent="0">
+              <a:buNone/>
+            </a:pPr>
+            <a:r>
+              <a:rPr lang="en-US" dirty="0" smtClean="0">
+                <a:solidFill>
+                  <a:schemeClr val="bg1">
+                    <a:lumMod val="95000"/>
+                  </a:schemeClr>
+                </a:solidFill>
+              </a:rPr>
+              <a:t>r[</a:t>
+            </a:r>
+            <a:r>
+              <a:rPr lang="en-US" dirty="0" err="1" smtClean="0">
+                <a:solidFill>
+                  <a:schemeClr val="bg1">
+                    <a:lumMod val="95000"/>
+                  </a:schemeClr>
+                </a:solidFill>
+              </a:rPr>
+              <a:t>aou</a:t>
+            </a:r>
+            <a:r>
+              <a:rPr lang="en-US" dirty="0" smtClean="0">
+                <a:solidFill>
+                  <a:schemeClr val="bg1">
+                    <a:lumMod val="95000"/>
+                  </a:schemeClr>
+                </a:solidFill>
+              </a:rPr>
+              <a:t>]t =&gt; rat, rot, rut.</a:t>
+            </a:r>
+          </a:p>
+          <a:p>
+            <a:pPr marL="0" indent="0">
+              <a:buNone/>
+            </a:pPr>
+            <a:endParaRPr lang="en-US" dirty="0" smtClean="0">
               <a:solidFill>
-                <a:schemeClr val="accent6"/>
+                <a:schemeClr val="bg1">
+                  <a:lumMod val="95000"/>
+                </a:schemeClr>
               </a:solidFill>
             </a:endParaRPr>
           </a:p>
           <a:p>
-            <a:r>
-              <a:rPr lang="en-US" dirty="0" smtClean="0">
-                <a:solidFill>
-                  <a:schemeClr val="bg1"/>
-                </a:solidFill>
-              </a:rPr>
-              <a:t>dc=</a:t>
-            </a:r>
-            <a:r>
-              <a:rPr lang="en-US" dirty="0" err="1" smtClean="0">
-                <a:solidFill>
-                  <a:schemeClr val="bg1"/>
-                </a:solidFill>
-              </a:rPr>
-              <a:t>bg</a:t>
-            </a:r>
-            <a:endParaRPr lang="en-US" dirty="0" smtClean="0">
-              <a:solidFill>
-                <a:schemeClr val="bg1"/>
-              </a:solidFill>
-            </a:endParaRPr>
-          </a:p>
-          <a:p>
-            <a:r>
-              <a:rPr lang="en-US" dirty="0">
-                <a:solidFill>
-                  <a:schemeClr val="bg1"/>
-                </a:solidFill>
-              </a:rPr>
-              <a:t> </a:t>
-            </a:r>
-            <a:r>
-              <a:rPr lang="en-US" dirty="0" smtClean="0">
-                <a:solidFill>
-                  <a:schemeClr val="bg1"/>
-                </a:solidFill>
-              </a:rPr>
-              <a:t> dc=</a:t>
-            </a:r>
-            <a:r>
-              <a:rPr lang="en-US" dirty="0" err="1" smtClean="0">
-                <a:solidFill>
-                  <a:schemeClr val="bg1"/>
-                </a:solidFill>
-              </a:rPr>
-              <a:t>softintellect</a:t>
-            </a:r>
-            <a:endParaRPr lang="en-US" dirty="0" smtClean="0">
-              <a:solidFill>
-                <a:schemeClr val="bg1"/>
-              </a:solidFill>
-            </a:endParaRPr>
-          </a:p>
-          <a:p>
-            <a:r>
-              <a:rPr lang="en-US" dirty="0" smtClean="0">
-                <a:solidFill>
-                  <a:schemeClr val="bg1"/>
-                </a:solidFill>
-              </a:rPr>
-              <a:t>    </a:t>
-            </a:r>
-            <a:r>
-              <a:rPr lang="en-US" dirty="0" err="1" smtClean="0">
-                <a:solidFill>
-                  <a:schemeClr val="bg1"/>
-                </a:solidFill>
-              </a:rPr>
-              <a:t>ou</a:t>
-            </a:r>
-            <a:r>
-              <a:rPr lang="en-US" dirty="0" smtClean="0">
-                <a:solidFill>
-                  <a:schemeClr val="bg1"/>
-                </a:solidFill>
-              </a:rPr>
-              <a:t>=students</a:t>
-            </a:r>
-          </a:p>
-          <a:p>
-            <a:r>
-              <a:rPr lang="en-US" dirty="0">
-                <a:solidFill>
-                  <a:schemeClr val="bg1"/>
-                </a:solidFill>
-              </a:rPr>
-              <a:t> </a:t>
-            </a:r>
-            <a:r>
-              <a:rPr lang="en-US" dirty="0" smtClean="0">
-                <a:solidFill>
-                  <a:schemeClr val="bg1"/>
-                </a:solidFill>
-              </a:rPr>
-              <a:t>     </a:t>
-            </a:r>
-            <a:r>
-              <a:rPr lang="en-US" dirty="0" err="1" smtClean="0">
-                <a:solidFill>
-                  <a:schemeClr val="bg1"/>
-                </a:solidFill>
-              </a:rPr>
-              <a:t>uid</a:t>
-            </a:r>
-            <a:r>
-              <a:rPr lang="en-US" dirty="0" smtClean="0">
-                <a:solidFill>
-                  <a:schemeClr val="bg1"/>
-                </a:solidFill>
-              </a:rPr>
-              <a:t>=</a:t>
-            </a:r>
-            <a:r>
-              <a:rPr lang="en-US" dirty="0" err="1" smtClean="0">
-                <a:solidFill>
-                  <a:schemeClr val="bg1"/>
-                </a:solidFill>
-              </a:rPr>
-              <a:t>ibeli</a:t>
-            </a:r>
-            <a:endParaRPr lang="en-US" dirty="0" smtClean="0">
-              <a:solidFill>
-                <a:schemeClr val="bg1"/>
-              </a:solidFill>
-            </a:endParaRPr>
-          </a:p>
-          <a:p>
-            <a:r>
-              <a:rPr lang="en-US" dirty="0">
-                <a:solidFill>
-                  <a:schemeClr val="bg1"/>
-                </a:solidFill>
-              </a:rPr>
-              <a:t> </a:t>
-            </a:r>
-            <a:r>
-              <a:rPr lang="en-US" dirty="0" smtClean="0">
-                <a:solidFill>
-                  <a:schemeClr val="bg1"/>
-                </a:solidFill>
-              </a:rPr>
-              <a:t>       </a:t>
-            </a:r>
-            <a:r>
-              <a:rPr lang="en-US" dirty="0" err="1" smtClean="0">
-                <a:solidFill>
-                  <a:schemeClr val="bg1"/>
-                </a:solidFill>
-              </a:rPr>
-              <a:t>cn</a:t>
-            </a:r>
-            <a:r>
-              <a:rPr lang="en-US" dirty="0" smtClean="0">
-                <a:solidFill>
-                  <a:schemeClr val="bg1"/>
-                </a:solidFill>
-              </a:rPr>
-              <a:t>=Iliya Belichev</a:t>
-            </a:r>
-          </a:p>
-          <a:p>
-            <a:endParaRPr lang="en-US" dirty="0">
-              <a:solidFill>
-                <a:schemeClr val="accent6"/>
-              </a:solidFill>
-            </a:endParaRPr>
-          </a:p>
-          <a:p>
-            <a:r>
-              <a:rPr lang="en-US" dirty="0" smtClean="0">
-                <a:solidFill>
-                  <a:schemeClr val="accent6"/>
-                </a:solidFill>
-              </a:rPr>
-              <a:t>Homework:</a:t>
-            </a:r>
-          </a:p>
-          <a:p>
-            <a:pPr marL="342900" indent="-342900">
+            <a:pPr marL="0" indent="0">
+              <a:buNone/>
+            </a:pPr>
+            <a:r>
+              <a:rPr lang="en-US" dirty="0" smtClean="0">
+                <a:solidFill>
+                  <a:schemeClr val="bg1"/>
+                </a:solidFill>
+              </a:rPr>
+              <a:t>		</a:t>
+            </a:r>
+            <a:r>
+              <a:rPr lang="en-US" dirty="0" smtClean="0">
+                <a:solidFill>
+                  <a:srgbClr val="FF0000"/>
+                </a:solidFill>
+              </a:rPr>
+              <a:t>	Exercises:</a:t>
+            </a:r>
+          </a:p>
+          <a:p>
+            <a:pPr marL="514350" indent="-514350">
               <a:buAutoNum type="arabicPeriod"/>
             </a:pPr>
             <a:r>
@@ -6814,7 +8141,20 @@
                   <a:schemeClr val="accent6"/>
                 </a:solidFill>
               </a:rPr>
-              <a:t>Review the </a:t>
+              <a:t>List all users starting with ‘r’.</a:t>
+            </a:r>
+          </a:p>
+          <a:p>
+            <a:pPr marL="514350" indent="-514350">
+              <a:buAutoNum type="arabicPeriod"/>
+            </a:pPr>
+            <a:r>
+              <a:rPr lang="en-US" dirty="0" smtClean="0">
+                <a:solidFill>
+                  <a:schemeClr val="accent6"/>
+                </a:solidFill>
+              </a:rPr>
+              <a:t>List all files ending in ‘</a:t>
             </a:r>
             <a:r>
               <a:rPr lang="en-US" dirty="0" err="1" smtClean="0">
@@ -6822,20 +8162,20 @@
                   <a:schemeClr val="accent6"/>
                 </a:solidFill>
               </a:rPr>
-              <a:t>previos</a:t>
-            </a:r>
-            <a:r>
-              <a:rPr lang="en-US" dirty="0" smtClean="0">
-                <a:solidFill>
-                  <a:schemeClr val="accent6"/>
-                </a:solidFill>
-              </a:rPr>
-              <a:t> three slides + this one and think about what’s most challenging for you? Try to understand something more about it, implemented in the VM, ask me questions.</a:t>
-            </a:r>
-          </a:p>
-          <a:p>
-            <a:pPr marL="342900" indent="-342900">
-              <a:buAutoNum type="arabicPeriod"/>
+              <a:t>sh</a:t>
+            </a:r>
+            <a:r>
+              <a:rPr lang="en-US" dirty="0" smtClean="0">
+                <a:solidFill>
+                  <a:schemeClr val="accent6"/>
+                </a:solidFill>
+              </a:rPr>
+              <a:t>’.</a:t>
+            </a:r>
+          </a:p>
+          <a:p>
+            <a:pPr marL="0" indent="0">
+              <a:buNone/>
             </a:pPr>
             <a:endParaRPr lang="en-US" dirty="0" smtClean="0">
               <a:solidFill>
@@ -6843,47 +8183,12 @@
               </a:solidFill>
             </a:endParaRPr>
           </a:p>
-          <a:p>
-            <a:endParaRPr lang="en-US" dirty="0" smtClean="0">
-              <a:solidFill>
-                <a:schemeClr val="bg1"/>
-              </a:solidFill>
-            </a:endParaRPr>
-          </a:p>
-          <a:p>
-            <a:endParaRPr lang="en-US" dirty="0">
-              <a:solidFill>
-                <a:schemeClr val="bg1"/>
-              </a:solidFill>
-            </a:endParaRPr>
-          </a:p>
-          <a:p>
-            <a:endParaRPr lang="en-US" dirty="0" smtClean="0">
-              <a:solidFill>
-                <a:schemeClr val="accent6"/>
-              </a:solidFill>
-            </a:endParaRPr>
-          </a:p>
-          <a:p>
-            <a:endParaRPr lang="en-US" dirty="0">
-              <a:solidFill>
-                <a:schemeClr val="accent6"/>
-              </a:solidFill>
-            </a:endParaRPr>
-          </a:p>
-          <a:p>
-            <a:endParaRPr lang="en-US" dirty="0">
-              <a:solidFill>
-                <a:schemeClr val="accent6"/>
-              </a:solidFill>
-            </a:endParaRPr>
-          </a:p>
         </p:txBody>
       </p:sp>
     </p:spTree>
     <p:extLst>
       <p:ext uri="{BB962C8B-B14F-4D97-AF65-F5344CB8AC3E}">
-        <p14:creationId xmlns:p14="http://schemas.microsoft.com/office/powerpoint/2010/main" val="1244033896"/>
+        <p14:creationId xmlns:p14="http://schemas.microsoft.com/office/powerpoint/2010/main" val="2692387228"/>
       </p:ext>
     </p:extLst>
   </p:cSld>
